--- a/lesson05.pptx
+++ b/lesson05.pptx
@@ -914,7 +914,7 @@
   <pc:docChgLst>
     <pc:chgData name="Anatoliy Kigel" userId="7432c6c4687b0a9c" providerId="LiveId" clId="{0DF8EB3D-DCDF-4593-9CA3-803FBE154B25}"/>
     <pc:docChg chg="custSel addSld delSld modSld">
-      <pc:chgData name="Anatoliy Kigel" userId="7432c6c4687b0a9c" providerId="LiveId" clId="{0DF8EB3D-DCDF-4593-9CA3-803FBE154B25}" dt="2022-02-07T07:22:36.033" v="54" actId="1036"/>
+      <pc:chgData name="Anatoliy Kigel" userId="7432c6c4687b0a9c" providerId="LiveId" clId="{0DF8EB3D-DCDF-4593-9CA3-803FBE154B25}" dt="2022-02-11T07:18:08.438" v="56" actId="20577"/>
       <pc:docMkLst>
         <pc:docMk/>
       </pc:docMkLst>
@@ -955,6 +955,21 @@
           </ac:spMkLst>
         </pc:spChg>
       </pc:sldChg>
+      <pc:sldChg chg="modSp mod">
+        <pc:chgData name="Anatoliy Kigel" userId="7432c6c4687b0a9c" providerId="LiveId" clId="{0DF8EB3D-DCDF-4593-9CA3-803FBE154B25}" dt="2022-02-11T07:18:08.438" v="56" actId="20577"/>
+        <pc:sldMkLst>
+          <pc:docMk/>
+          <pc:sldMk cId="3390331817" sldId="584"/>
+        </pc:sldMkLst>
+        <pc:spChg chg="mod">
+          <ac:chgData name="Anatoliy Kigel" userId="7432c6c4687b0a9c" providerId="LiveId" clId="{0DF8EB3D-DCDF-4593-9CA3-803FBE154B25}" dt="2022-02-11T07:18:08.438" v="56" actId="20577"/>
+          <ac:spMkLst>
+            <pc:docMk/>
+            <pc:sldMk cId="3390331817" sldId="584"/>
+            <ac:spMk id="6" creationId="{ABA43070-33C4-4988-83D7-C61A263CB072}"/>
+          </ac:spMkLst>
+        </pc:spChg>
+      </pc:sldChg>
       <pc:sldChg chg="add">
         <pc:chgData name="Anatoliy Kigel" userId="7432c6c4687b0a9c" providerId="LiveId" clId="{0DF8EB3D-DCDF-4593-9CA3-803FBE154B25}" dt="2022-02-07T07:21:45.950" v="0"/>
         <pc:sldMkLst>
@@ -1050,7 +1065,7 @@
             <a:fld id="{85522811-C5C6-42D2-A409-F8556720C93F}" type="datetimeFigureOut">
               <a:rPr lang="uk-UA" smtClean="0"/>
               <a:pPr/>
-              <a:t>07.02.2022</a:t>
+              <a:t>11.02.2022</a:t>
             </a:fld>
             <a:endParaRPr lang="uk-UA"/>
           </a:p>
@@ -1590,7 +1605,7 @@
             <a:fld id="{E6FC6B0D-6115-4D7C-8040-9C8E2349BB6E}" type="datetime1">
               <a:rPr lang="uk-UA" smtClean="0"/>
               <a:pPr/>
-              <a:t>07.02.2022</a:t>
+              <a:t>11.02.2022</a:t>
             </a:fld>
             <a:endParaRPr lang="uk-UA"/>
           </a:p>
@@ -1757,7 +1772,7 @@
             <a:fld id="{996367BA-0A39-4DE2-BFC3-D5290044365E}" type="datetime1">
               <a:rPr lang="uk-UA" smtClean="0"/>
               <a:pPr/>
-              <a:t>07.02.2022</a:t>
+              <a:t>11.02.2022</a:t>
             </a:fld>
             <a:endParaRPr lang="uk-UA"/>
           </a:p>
@@ -1934,7 +1949,7 @@
             <a:fld id="{1BD6A67F-6C29-47DC-AF8A-FDB3C787DF70}" type="datetime1">
               <a:rPr lang="uk-UA" smtClean="0"/>
               <a:pPr/>
-              <a:t>07.02.2022</a:t>
+              <a:t>11.02.2022</a:t>
             </a:fld>
             <a:endParaRPr lang="uk-UA"/>
           </a:p>
@@ -2101,7 +2116,7 @@
             <a:fld id="{1657D9C5-7FF1-434F-B56E-9BAD559744E9}" type="datetime1">
               <a:rPr lang="uk-UA" smtClean="0"/>
               <a:pPr/>
-              <a:t>07.02.2022</a:t>
+              <a:t>11.02.2022</a:t>
             </a:fld>
             <a:endParaRPr lang="uk-UA"/>
           </a:p>
@@ -2344,7 +2359,7 @@
             <a:fld id="{2CEB0FC9-DE63-476B-A1A9-BE934D9049F8}" type="datetime1">
               <a:rPr lang="uk-UA" smtClean="0"/>
               <a:pPr/>
-              <a:t>07.02.2022</a:t>
+              <a:t>11.02.2022</a:t>
             </a:fld>
             <a:endParaRPr lang="uk-UA"/>
           </a:p>
@@ -2629,7 +2644,7 @@
             <a:fld id="{F964460F-86E2-4DF6-9D0F-12F5005CF375}" type="datetime1">
               <a:rPr lang="uk-UA" smtClean="0"/>
               <a:pPr/>
-              <a:t>07.02.2022</a:t>
+              <a:t>11.02.2022</a:t>
             </a:fld>
             <a:endParaRPr lang="uk-UA"/>
           </a:p>
@@ -3048,7 +3063,7 @@
             <a:fld id="{C521715E-DDCD-4267-B0A5-2918B6F6768A}" type="datetime1">
               <a:rPr lang="uk-UA" smtClean="0"/>
               <a:pPr/>
-              <a:t>07.02.2022</a:t>
+              <a:t>11.02.2022</a:t>
             </a:fld>
             <a:endParaRPr lang="uk-UA"/>
           </a:p>
@@ -3163,7 +3178,7 @@
             <a:fld id="{9289842C-EB2D-4EBB-A272-2F6A49D9794D}" type="datetime1">
               <a:rPr lang="uk-UA" smtClean="0"/>
               <a:pPr/>
-              <a:t>07.02.2022</a:t>
+              <a:t>11.02.2022</a:t>
             </a:fld>
             <a:endParaRPr lang="uk-UA"/>
           </a:p>
@@ -3255,7 +3270,7 @@
             <a:fld id="{D036F091-B700-4B52-99AC-85D0FD94D904}" type="datetime1">
               <a:rPr lang="uk-UA" smtClean="0"/>
               <a:pPr/>
-              <a:t>07.02.2022</a:t>
+              <a:t>11.02.2022</a:t>
             </a:fld>
             <a:endParaRPr lang="uk-UA"/>
           </a:p>
@@ -3529,7 +3544,7 @@
             <a:fld id="{B35DFABA-3811-4634-B803-2EAC4CD0063B}" type="datetime1">
               <a:rPr lang="uk-UA" smtClean="0"/>
               <a:pPr/>
-              <a:t>07.02.2022</a:t>
+              <a:t>11.02.2022</a:t>
             </a:fld>
             <a:endParaRPr lang="uk-UA"/>
           </a:p>
@@ -3779,7 +3794,7 @@
             <a:fld id="{8A9EA25E-F88E-463A-A119-D1E55A881002}" type="datetime1">
               <a:rPr lang="uk-UA" smtClean="0"/>
               <a:pPr/>
-              <a:t>07.02.2022</a:t>
+              <a:t>11.02.2022</a:t>
             </a:fld>
             <a:endParaRPr lang="uk-UA"/>
           </a:p>
@@ -3989,7 +4004,7 @@
             <a:fld id="{E708ED03-0080-49A2-B709-7DA4ACB3A1C3}" type="datetime1">
               <a:rPr lang="uk-UA" smtClean="0"/>
               <a:pPr/>
-              <a:t>07.02.2022</a:t>
+              <a:t>11.02.2022</a:t>
             </a:fld>
             <a:endParaRPr lang="uk-UA"/>
           </a:p>
@@ -13379,14 +13394,14 @@
               <a:t>Домашнее задание </a:t>
             </a:r>
             <a:r>
-              <a:rPr lang="en-US" sz="3200" b="1" dirty="0">
+              <a:rPr lang="en-US" sz="3200" b="1">
                 <a:solidFill>
                   <a:schemeClr val="accent6">
                     <a:lumMod val="75000"/>
                   </a:schemeClr>
                 </a:solidFill>
               </a:rPr>
-              <a:t>#H.</a:t>
+              <a:t>#E.</a:t>
             </a:r>
             <a:r>
               <a:rPr lang="uk-UA" sz="3200" b="1" dirty="0">

--- a/lesson05.pptx
+++ b/lesson05.pptx
@@ -5,7 +5,7 @@
     <p:sldMasterId id="2147483648" r:id="rId1"/>
   </p:sldMasterIdLst>
   <p:notesMasterIdLst>
-    <p:notesMasterId r:id="rId47"/>
+    <p:notesMasterId r:id="rId46"/>
   </p:notesMasterIdLst>
   <p:sldIdLst>
     <p:sldId id="561" r:id="rId2"/>
@@ -21,38 +21,37 @@
     <p:sldId id="532" r:id="rId12"/>
     <p:sldId id="531" r:id="rId13"/>
     <p:sldId id="526" r:id="rId14"/>
-    <p:sldId id="563" r:id="rId15"/>
-    <p:sldId id="500" r:id="rId16"/>
-    <p:sldId id="473" r:id="rId17"/>
-    <p:sldId id="474" r:id="rId18"/>
-    <p:sldId id="475" r:id="rId19"/>
-    <p:sldId id="477" r:id="rId20"/>
-    <p:sldId id="495" r:id="rId21"/>
-    <p:sldId id="497" r:id="rId22"/>
-    <p:sldId id="557" r:id="rId23"/>
-    <p:sldId id="508" r:id="rId24"/>
-    <p:sldId id="507" r:id="rId25"/>
-    <p:sldId id="520" r:id="rId26"/>
-    <p:sldId id="511" r:id="rId27"/>
-    <p:sldId id="514" r:id="rId28"/>
-    <p:sldId id="515" r:id="rId29"/>
-    <p:sldId id="516" r:id="rId30"/>
-    <p:sldId id="517" r:id="rId31"/>
-    <p:sldId id="558" r:id="rId32"/>
-    <p:sldId id="567" r:id="rId33"/>
-    <p:sldId id="568" r:id="rId34"/>
-    <p:sldId id="569" r:id="rId35"/>
-    <p:sldId id="570" r:id="rId36"/>
-    <p:sldId id="571" r:id="rId37"/>
-    <p:sldId id="572" r:id="rId38"/>
-    <p:sldId id="573" r:id="rId39"/>
-    <p:sldId id="574" r:id="rId40"/>
-    <p:sldId id="576" r:id="rId41"/>
-    <p:sldId id="582" r:id="rId42"/>
-    <p:sldId id="585" r:id="rId43"/>
-    <p:sldId id="579" r:id="rId44"/>
-    <p:sldId id="580" r:id="rId45"/>
-    <p:sldId id="584" r:id="rId46"/>
+    <p:sldId id="500" r:id="rId15"/>
+    <p:sldId id="473" r:id="rId16"/>
+    <p:sldId id="474" r:id="rId17"/>
+    <p:sldId id="475" r:id="rId18"/>
+    <p:sldId id="477" r:id="rId19"/>
+    <p:sldId id="495" r:id="rId20"/>
+    <p:sldId id="497" r:id="rId21"/>
+    <p:sldId id="557" r:id="rId22"/>
+    <p:sldId id="508" r:id="rId23"/>
+    <p:sldId id="507" r:id="rId24"/>
+    <p:sldId id="520" r:id="rId25"/>
+    <p:sldId id="511" r:id="rId26"/>
+    <p:sldId id="514" r:id="rId27"/>
+    <p:sldId id="515" r:id="rId28"/>
+    <p:sldId id="516" r:id="rId29"/>
+    <p:sldId id="517" r:id="rId30"/>
+    <p:sldId id="558" r:id="rId31"/>
+    <p:sldId id="567" r:id="rId32"/>
+    <p:sldId id="568" r:id="rId33"/>
+    <p:sldId id="569" r:id="rId34"/>
+    <p:sldId id="570" r:id="rId35"/>
+    <p:sldId id="571" r:id="rId36"/>
+    <p:sldId id="572" r:id="rId37"/>
+    <p:sldId id="573" r:id="rId38"/>
+    <p:sldId id="574" r:id="rId39"/>
+    <p:sldId id="576" r:id="rId40"/>
+    <p:sldId id="582" r:id="rId41"/>
+    <p:sldId id="585" r:id="rId42"/>
+    <p:sldId id="579" r:id="rId43"/>
+    <p:sldId id="580" r:id="rId44"/>
+    <p:sldId id="584" r:id="rId45"/>
   </p:sldIdLst>
   <p:sldSz cx="12192000" cy="6858000"/>
   <p:notesSz cx="6858000" cy="9144000"/>
@@ -914,7 +913,7 @@
   <pc:docChgLst>
     <pc:chgData name="Anatoliy Kigel" userId="7432c6c4687b0a9c" providerId="LiveId" clId="{0DF8EB3D-DCDF-4593-9CA3-803FBE154B25}"/>
     <pc:docChg chg="custSel addSld delSld modSld">
-      <pc:chgData name="Anatoliy Kigel" userId="7432c6c4687b0a9c" providerId="LiveId" clId="{0DF8EB3D-DCDF-4593-9CA3-803FBE154B25}" dt="2022-02-11T07:18:08.438" v="56" actId="20577"/>
+      <pc:chgData name="Anatoliy Kigel" userId="7432c6c4687b0a9c" providerId="LiveId" clId="{0DF8EB3D-DCDF-4593-9CA3-803FBE154B25}" dt="2022-02-11T07:19:22.632" v="57" actId="47"/>
       <pc:docMkLst>
         <pc:docMk/>
       </pc:docMkLst>
@@ -923,6 +922,13 @@
         <pc:sldMkLst>
           <pc:docMk/>
           <pc:sldMk cId="1950205379" sldId="506"/>
+        </pc:sldMkLst>
+      </pc:sldChg>
+      <pc:sldChg chg="del">
+        <pc:chgData name="Anatoliy Kigel" userId="7432c6c4687b0a9c" providerId="LiveId" clId="{0DF8EB3D-DCDF-4593-9CA3-803FBE154B25}" dt="2022-02-11T07:19:22.632" v="57" actId="47"/>
+        <pc:sldMkLst>
+          <pc:docMk/>
+          <pc:sldMk cId="4122738461" sldId="563"/>
         </pc:sldMkLst>
       </pc:sldChg>
       <pc:sldChg chg="del">
@@ -5524,426 +5530,58 @@
       </p:grpSpPr>
       <p:sp>
         <p:nvSpPr>
-          <p:cNvPr id="20" name="Номер слайда 36"/>
-          <p:cNvSpPr txBox="1">
-            <a:spLocks/>
-          </p:cNvSpPr>
-          <p:nvPr/>
-        </p:nvSpPr>
-        <p:spPr>
-          <a:xfrm>
-            <a:off x="11280576" y="6114018"/>
-            <a:ext cx="648072" cy="432048"/>
-          </a:xfrm>
-          <a:prstGeom prst="roundRect">
-            <a:avLst/>
-          </a:prstGeom>
-          <a:ln w="25400" cap="flat" cmpd="sng" algn="ctr">
-            <a:solidFill>
-              <a:schemeClr val="tx2">
-                <a:lumMod val="60000"/>
-                <a:lumOff val="40000"/>
-              </a:schemeClr>
-            </a:solidFill>
-            <a:prstDash val="solid"/>
-          </a:ln>
+          <p:cNvPr id="5" name="Прямоугольник 4"/>
+          <p:cNvSpPr/>
+          <p:nvPr/>
+        </p:nvSpPr>
+        <p:spPr>
+          <a:xfrm>
+            <a:off x="0" y="0"/>
+            <a:ext cx="12192000" cy="6858000"/>
+          </a:xfrm>
+          <a:prstGeom prst="rect">
+            <a:avLst/>
+          </a:prstGeom>
+          <a:solidFill>
+            <a:schemeClr val="tx2">
+              <a:lumMod val="75000"/>
+            </a:schemeClr>
+          </a:solidFill>
         </p:spPr>
         <p:style>
           <a:lnRef idx="2">
-            <a:schemeClr val="accent1"/>
+            <a:schemeClr val="accent1">
+              <a:shade val="50000"/>
+            </a:schemeClr>
           </a:lnRef>
           <a:fillRef idx="1">
-            <a:schemeClr val="lt1"/>
+            <a:schemeClr val="accent1"/>
           </a:fillRef>
           <a:effectRef idx="0">
             <a:schemeClr val="accent1"/>
           </a:effectRef>
           <a:fontRef idx="minor">
-            <a:schemeClr val="dk1"/>
+            <a:schemeClr val="lt1"/>
           </a:fontRef>
         </p:style>
         <p:txBody>
-          <a:bodyPr vert="horz" lIns="91440" tIns="45720" rIns="91440" bIns="45720" rtlCol="0" anchor="ctr"/>
-          <a:lstStyle/>
-          <a:p>
-            <a:pPr algn="ctr">
-              <a:defRPr/>
-            </a:pPr>
-            <a:fld id="{6389AA22-90B4-448C-8B6B-C699140D38B9}" type="slidenum">
-              <a:rPr lang="uk-UA" sz="2400" b="1">
-                <a:solidFill>
-                  <a:schemeClr val="bg1">
-                    <a:lumMod val="50000"/>
-                  </a:schemeClr>
-                </a:solidFill>
-              </a:rPr>
-              <a:pPr algn="ctr">
-                <a:defRPr/>
-              </a:pPr>
-              <a:t>14</a:t>
-            </a:fld>
-            <a:endParaRPr lang="uk-UA" sz="2400" b="1" dirty="0">
-              <a:solidFill>
-                <a:schemeClr val="bg1">
-                  <a:lumMod val="50000"/>
-                </a:schemeClr>
-              </a:solidFill>
-            </a:endParaRPr>
-          </a:p>
-        </p:txBody>
-      </p:sp>
-      <p:sp>
-        <p:nvSpPr>
-          <p:cNvPr id="25" name="TextBox 24"/>
-          <p:cNvSpPr txBox="1"/>
-          <p:nvPr/>
-        </p:nvSpPr>
-        <p:spPr>
-          <a:xfrm>
-            <a:off x="0" y="272842"/>
-            <a:ext cx="12191999" cy="707886"/>
-          </a:xfrm>
-          <a:prstGeom prst="rect">
-            <a:avLst/>
-          </a:prstGeom>
-          <a:noFill/>
-        </p:spPr>
-        <p:txBody>
-          <a:bodyPr wrap="square" rtlCol="0">
-            <a:spAutoFit/>
-          </a:bodyPr>
+          <a:bodyPr rtlCol="0" anchor="ctr"/>
           <a:lstStyle/>
           <a:p>
             <a:pPr algn="ctr"/>
             <a:r>
-              <a:rPr lang="en-US" sz="4000" b="1" dirty="0"/>
-              <a:t>JavaScript </a:t>
-            </a:r>
-            <a:r>
-              <a:rPr lang="ru-RU" sz="4000" b="1" dirty="0"/>
-              <a:t>в </a:t>
-            </a:r>
-            <a:r>
-              <a:rPr lang="en-US" sz="4000" b="1" dirty="0"/>
-              <a:t>HTML</a:t>
-            </a:r>
-            <a:endParaRPr lang="ru-RU" sz="4000" b="1" dirty="0"/>
-          </a:p>
-        </p:txBody>
-      </p:sp>
-      <p:sp>
-        <p:nvSpPr>
-          <p:cNvPr id="2" name="TextBox 1"/>
-          <p:cNvSpPr txBox="1"/>
-          <p:nvPr/>
-        </p:nvSpPr>
-        <p:spPr>
-          <a:xfrm>
-            <a:off x="2292015" y="1148551"/>
-            <a:ext cx="7470037" cy="1200329"/>
-          </a:xfrm>
-          <a:prstGeom prst="rect">
-            <a:avLst/>
-          </a:prstGeom>
-          <a:noFill/>
-        </p:spPr>
-        <p:txBody>
-          <a:bodyPr wrap="square" rtlCol="0">
-            <a:spAutoFit/>
-          </a:bodyPr>
-          <a:lstStyle/>
-          <a:p>
-            <a:r>
-              <a:rPr lang="ru-RU" sz="2400" dirty="0"/>
-              <a:t>Разрешить это неудобство (с выполнением кода сразу, а не когда страница полностью загрузится) можно разными способами, например: </a:t>
-            </a:r>
-          </a:p>
-        </p:txBody>
-      </p:sp>
-      <p:sp>
-        <p:nvSpPr>
-          <p:cNvPr id="6" name="TextBox 5"/>
-          <p:cNvSpPr txBox="1"/>
-          <p:nvPr/>
-        </p:nvSpPr>
-        <p:spPr>
-          <a:xfrm>
-            <a:off x="2397073" y="2609617"/>
-            <a:ext cx="6984776" cy="1323439"/>
-          </a:xfrm>
-          <a:prstGeom prst="rect">
-            <a:avLst/>
-          </a:prstGeom>
-          <a:noFill/>
-        </p:spPr>
-        <p:txBody>
-          <a:bodyPr wrap="square" rtlCol="0">
-            <a:spAutoFit/>
-          </a:bodyPr>
-          <a:lstStyle/>
-          <a:p>
-            <a:pPr marL="342900" indent="-342900">
-              <a:buAutoNum type="arabicPeriod"/>
-            </a:pPr>
-            <a:r>
-              <a:rPr lang="ru-RU" sz="2000" dirty="0"/>
-              <a:t>Разместить весь код в конце документа;</a:t>
-            </a:r>
-          </a:p>
-          <a:p>
-            <a:pPr marL="342900" indent="-342900">
-              <a:buAutoNum type="arabicPeriod"/>
-            </a:pPr>
-            <a:r>
-              <a:rPr lang="ru-RU" sz="2000" dirty="0"/>
-              <a:t>Разместить весь код во внешнем файле и подключить его с атрибутом </a:t>
-            </a:r>
-            <a:r>
-              <a:rPr lang="en-US" sz="2000" b="1" dirty="0"/>
-              <a:t>defer</a:t>
-            </a:r>
-            <a:r>
-              <a:rPr lang="ru-RU" sz="2000" dirty="0"/>
-              <a:t>;</a:t>
-            </a:r>
-            <a:endParaRPr lang="en-US" sz="2000" dirty="0"/>
-          </a:p>
-          <a:p>
-            <a:pPr marL="342900" indent="-342900">
-              <a:buAutoNum type="arabicPeriod"/>
-            </a:pPr>
-            <a:r>
-              <a:rPr lang="ru-RU" sz="2000" dirty="0"/>
-              <a:t>Использовать события </a:t>
-            </a:r>
-            <a:r>
-              <a:rPr lang="en-US" sz="2000" b="1" dirty="0" err="1"/>
-              <a:t>onLoad</a:t>
-            </a:r>
-            <a:r>
-              <a:rPr lang="en-US" sz="2000" dirty="0"/>
-              <a:t> </a:t>
-            </a:r>
-            <a:r>
-              <a:rPr lang="ru-RU" sz="2000" dirty="0"/>
-              <a:t>или </a:t>
-            </a:r>
-            <a:r>
-              <a:rPr lang="en-US" sz="2000" b="1" dirty="0" err="1"/>
-              <a:t>onDOMContentLoaded</a:t>
-            </a:r>
-            <a:r>
-              <a:rPr lang="ru-RU" sz="2000" dirty="0"/>
-              <a:t>.</a:t>
-            </a:r>
-          </a:p>
-        </p:txBody>
-      </p:sp>
-      <p:grpSp>
-        <p:nvGrpSpPr>
-          <p:cNvPr id="3" name="Групувати 2">
-            <a:extLst>
-              <a:ext uri="{FF2B5EF4-FFF2-40B4-BE49-F238E27FC236}">
-                <a16:creationId xmlns:a16="http://schemas.microsoft.com/office/drawing/2014/main" id="{B20DEE37-86E7-4666-BB50-2606D9B51735}"/>
-              </a:ext>
-            </a:extLst>
-          </p:cNvPr>
-          <p:cNvGrpSpPr/>
-          <p:nvPr/>
-        </p:nvGrpSpPr>
-        <p:grpSpPr>
-          <a:xfrm>
-            <a:off x="1991544" y="4193793"/>
-            <a:ext cx="8396020" cy="2004551"/>
-            <a:chOff x="1919536" y="4212158"/>
-            <a:chExt cx="8396020" cy="2004551"/>
-          </a:xfrm>
-        </p:grpSpPr>
-        <p:sp>
-          <p:nvSpPr>
-            <p:cNvPr id="7" name="Прямоугольник 6"/>
-            <p:cNvSpPr/>
-            <p:nvPr/>
-          </p:nvSpPr>
-          <p:spPr>
-            <a:xfrm>
-              <a:off x="1962629" y="4212158"/>
-              <a:ext cx="8352927" cy="2004551"/>
-            </a:xfrm>
-            <a:prstGeom prst="rect">
-              <a:avLst/>
-            </a:prstGeom>
-            <a:solidFill>
-              <a:schemeClr val="accent3">
-                <a:lumMod val="20000"/>
-                <a:lumOff val="80000"/>
-              </a:schemeClr>
-            </a:solidFill>
-          </p:spPr>
-          <p:style>
-            <a:lnRef idx="2">
-              <a:schemeClr val="accent1">
-                <a:shade val="50000"/>
-              </a:schemeClr>
-            </a:lnRef>
-            <a:fillRef idx="1">
-              <a:schemeClr val="accent1"/>
-            </a:fillRef>
-            <a:effectRef idx="0">
-              <a:schemeClr val="accent1"/>
-            </a:effectRef>
-            <a:fontRef idx="minor">
-              <a:schemeClr val="lt1"/>
-            </a:fontRef>
-          </p:style>
-          <p:txBody>
-            <a:bodyPr rtlCol="0" anchor="ctr"/>
-            <a:lstStyle/>
-            <a:p>
-              <a:pPr algn="ctr"/>
-              <a:endParaRPr lang="ru-RU" dirty="0"/>
-            </a:p>
-          </p:txBody>
-        </p:sp>
-        <p:sp>
-          <p:nvSpPr>
-            <p:cNvPr id="14" name="Прямоугольник 13"/>
-            <p:cNvSpPr/>
-            <p:nvPr/>
-          </p:nvSpPr>
-          <p:spPr>
-            <a:xfrm>
-              <a:off x="1919536" y="4522226"/>
-              <a:ext cx="8352927" cy="523220"/>
-            </a:xfrm>
-            <a:prstGeom prst="rect">
-              <a:avLst/>
-            </a:prstGeom>
-          </p:spPr>
-          <p:txBody>
-            <a:bodyPr wrap="square">
-              <a:spAutoFit/>
-            </a:bodyPr>
-            <a:lstStyle/>
-            <a:p>
-              <a:pPr algn="ctr"/>
-              <a:r>
-                <a:rPr lang="en-US" sz="2800" b="1" dirty="0">
-                  <a:solidFill>
-                    <a:srgbClr val="00B050"/>
-                  </a:solidFill>
-                </a:rPr>
-                <a:t>&lt;script</a:t>
-              </a:r>
-              <a:r>
-                <a:rPr lang="en-US" sz="2800" dirty="0"/>
-                <a:t> </a:t>
-              </a:r>
-              <a:r>
-                <a:rPr lang="en-US" sz="2800" b="1" dirty="0">
-                  <a:solidFill>
-                    <a:srgbClr val="7030A0"/>
-                  </a:solidFill>
-                </a:rPr>
-                <a:t>defer</a:t>
-              </a:r>
-              <a:r>
-                <a:rPr lang="en-US" sz="2800" dirty="0"/>
-                <a:t> </a:t>
-              </a:r>
-              <a:r>
-                <a:rPr lang="en-US" sz="2800" b="1" dirty="0" err="1">
-                  <a:solidFill>
-                    <a:srgbClr val="0070C0"/>
-                  </a:solidFill>
-                </a:rPr>
-                <a:t>src</a:t>
-              </a:r>
-              <a:r>
-                <a:rPr lang="en-US" sz="2800" dirty="0"/>
-                <a:t>="scripts/async.js</a:t>
-              </a:r>
-              <a:r>
-                <a:rPr lang="en-US" sz="2800" dirty="0">
-                  <a:solidFill>
-                    <a:srgbClr val="00B050"/>
-                  </a:solidFill>
-                </a:rPr>
-                <a:t>"</a:t>
-              </a:r>
-              <a:r>
-                <a:rPr lang="en-US" sz="2800" b="1" dirty="0">
-                  <a:solidFill>
-                    <a:srgbClr val="00B050"/>
-                  </a:solidFill>
-                </a:rPr>
-                <a:t>&gt;&lt;/script&gt;</a:t>
-              </a:r>
-              <a:endParaRPr lang="ru-RU" sz="2800" dirty="0">
-                <a:solidFill>
-                  <a:srgbClr val="00B050"/>
-                </a:solidFill>
-              </a:endParaRPr>
-            </a:p>
-          </p:txBody>
-        </p:sp>
-        <p:sp>
-          <p:nvSpPr>
-            <p:cNvPr id="15" name="Прямоугольник 14"/>
-            <p:cNvSpPr/>
-            <p:nvPr/>
-          </p:nvSpPr>
-          <p:spPr>
-            <a:xfrm>
-              <a:off x="2365761" y="5193136"/>
-              <a:ext cx="7546664" cy="830997"/>
-            </a:xfrm>
-            <a:prstGeom prst="rect">
-              <a:avLst/>
-            </a:prstGeom>
-          </p:spPr>
-          <p:txBody>
-            <a:bodyPr wrap="square">
-              <a:spAutoFit/>
-            </a:bodyPr>
-            <a:lstStyle/>
-            <a:p>
-              <a:pPr algn="just"/>
-              <a:r>
-                <a:rPr lang="ru-RU" sz="1600" i="1" dirty="0"/>
-                <a:t>Атрибут </a:t>
-              </a:r>
-              <a:r>
-                <a:rPr lang="ru-RU" sz="1600" b="1" i="1" dirty="0" err="1"/>
-                <a:t>defer</a:t>
-              </a:r>
-              <a:r>
-                <a:rPr lang="ru-RU" sz="1600" i="1" dirty="0"/>
-                <a:t> откладывает выполнение скрипта до тех пор, пока вся страница не будет загружена полностью.</a:t>
-              </a:r>
-              <a:r>
-                <a:rPr lang="en-US" sz="1600" i="1" dirty="0"/>
-                <a:t> </a:t>
-              </a:r>
-              <a:r>
-                <a:rPr lang="ru-RU" sz="1600" i="1" dirty="0"/>
-                <a:t>Работает только для внешних (подключаемых) файлов</a:t>
-              </a:r>
-              <a:r>
-                <a:rPr lang="en-US" sz="1600" i="1" dirty="0"/>
-                <a:t>.</a:t>
-              </a:r>
-              <a:endParaRPr lang="ru-RU" sz="1600" i="1" dirty="0"/>
-            </a:p>
-          </p:txBody>
-        </p:sp>
-      </p:grpSp>
+              <a:rPr lang="en-US" sz="6000" b="1" dirty="0"/>
+              <a:t>3. </a:t>
+            </a:r>
+            <a:r>
+              <a:rPr lang="ru-RU" sz="6000" b="1" dirty="0"/>
+              <a:t>Информация о событии</a:t>
+            </a:r>
+            <a:endParaRPr lang="uk-UA" sz="6000" b="1" dirty="0"/>
+          </a:p>
+        </p:txBody>
+      </p:sp>
     </p:spTree>
-    <p:extLst>
-      <p:ext uri="{BB962C8B-B14F-4D97-AF65-F5344CB8AC3E}">
-        <p14:creationId xmlns:p14="http://schemas.microsoft.com/office/powerpoint/2010/main" val="4122738461"/>
-      </p:ext>
-    </p:extLst>
   </p:cSld>
   <p:clrMapOvr>
     <a:masterClrMapping/>
@@ -5970,54 +5608,168 @@
       </p:grpSpPr>
       <p:sp>
         <p:nvSpPr>
-          <p:cNvPr id="5" name="Прямоугольник 4"/>
-          <p:cNvSpPr/>
-          <p:nvPr/>
-        </p:nvSpPr>
-        <p:spPr>
-          <a:xfrm>
-            <a:off x="0" y="0"/>
-            <a:ext cx="12192000" cy="6858000"/>
-          </a:xfrm>
-          <a:prstGeom prst="rect">
-            <a:avLst/>
-          </a:prstGeom>
-          <a:solidFill>
-            <a:schemeClr val="tx2">
-              <a:lumMod val="75000"/>
-            </a:schemeClr>
-          </a:solidFill>
+          <p:cNvPr id="20" name="Номер слайда 36"/>
+          <p:cNvSpPr txBox="1">
+            <a:spLocks/>
+          </p:cNvSpPr>
+          <p:nvPr/>
+        </p:nvSpPr>
+        <p:spPr>
+          <a:xfrm>
+            <a:off x="11280576" y="6093296"/>
+            <a:ext cx="648072" cy="432048"/>
+          </a:xfrm>
+          <a:prstGeom prst="roundRect">
+            <a:avLst/>
+          </a:prstGeom>
+          <a:ln w="25400" cap="flat" cmpd="sng" algn="ctr">
+            <a:solidFill>
+              <a:schemeClr val="tx2">
+                <a:lumMod val="60000"/>
+                <a:lumOff val="40000"/>
+              </a:schemeClr>
+            </a:solidFill>
+            <a:prstDash val="solid"/>
+          </a:ln>
         </p:spPr>
         <p:style>
           <a:lnRef idx="2">
-            <a:schemeClr val="accent1">
-              <a:shade val="50000"/>
-            </a:schemeClr>
+            <a:schemeClr val="accent1"/>
           </a:lnRef>
           <a:fillRef idx="1">
-            <a:schemeClr val="accent1"/>
+            <a:schemeClr val="lt1"/>
           </a:fillRef>
           <a:effectRef idx="0">
             <a:schemeClr val="accent1"/>
           </a:effectRef>
           <a:fontRef idx="minor">
-            <a:schemeClr val="lt1"/>
+            <a:schemeClr val="dk1"/>
           </a:fontRef>
         </p:style>
         <p:txBody>
-          <a:bodyPr rtlCol="0" anchor="ctr"/>
+          <a:bodyPr vert="horz" lIns="91440" tIns="45720" rIns="91440" bIns="45720" rtlCol="0" anchor="ctr"/>
+          <a:lstStyle/>
+          <a:p>
+            <a:pPr algn="ctr">
+              <a:defRPr/>
+            </a:pPr>
+            <a:fld id="{6389AA22-90B4-448C-8B6B-C699140D38B9}" type="slidenum">
+              <a:rPr lang="uk-UA" sz="2400" b="1">
+                <a:solidFill>
+                  <a:schemeClr val="bg1">
+                    <a:lumMod val="50000"/>
+                  </a:schemeClr>
+                </a:solidFill>
+              </a:rPr>
+              <a:pPr algn="ctr">
+                <a:defRPr/>
+              </a:pPr>
+              <a:t>15</a:t>
+            </a:fld>
+            <a:endParaRPr lang="uk-UA" sz="2400" b="1" dirty="0">
+              <a:solidFill>
+                <a:schemeClr val="bg1">
+                  <a:lumMod val="50000"/>
+                </a:schemeClr>
+              </a:solidFill>
+            </a:endParaRPr>
+          </a:p>
+        </p:txBody>
+      </p:sp>
+      <p:sp>
+        <p:nvSpPr>
+          <p:cNvPr id="3" name="TextBox 2"/>
+          <p:cNvSpPr txBox="1"/>
+          <p:nvPr/>
+        </p:nvSpPr>
+        <p:spPr>
+          <a:xfrm>
+            <a:off x="0" y="548680"/>
+            <a:ext cx="12191999" cy="646331"/>
+          </a:xfrm>
+          <a:prstGeom prst="rect">
+            <a:avLst/>
+          </a:prstGeom>
+          <a:noFill/>
+        </p:spPr>
+        <p:txBody>
+          <a:bodyPr wrap="square" rtlCol="0">
+            <a:spAutoFit/>
+          </a:bodyPr>
           <a:lstStyle/>
           <a:p>
             <a:pPr algn="ctr"/>
             <a:r>
-              <a:rPr lang="en-US" sz="6000" b="1" dirty="0"/>
-              <a:t>3. </a:t>
-            </a:r>
-            <a:r>
-              <a:rPr lang="ru-RU" sz="6000" b="1" dirty="0"/>
+              <a:rPr lang="ru-RU" sz="3600" b="1" dirty="0"/>
               <a:t>Информация о событии</a:t>
             </a:r>
-            <a:endParaRPr lang="uk-UA" sz="6000" b="1" dirty="0"/>
+          </a:p>
+        </p:txBody>
+      </p:sp>
+      <p:sp>
+        <p:nvSpPr>
+          <p:cNvPr id="4" name="Прямоугольник 3"/>
+          <p:cNvSpPr/>
+          <p:nvPr/>
+        </p:nvSpPr>
+        <p:spPr>
+          <a:xfrm>
+            <a:off x="1991544" y="1859340"/>
+            <a:ext cx="8424936" cy="1569660"/>
+          </a:xfrm>
+          <a:prstGeom prst="rect">
+            <a:avLst/>
+          </a:prstGeom>
+          <a:ln w="19050">
+            <a:solidFill>
+              <a:srgbClr val="00B0F0"/>
+            </a:solidFill>
+          </a:ln>
+        </p:spPr>
+        <p:txBody>
+          <a:bodyPr wrap="square">
+            <a:spAutoFit/>
+          </a:bodyPr>
+          <a:lstStyle/>
+          <a:p>
+            <a:r>
+              <a:rPr lang="ru-RU" sz="2400" i="1" dirty="0"/>
+              <a:t>Чтобы обработать событие, недостаточно знать о том, что это – «клик» или «нажатие клавиши». Могут понадобиться детали: координаты курсора, введённый символ и другие, в зависимости от события.</a:t>
+            </a:r>
+          </a:p>
+        </p:txBody>
+      </p:sp>
+      <p:sp>
+        <p:nvSpPr>
+          <p:cNvPr id="9" name="TextBox 8"/>
+          <p:cNvSpPr txBox="1"/>
+          <p:nvPr/>
+        </p:nvSpPr>
+        <p:spPr>
+          <a:xfrm>
+            <a:off x="1991544" y="3875564"/>
+            <a:ext cx="8352928" cy="1569660"/>
+          </a:xfrm>
+          <a:prstGeom prst="rect">
+            <a:avLst/>
+          </a:prstGeom>
+          <a:noFill/>
+          <a:ln w="19050">
+            <a:solidFill>
+              <a:srgbClr val="92D050"/>
+            </a:solidFill>
+          </a:ln>
+        </p:spPr>
+        <p:txBody>
+          <a:bodyPr wrap="square" rtlCol="0">
+            <a:spAutoFit/>
+          </a:bodyPr>
+          <a:lstStyle/>
+          <a:p>
+            <a:r>
+              <a:rPr lang="ru-RU" sz="2400" i="1" dirty="0"/>
+              <a:t>Браузер может дать много полезной информации о событии, для этого он создаёт объект, в свойства которого записывает детали произошедшего события. И передаёт этот объект функции обработчику события.</a:t>
+            </a:r>
           </a:p>
         </p:txBody>
       </p:sp>
@@ -6056,7 +5808,7 @@
         </p:nvSpPr>
         <p:spPr>
           <a:xfrm>
-            <a:off x="11280576" y="6093296"/>
+            <a:off x="11280576" y="6165304"/>
             <a:ext cx="648072" cy="432048"/>
           </a:xfrm>
           <a:prstGeom prst="roundRect">
@@ -6124,7 +5876,7 @@
         </p:nvSpPr>
         <p:spPr>
           <a:xfrm>
-            <a:off x="0" y="548680"/>
+            <a:off x="0" y="260649"/>
             <a:ext cx="12191999" cy="646331"/>
           </a:xfrm>
           <a:prstGeom prst="rect">
@@ -6148,23 +5900,18 @@
       </p:sp>
       <p:sp>
         <p:nvSpPr>
-          <p:cNvPr id="4" name="Прямоугольник 3"/>
+          <p:cNvPr id="5" name="Прямоугольник 4"/>
           <p:cNvSpPr/>
           <p:nvPr/>
         </p:nvSpPr>
         <p:spPr>
           <a:xfrm>
-            <a:off x="1991544" y="1859340"/>
-            <a:ext cx="8424936" cy="1569660"/>
-          </a:xfrm>
-          <a:prstGeom prst="rect">
-            <a:avLst/>
-          </a:prstGeom>
-          <a:ln w="19050">
-            <a:solidFill>
-              <a:srgbClr val="00B0F0"/>
-            </a:solidFill>
-          </a:ln>
+            <a:off x="1919536" y="4595644"/>
+            <a:ext cx="8856984" cy="1569660"/>
+          </a:xfrm>
+          <a:prstGeom prst="rect">
+            <a:avLst/>
+          </a:prstGeom>
         </p:spPr>
         <p:txBody>
           <a:bodyPr wrap="square">
@@ -6172,47 +5919,48 @@
           </a:bodyPr>
           <a:lstStyle/>
           <a:p>
+            <a:pPr algn="just"/>
             <a:r>
               <a:rPr lang="ru-RU" sz="2400" i="1" dirty="0"/>
-              <a:t>Чтобы обработать событие, недостаточно знать о том, что это – «клик» или «нажатие клавиши». Могут понадобиться детали: координаты курсора, введённый символ и другие, в зависимости от события.</a:t>
-            </a:r>
-          </a:p>
-        </p:txBody>
-      </p:sp>
-      <p:sp>
-        <p:nvSpPr>
-          <p:cNvPr id="9" name="TextBox 8"/>
-          <p:cNvSpPr txBox="1"/>
-          <p:nvPr/>
-        </p:nvSpPr>
-        <p:spPr>
-          <a:xfrm>
-            <a:off x="1991544" y="3875564"/>
-            <a:ext cx="8352928" cy="1569660"/>
-          </a:xfrm>
-          <a:prstGeom prst="rect">
-            <a:avLst/>
-          </a:prstGeom>
-          <a:noFill/>
-          <a:ln w="19050">
-            <a:solidFill>
-              <a:srgbClr val="92D050"/>
-            </a:solidFill>
+              <a:t>Браузер записывает информацию о событии в объект т.н. «объект события», который передаётся первым аргументом в функцию обработчик события. Если она принимает параметры, т.к. это является необязательным.</a:t>
+            </a:r>
+          </a:p>
+        </p:txBody>
+      </p:sp>
+      <p:pic>
+        <p:nvPicPr>
+          <p:cNvPr id="8" name="Рисунок 7"/>
+          <p:cNvPicPr>
+            <a:picLocks noChangeAspect="1"/>
+          </p:cNvPicPr>
+          <p:nvPr/>
+        </p:nvPicPr>
+        <p:blipFill>
+          <a:blip r:embed="rId2"/>
+          <a:stretch>
+            <a:fillRect/>
+          </a:stretch>
+        </p:blipFill>
+        <p:spPr>
+          <a:xfrm>
+            <a:off x="3431704" y="1045223"/>
+            <a:ext cx="5445621" cy="3402098"/>
+          </a:xfrm>
+          <a:prstGeom prst="rect">
+            <a:avLst/>
+          </a:prstGeom>
+          <a:ln>
+            <a:noFill/>
           </a:ln>
-        </p:spPr>
-        <p:txBody>
-          <a:bodyPr wrap="square" rtlCol="0">
-            <a:spAutoFit/>
-          </a:bodyPr>
-          <a:lstStyle/>
-          <a:p>
-            <a:r>
-              <a:rPr lang="ru-RU" sz="2400" i="1" dirty="0"/>
-              <a:t>Браузер может дать много полезной информации о событии, для этого он создаёт объект, в свойства которого записывает детали произошедшего события. И передаёт этот объект функции обработчику события.</a:t>
-            </a:r>
-          </a:p>
-        </p:txBody>
-      </p:sp>
+          <a:effectLst>
+            <a:outerShdw blurRad="292100" dist="139700" dir="2700000" algn="tl" rotWithShape="0">
+              <a:srgbClr val="333333">
+                <a:alpha val="65000"/>
+              </a:srgbClr>
+            </a:outerShdw>
+          </a:effectLst>
+        </p:spPr>
+      </p:pic>
     </p:spTree>
   </p:cSld>
   <p:clrMapOvr>
@@ -6248,7 +5996,7 @@
         </p:nvSpPr>
         <p:spPr>
           <a:xfrm>
-            <a:off x="11280576" y="6165304"/>
+            <a:off x="11208568" y="6165304"/>
             <a:ext cx="648072" cy="432048"/>
           </a:xfrm>
           <a:prstGeom prst="roundRect">
@@ -6310,14 +6058,14 @@
       </p:sp>
       <p:sp>
         <p:nvSpPr>
-          <p:cNvPr id="3" name="TextBox 2"/>
+          <p:cNvPr id="4" name="TextBox 3"/>
           <p:cNvSpPr txBox="1"/>
           <p:nvPr/>
         </p:nvSpPr>
         <p:spPr>
           <a:xfrm>
-            <a:off x="0" y="260649"/>
-            <a:ext cx="12191999" cy="646331"/>
+            <a:off x="3733562" y="262390"/>
+            <a:ext cx="5012911" cy="646331"/>
           </a:xfrm>
           <a:prstGeom prst="rect">
             <a:avLst/>
@@ -6325,12 +6073,11 @@
           <a:noFill/>
         </p:spPr>
         <p:txBody>
-          <a:bodyPr wrap="square" rtlCol="0">
+          <a:bodyPr wrap="none" rtlCol="0">
             <a:spAutoFit/>
           </a:bodyPr>
           <a:lstStyle/>
           <a:p>
-            <a:pPr algn="ctr"/>
             <a:r>
               <a:rPr lang="ru-RU" sz="3600" b="1" dirty="0"/>
               <a:t>Информация о событии</a:t>
@@ -6346,12 +6093,17 @@
         </p:nvSpPr>
         <p:spPr>
           <a:xfrm>
-            <a:off x="1919536" y="4595644"/>
-            <a:ext cx="8856984" cy="1569660"/>
-          </a:xfrm>
-          <a:prstGeom prst="rect">
-            <a:avLst/>
-          </a:prstGeom>
+            <a:off x="2207568" y="1484785"/>
+            <a:ext cx="8064896" cy="461665"/>
+          </a:xfrm>
+          <a:prstGeom prst="rect">
+            <a:avLst/>
+          </a:prstGeom>
+          <a:ln w="19050">
+            <a:solidFill>
+              <a:srgbClr val="00B0F0"/>
+            </a:solidFill>
+          </a:ln>
         </p:spPr>
         <p:txBody>
           <a:bodyPr wrap="square">
@@ -6359,48 +6111,116 @@
           </a:bodyPr>
           <a:lstStyle/>
           <a:p>
-            <a:pPr algn="just"/>
             <a:r>
               <a:rPr lang="ru-RU" sz="2400" i="1" dirty="0"/>
-              <a:t>Браузер записывает информацию о событии в объект т.н. «объект события», который передаётся первым аргументом в функцию обработчик события. Если она принимает параметры, т.к. это является необязательным.</a:t>
-            </a:r>
-          </a:p>
-        </p:txBody>
-      </p:sp>
-      <p:pic>
-        <p:nvPicPr>
-          <p:cNvPr id="8" name="Рисунок 7"/>
-          <p:cNvPicPr>
-            <a:picLocks noChangeAspect="1"/>
-          </p:cNvPicPr>
-          <p:nvPr/>
-        </p:nvPicPr>
-        <p:blipFill>
-          <a:blip r:embed="rId2"/>
-          <a:stretch>
-            <a:fillRect/>
-          </a:stretch>
-        </p:blipFill>
-        <p:spPr>
-          <a:xfrm>
-            <a:off x="3431704" y="1045223"/>
-            <a:ext cx="5445621" cy="3402098"/>
-          </a:xfrm>
-          <a:prstGeom prst="rect">
-            <a:avLst/>
-          </a:prstGeom>
-          <a:ln>
-            <a:noFill/>
+              <a:t>Разные события – разные объекты с информацией о них.</a:t>
+            </a:r>
+          </a:p>
+        </p:txBody>
+      </p:sp>
+      <p:sp>
+        <p:nvSpPr>
+          <p:cNvPr id="6" name="Прямоугольник 5"/>
+          <p:cNvSpPr/>
+          <p:nvPr/>
+        </p:nvSpPr>
+        <p:spPr>
+          <a:xfrm>
+            <a:off x="2207568" y="2354104"/>
+            <a:ext cx="8064896" cy="1938992"/>
+          </a:xfrm>
+          <a:prstGeom prst="rect">
+            <a:avLst/>
+          </a:prstGeom>
+          <a:ln w="19050">
+            <a:solidFill>
+              <a:srgbClr val="92D050"/>
+            </a:solidFill>
           </a:ln>
-          <a:effectLst>
-            <a:outerShdw blurRad="292100" dist="139700" dir="2700000" algn="tl" rotWithShape="0">
-              <a:srgbClr val="333333">
-                <a:alpha val="65000"/>
-              </a:srgbClr>
-            </a:outerShdw>
-          </a:effectLst>
-        </p:spPr>
-      </p:pic>
+        </p:spPr>
+        <p:txBody>
+          <a:bodyPr wrap="square">
+            <a:spAutoFit/>
+          </a:bodyPr>
+          <a:lstStyle/>
+          <a:p>
+            <a:r>
+              <a:rPr lang="ru-RU" sz="2400" i="1" dirty="0"/>
+              <a:t>В зависимости от типа события, объект с детальной информацией о событии содержит разные наборы полей, например: для событий мыши он содержит координаты курсора, а события клавиатуры он содержит данные о нажатых клавишах.</a:t>
+            </a:r>
+          </a:p>
+        </p:txBody>
+      </p:sp>
+      <p:sp>
+        <p:nvSpPr>
+          <p:cNvPr id="8" name="Прямоугольник 7"/>
+          <p:cNvSpPr/>
+          <p:nvPr/>
+        </p:nvSpPr>
+        <p:spPr>
+          <a:xfrm>
+            <a:off x="2207568" y="4797152"/>
+            <a:ext cx="8676456" cy="461665"/>
+          </a:xfrm>
+          <a:prstGeom prst="rect">
+            <a:avLst/>
+          </a:prstGeom>
+        </p:spPr>
+        <p:txBody>
+          <a:bodyPr wrap="square">
+            <a:spAutoFit/>
+          </a:bodyPr>
+          <a:lstStyle/>
+          <a:p>
+            <a:r>
+              <a:rPr lang="ru-RU" sz="2200" b="1" dirty="0"/>
+              <a:t>Подробнее: </a:t>
+            </a:r>
+            <a:r>
+              <a:rPr lang="en-US" sz="2400" b="1" dirty="0">
+                <a:hlinkClick r:id="rId2"/>
+              </a:rPr>
+              <a:t>https://learn.javascript.ru/mouse-events-basics</a:t>
+            </a:r>
+            <a:endParaRPr lang="ru-RU" sz="2200" b="1" dirty="0"/>
+          </a:p>
+        </p:txBody>
+      </p:sp>
+      <p:sp>
+        <p:nvSpPr>
+          <p:cNvPr id="10" name="Прямоугольник 9"/>
+          <p:cNvSpPr/>
+          <p:nvPr/>
+        </p:nvSpPr>
+        <p:spPr>
+          <a:xfrm>
+            <a:off x="2207568" y="5226876"/>
+            <a:ext cx="8676456" cy="461665"/>
+          </a:xfrm>
+          <a:prstGeom prst="rect">
+            <a:avLst/>
+          </a:prstGeom>
+        </p:spPr>
+        <p:txBody>
+          <a:bodyPr wrap="square">
+            <a:spAutoFit/>
+          </a:bodyPr>
+          <a:lstStyle/>
+          <a:p>
+            <a:r>
+              <a:rPr lang="ru-RU" sz="2200" b="1" dirty="0"/>
+              <a:t>Подробнее: </a:t>
+            </a:r>
+            <a:r>
+              <a:rPr lang="en-US" sz="2400" b="1" dirty="0">
+                <a:hlinkClick r:id="rId3"/>
+              </a:rPr>
+              <a:t>https://learn.javascript.ru/keyboard-events</a:t>
+            </a:r>
+            <a:endParaRPr lang="ru-RU" sz="2200" b="1" dirty="0"/>
+          </a:p>
+        </p:txBody>
+      </p:sp>
     </p:spTree>
   </p:cSld>
   <p:clrMapOvr>
@@ -6436,7 +6256,7 @@
         </p:nvSpPr>
         <p:spPr>
           <a:xfrm>
-            <a:off x="11208568" y="6165304"/>
+            <a:off x="11064552" y="6093296"/>
             <a:ext cx="648072" cy="432048"/>
           </a:xfrm>
           <a:prstGeom prst="roundRect">
@@ -6504,7 +6324,7 @@
         </p:nvSpPr>
         <p:spPr>
           <a:xfrm>
-            <a:off x="3733562" y="262390"/>
+            <a:off x="3429104" y="622429"/>
             <a:ext cx="5012911" cy="646331"/>
           </a:xfrm>
           <a:prstGeom prst="rect">
@@ -6533,8 +6353,46 @@
         </p:nvSpPr>
         <p:spPr>
           <a:xfrm>
-            <a:off x="2207568" y="1484785"/>
-            <a:ext cx="8064896" cy="461665"/>
+            <a:off x="3453882" y="1445875"/>
+            <a:ext cx="4946374" cy="830997"/>
+          </a:xfrm>
+          <a:prstGeom prst="rect">
+            <a:avLst/>
+          </a:prstGeom>
+        </p:spPr>
+        <p:txBody>
+          <a:bodyPr wrap="square">
+            <a:spAutoFit/>
+          </a:bodyPr>
+          <a:lstStyle/>
+          <a:p>
+            <a:pPr algn="ctr"/>
+            <a:r>
+              <a:rPr lang="ru-RU" sz="2400" i="1" dirty="0"/>
+              <a:t>Разные события – разные объекты с информацией о них.</a:t>
+            </a:r>
+          </a:p>
+        </p:txBody>
+      </p:sp>
+      <p:pic>
+        <p:nvPicPr>
+          <p:cNvPr id="2050" name="Picture 2"/>
+          <p:cNvPicPr>
+            <a:picLocks noChangeAspect="1" noChangeArrowheads="1"/>
+          </p:cNvPicPr>
+          <p:nvPr/>
+        </p:nvPicPr>
+        <p:blipFill>
+          <a:blip r:embed="rId2" cstate="print"/>
+          <a:srcRect/>
+          <a:stretch>
+            <a:fillRect/>
+          </a:stretch>
+        </p:blipFill>
+        <p:spPr bwMode="auto">
+          <a:xfrm>
+            <a:off x="0" y="0"/>
+            <a:ext cx="3237858" cy="6858000"/>
           </a:xfrm>
           <a:prstGeom prst="rect">
             <a:avLst/>
@@ -6544,123 +6402,134 @@
               <a:srgbClr val="00B0F0"/>
             </a:solidFill>
           </a:ln>
-        </p:spPr>
-        <p:txBody>
-          <a:bodyPr wrap="square">
-            <a:spAutoFit/>
-          </a:bodyPr>
-          <a:lstStyle/>
-          <a:p>
-            <a:r>
-              <a:rPr lang="ru-RU" sz="2400" i="1" dirty="0"/>
-              <a:t>Разные события – разные объекты с информацией о них.</a:t>
-            </a:r>
-          </a:p>
-        </p:txBody>
-      </p:sp>
-      <p:sp>
-        <p:nvSpPr>
-          <p:cNvPr id="6" name="Прямоугольник 5"/>
-          <p:cNvSpPr/>
-          <p:nvPr/>
-        </p:nvSpPr>
-        <p:spPr>
-          <a:xfrm>
-            <a:off x="2207568" y="2354104"/>
-            <a:ext cx="8064896" cy="1938992"/>
+          <a:effectLst>
+            <a:outerShdw blurRad="292100" dist="139700" dir="2700000" algn="tl" rotWithShape="0">
+              <a:srgbClr val="333333">
+                <a:alpha val="65000"/>
+              </a:srgbClr>
+            </a:outerShdw>
+          </a:effectLst>
+        </p:spPr>
+      </p:pic>
+      <p:pic>
+        <p:nvPicPr>
+          <p:cNvPr id="2051" name="Picture 3"/>
+          <p:cNvPicPr>
+            <a:picLocks noChangeAspect="1" noChangeArrowheads="1"/>
+          </p:cNvPicPr>
+          <p:nvPr/>
+        </p:nvPicPr>
+        <p:blipFill>
+          <a:blip r:embed="rId3" cstate="print"/>
+          <a:srcRect/>
+          <a:stretch>
+            <a:fillRect/>
+          </a:stretch>
+        </p:blipFill>
+        <p:spPr bwMode="auto">
+          <a:xfrm>
+            <a:off x="8616280" y="-3"/>
+            <a:ext cx="3575720" cy="5609553"/>
           </a:xfrm>
           <a:prstGeom prst="rect">
             <a:avLst/>
           </a:prstGeom>
           <a:ln w="19050">
             <a:solidFill>
-              <a:srgbClr val="92D050"/>
+              <a:srgbClr val="00B0F0"/>
             </a:solidFill>
           </a:ln>
-        </p:spPr>
-        <p:txBody>
-          <a:bodyPr wrap="square">
-            <a:spAutoFit/>
-          </a:bodyPr>
-          <a:lstStyle/>
-          <a:p>
-            <a:r>
-              <a:rPr lang="ru-RU" sz="2400" i="1" dirty="0"/>
-              <a:t>В зависимости от типа события, объект с детальной информацией о событии содержит разные наборы полей, например: для событий мыши он содержит координаты курсора, а события клавиатуры он содержит данные о нажатых клавишах.</a:t>
-            </a:r>
-          </a:p>
-        </p:txBody>
-      </p:sp>
-      <p:sp>
-        <p:nvSpPr>
-          <p:cNvPr id="8" name="Прямоугольник 7"/>
-          <p:cNvSpPr/>
-          <p:nvPr/>
-        </p:nvSpPr>
-        <p:spPr>
-          <a:xfrm>
-            <a:off x="2207568" y="4797152"/>
-            <a:ext cx="8676456" cy="461665"/>
-          </a:xfrm>
-          <a:prstGeom prst="rect">
-            <a:avLst/>
-          </a:prstGeom>
-        </p:spPr>
-        <p:txBody>
-          <a:bodyPr wrap="square">
-            <a:spAutoFit/>
-          </a:bodyPr>
-          <a:lstStyle/>
-          <a:p>
-            <a:r>
-              <a:rPr lang="ru-RU" sz="2200" b="1" dirty="0"/>
-              <a:t>Подробнее: </a:t>
-            </a:r>
-            <a:r>
-              <a:rPr lang="en-US" sz="2400" b="1" dirty="0">
-                <a:hlinkClick r:id="rId2"/>
-              </a:rPr>
-              <a:t>https://learn.javascript.ru/mouse-events-basics</a:t>
-            </a:r>
-            <a:endParaRPr lang="ru-RU" sz="2200" b="1" dirty="0"/>
-          </a:p>
-        </p:txBody>
-      </p:sp>
-      <p:sp>
-        <p:nvSpPr>
-          <p:cNvPr id="10" name="Прямоугольник 9"/>
-          <p:cNvSpPr/>
-          <p:nvPr/>
-        </p:nvSpPr>
-        <p:spPr>
-          <a:xfrm>
-            <a:off x="2207568" y="5226876"/>
-            <a:ext cx="8676456" cy="461665"/>
-          </a:xfrm>
-          <a:prstGeom prst="rect">
-            <a:avLst/>
-          </a:prstGeom>
-        </p:spPr>
-        <p:txBody>
-          <a:bodyPr wrap="square">
-            <a:spAutoFit/>
-          </a:bodyPr>
-          <a:lstStyle/>
-          <a:p>
-            <a:r>
-              <a:rPr lang="ru-RU" sz="2200" b="1" dirty="0"/>
-              <a:t>Подробнее: </a:t>
-            </a:r>
-            <a:r>
-              <a:rPr lang="en-US" sz="2400" b="1" dirty="0">
-                <a:hlinkClick r:id="rId3"/>
-              </a:rPr>
-              <a:t>https://learn.javascript.ru/keyboard-events</a:t>
-            </a:r>
-            <a:endParaRPr lang="ru-RU" sz="2200" b="1" dirty="0"/>
-          </a:p>
-        </p:txBody>
-      </p:sp>
+          <a:effectLst>
+            <a:outerShdw blurRad="292100" dist="139700" dir="2700000" algn="tl" rotWithShape="0">
+              <a:srgbClr val="333333">
+                <a:alpha val="65000"/>
+              </a:srgbClr>
+            </a:outerShdw>
+          </a:effectLst>
+        </p:spPr>
+      </p:pic>
+      <p:pic>
+        <p:nvPicPr>
+          <p:cNvPr id="1028" name="Picture 4" descr="http://icons.iconarchive.com/icons/iconsmind/outline/512/Mouse-3-icon.png"/>
+          <p:cNvPicPr>
+            <a:picLocks noChangeAspect="1" noChangeArrowheads="1"/>
+          </p:cNvPicPr>
+          <p:nvPr/>
+        </p:nvPicPr>
+        <p:blipFill>
+          <a:blip r:embed="rId4" cstate="print">
+            <a:extLst>
+              <a:ext uri="{28A0092B-C50C-407E-A947-70E740481C1C}">
+                <a14:useLocalDpi xmlns:a14="http://schemas.microsoft.com/office/drawing/2010/main" val="0"/>
+              </a:ext>
+            </a:extLst>
+          </a:blip>
+          <a:srcRect/>
+          <a:stretch>
+            <a:fillRect/>
+          </a:stretch>
+        </p:blipFill>
+        <p:spPr bwMode="auto">
+          <a:xfrm>
+            <a:off x="3287922" y="3072147"/>
+            <a:ext cx="1400336" cy="1400336"/>
+          </a:xfrm>
+          <a:prstGeom prst="rect">
+            <a:avLst/>
+          </a:prstGeom>
+          <a:noFill/>
+          <a:extLst>
+            <a:ext uri="{909E8E84-426E-40DD-AFC4-6F175D3DCCD1}">
+              <a14:hiddenFill xmlns:a14="http://schemas.microsoft.com/office/drawing/2010/main">
+                <a:solidFill>
+                  <a:srgbClr val="FFFFFF"/>
+                </a:solidFill>
+              </a14:hiddenFill>
+            </a:ext>
+          </a:extLst>
+        </p:spPr>
+      </p:pic>
+      <p:pic>
+        <p:nvPicPr>
+          <p:cNvPr id="1030" name="Picture 6" descr="http://icons.iconarchive.com/icons/icons8/ios7/512/Computer-Hardware-Keyboard-icon.png"/>
+          <p:cNvPicPr>
+            <a:picLocks noChangeAspect="1" noChangeArrowheads="1"/>
+          </p:cNvPicPr>
+          <p:nvPr/>
+        </p:nvPicPr>
+        <p:blipFill>
+          <a:blip r:embed="rId5">
+            <a:extLst>
+              <a:ext uri="{28A0092B-C50C-407E-A947-70E740481C1C}">
+                <a14:useLocalDpi xmlns:a14="http://schemas.microsoft.com/office/drawing/2010/main" val="0"/>
+              </a:ext>
+            </a:extLst>
+          </a:blip>
+          <a:srcRect/>
+          <a:stretch>
+            <a:fillRect/>
+          </a:stretch>
+        </p:blipFill>
+        <p:spPr bwMode="auto">
+          <a:xfrm>
+            <a:off x="6168008" y="2564904"/>
+            <a:ext cx="2126790" cy="2126790"/>
+          </a:xfrm>
+          <a:prstGeom prst="rect">
+            <a:avLst/>
+          </a:prstGeom>
+          <a:noFill/>
+          <a:extLst>
+            <a:ext uri="{909E8E84-426E-40DD-AFC4-6F175D3DCCD1}">
+              <a14:hiddenFill xmlns:a14="http://schemas.microsoft.com/office/drawing/2010/main">
+                <a:solidFill>
+                  <a:srgbClr val="FFFFFF"/>
+                </a:solidFill>
+              </a14:hiddenFill>
+            </a:ext>
+          </a:extLst>
+        </p:spPr>
+      </p:pic>
     </p:spTree>
   </p:cSld>
   <p:clrMapOvr>
@@ -6696,7 +6565,7 @@
         </p:nvSpPr>
         <p:spPr>
           <a:xfrm>
-            <a:off x="11064552" y="6093296"/>
+            <a:off x="11152984" y="6110495"/>
             <a:ext cx="648072" cy="432048"/>
           </a:xfrm>
           <a:prstGeom prst="roundRect">
@@ -6764,8 +6633,8 @@
         </p:nvSpPr>
         <p:spPr>
           <a:xfrm>
-            <a:off x="3429104" y="622429"/>
-            <a:ext cx="5012911" cy="646331"/>
+            <a:off x="0" y="332656"/>
+            <a:ext cx="12192000" cy="646331"/>
           </a:xfrm>
           <a:prstGeom prst="rect">
             <a:avLst/>
@@ -6773,50 +6642,22 @@
           <a:noFill/>
         </p:spPr>
         <p:txBody>
-          <a:bodyPr wrap="none" rtlCol="0">
+          <a:bodyPr wrap="square" rtlCol="0">
             <a:spAutoFit/>
           </a:bodyPr>
           <a:lstStyle/>
           <a:p>
+            <a:pPr algn="ctr"/>
             <a:r>
               <a:rPr lang="ru-RU" sz="3600" b="1" dirty="0"/>
-              <a:t>Информация о событии</a:t>
-            </a:r>
-          </a:p>
-        </p:txBody>
-      </p:sp>
-      <p:sp>
-        <p:nvSpPr>
-          <p:cNvPr id="5" name="Прямоугольник 4"/>
-          <p:cNvSpPr/>
-          <p:nvPr/>
-        </p:nvSpPr>
-        <p:spPr>
-          <a:xfrm>
-            <a:off x="3453882" y="1445875"/>
-            <a:ext cx="4946374" cy="830997"/>
-          </a:xfrm>
-          <a:prstGeom prst="rect">
-            <a:avLst/>
-          </a:prstGeom>
-        </p:spPr>
-        <p:txBody>
-          <a:bodyPr wrap="square">
-            <a:spAutoFit/>
-          </a:bodyPr>
-          <a:lstStyle/>
-          <a:p>
-            <a:pPr algn="ctr"/>
-            <a:r>
-              <a:rPr lang="ru-RU" sz="2400" i="1" dirty="0"/>
-              <a:t>Разные события – разные объекты с информацией о них.</a:t>
+              <a:t>Информация о позиции курсора (пальца)</a:t>
             </a:r>
           </a:p>
         </p:txBody>
       </p:sp>
       <p:pic>
         <p:nvPicPr>
-          <p:cNvPr id="2050" name="Picture 2"/>
+          <p:cNvPr id="1028" name="Picture 4" descr="http://2.bp.blogspot.com/-_XdWz4jJXDs/VS6kMN3edYI/AAAAAAAAFQY/Z2lHSZkapuU/s00/screen-page-client.png"/>
           <p:cNvPicPr>
             <a:picLocks noChangeAspect="1" noChangeArrowheads="1"/>
           </p:cNvPicPr>
@@ -6831,73 +6672,25 @@
         </p:blipFill>
         <p:spPr bwMode="auto">
           <a:xfrm>
-            <a:off x="0" y="0"/>
-            <a:ext cx="3237858" cy="6858000"/>
-          </a:xfrm>
-          <a:prstGeom prst="rect">
-            <a:avLst/>
-          </a:prstGeom>
-          <a:ln w="19050">
-            <a:solidFill>
-              <a:srgbClr val="00B0F0"/>
-            </a:solidFill>
-          </a:ln>
-          <a:effectLst>
-            <a:outerShdw blurRad="292100" dist="139700" dir="2700000" algn="tl" rotWithShape="0">
-              <a:srgbClr val="333333">
-                <a:alpha val="65000"/>
-              </a:srgbClr>
-            </a:outerShdw>
-          </a:effectLst>
+            <a:off x="1199456" y="1628800"/>
+            <a:ext cx="7128792" cy="4594112"/>
+          </a:xfrm>
+          <a:prstGeom prst="rect">
+            <a:avLst/>
+          </a:prstGeom>
+          <a:noFill/>
         </p:spPr>
       </p:pic>
       <p:pic>
         <p:nvPicPr>
-          <p:cNvPr id="2051" name="Picture 3"/>
+          <p:cNvPr id="6" name="Picture 4" descr="http://icons.iconarchive.com/icons/iconsmind/outline/512/Mouse-3-icon.png"/>
           <p:cNvPicPr>
             <a:picLocks noChangeAspect="1" noChangeArrowheads="1"/>
           </p:cNvPicPr>
           <p:nvPr/>
         </p:nvPicPr>
         <p:blipFill>
-          <a:blip r:embed="rId3" cstate="print"/>
-          <a:srcRect/>
-          <a:stretch>
-            <a:fillRect/>
-          </a:stretch>
-        </p:blipFill>
-        <p:spPr bwMode="auto">
-          <a:xfrm>
-            <a:off x="8616280" y="-3"/>
-            <a:ext cx="3575720" cy="5609553"/>
-          </a:xfrm>
-          <a:prstGeom prst="rect">
-            <a:avLst/>
-          </a:prstGeom>
-          <a:ln w="19050">
-            <a:solidFill>
-              <a:srgbClr val="00B0F0"/>
-            </a:solidFill>
-          </a:ln>
-          <a:effectLst>
-            <a:outerShdw blurRad="292100" dist="139700" dir="2700000" algn="tl" rotWithShape="0">
-              <a:srgbClr val="333333">
-                <a:alpha val="65000"/>
-              </a:srgbClr>
-            </a:outerShdw>
-          </a:effectLst>
-        </p:spPr>
-      </p:pic>
-      <p:pic>
-        <p:nvPicPr>
-          <p:cNvPr id="1028" name="Picture 4" descr="http://icons.iconarchive.com/icons/iconsmind/outline/512/Mouse-3-icon.png"/>
-          <p:cNvPicPr>
-            <a:picLocks noChangeAspect="1" noChangeArrowheads="1"/>
-          </p:cNvPicPr>
-          <p:nvPr/>
-        </p:nvPicPr>
-        <p:blipFill>
-          <a:blip r:embed="rId4" cstate="print">
+          <a:blip r:embed="rId3" cstate="print">
             <a:extLst>
               <a:ext uri="{28A0092B-C50C-407E-A947-70E740481C1C}">
                 <a14:useLocalDpi xmlns:a14="http://schemas.microsoft.com/office/drawing/2010/main" val="0"/>
@@ -6911,49 +6704,8 @@
         </p:blipFill>
         <p:spPr bwMode="auto">
           <a:xfrm>
-            <a:off x="3287922" y="3072147"/>
-            <a:ext cx="1400336" cy="1400336"/>
-          </a:xfrm>
-          <a:prstGeom prst="rect">
-            <a:avLst/>
-          </a:prstGeom>
-          <a:noFill/>
-          <a:extLst>
-            <a:ext uri="{909E8E84-426E-40DD-AFC4-6F175D3DCCD1}">
-              <a14:hiddenFill xmlns:a14="http://schemas.microsoft.com/office/drawing/2010/main">
-                <a:solidFill>
-                  <a:srgbClr val="FFFFFF"/>
-                </a:solidFill>
-              </a14:hiddenFill>
-            </a:ext>
-          </a:extLst>
-        </p:spPr>
-      </p:pic>
-      <p:pic>
-        <p:nvPicPr>
-          <p:cNvPr id="1030" name="Picture 6" descr="http://icons.iconarchive.com/icons/icons8/ios7/512/Computer-Hardware-Keyboard-icon.png"/>
-          <p:cNvPicPr>
-            <a:picLocks noChangeAspect="1" noChangeArrowheads="1"/>
-          </p:cNvPicPr>
-          <p:nvPr/>
-        </p:nvPicPr>
-        <p:blipFill>
-          <a:blip r:embed="rId5">
-            <a:extLst>
-              <a:ext uri="{28A0092B-C50C-407E-A947-70E740481C1C}">
-                <a14:useLocalDpi xmlns:a14="http://schemas.microsoft.com/office/drawing/2010/main" val="0"/>
-              </a:ext>
-            </a:extLst>
-          </a:blip>
-          <a:srcRect/>
-          <a:stretch>
-            <a:fillRect/>
-          </a:stretch>
-        </p:blipFill>
-        <p:spPr bwMode="auto">
-          <a:xfrm>
-            <a:off x="6168008" y="2564904"/>
-            <a:ext cx="2126790" cy="2126790"/>
+            <a:off x="9192344" y="2910544"/>
+            <a:ext cx="2232248" cy="2232248"/>
           </a:xfrm>
           <a:prstGeom prst="rect">
             <a:avLst/>
@@ -7084,7 +6836,7 @@
         </p:nvSpPr>
         <p:spPr>
           <a:xfrm>
-            <a:off x="11152984" y="6110495"/>
+            <a:off x="11280576" y="6190565"/>
             <a:ext cx="648072" cy="432048"/>
           </a:xfrm>
           <a:prstGeom prst="roundRect">
@@ -7144,39 +6896,9 @@
           </a:p>
         </p:txBody>
       </p:sp>
-      <p:sp>
-        <p:nvSpPr>
-          <p:cNvPr id="4" name="TextBox 3"/>
-          <p:cNvSpPr txBox="1"/>
-          <p:nvPr/>
-        </p:nvSpPr>
-        <p:spPr>
-          <a:xfrm>
-            <a:off x="0" y="332656"/>
-            <a:ext cx="12192000" cy="646331"/>
-          </a:xfrm>
-          <a:prstGeom prst="rect">
-            <a:avLst/>
-          </a:prstGeom>
-          <a:noFill/>
-        </p:spPr>
-        <p:txBody>
-          <a:bodyPr wrap="square" rtlCol="0">
-            <a:spAutoFit/>
-          </a:bodyPr>
-          <a:lstStyle/>
-          <a:p>
-            <a:pPr algn="ctr"/>
-            <a:r>
-              <a:rPr lang="ru-RU" sz="3600" b="1" dirty="0"/>
-              <a:t>Информация о позиции курсора (пальца)</a:t>
-            </a:r>
-          </a:p>
-        </p:txBody>
-      </p:sp>
       <p:pic>
         <p:nvPicPr>
-          <p:cNvPr id="1028" name="Picture 4" descr="http://2.bp.blogspot.com/-_XdWz4jJXDs/VS6kMN3edYI/AAAAAAAAFQY/Z2lHSZkapuU/s00/screen-page-client.png"/>
+          <p:cNvPr id="7" name="Picture 6" descr="http://webix.pro/upload/javascript/spravochnik/svojstva/offsetx.gif"/>
           <p:cNvPicPr>
             <a:picLocks noChangeAspect="1" noChangeArrowheads="1"/>
           </p:cNvPicPr>
@@ -7184,25 +6906,30 @@
         </p:nvPicPr>
         <p:blipFill>
           <a:blip r:embed="rId2" cstate="print"/>
-          <a:srcRect/>
+          <a:srcRect l="30512" t="28696" r="25394" b="28696"/>
           <a:stretch>
             <a:fillRect/>
           </a:stretch>
         </p:blipFill>
         <p:spPr bwMode="auto">
           <a:xfrm>
-            <a:off x="1199456" y="1628800"/>
-            <a:ext cx="7128792" cy="4594112"/>
+            <a:off x="1123306" y="1556792"/>
+            <a:ext cx="8063415" cy="4382906"/>
           </a:xfrm>
           <a:prstGeom prst="rect">
             <a:avLst/>
           </a:prstGeom>
           <a:noFill/>
+          <a:ln w="28575">
+            <a:solidFill>
+              <a:srgbClr val="00B0F0"/>
+            </a:solidFill>
+          </a:ln>
         </p:spPr>
       </p:pic>
       <p:pic>
         <p:nvPicPr>
-          <p:cNvPr id="6" name="Picture 4" descr="http://icons.iconarchive.com/icons/iconsmind/outline/512/Mouse-3-icon.png"/>
+          <p:cNvPr id="9" name="Picture 4" descr="http://icons.iconarchive.com/icons/iconsmind/outline/512/Mouse-3-icon.png"/>
           <p:cNvPicPr>
             <a:picLocks noChangeAspect="1" noChangeArrowheads="1"/>
           </p:cNvPicPr>
@@ -7223,8 +6950,8 @@
         </p:blipFill>
         <p:spPr bwMode="auto">
           <a:xfrm>
-            <a:off x="9192344" y="2910544"/>
-            <a:ext cx="2232248" cy="2232248"/>
+            <a:off x="9552384" y="2726157"/>
+            <a:ext cx="2206773" cy="2206773"/>
           </a:xfrm>
           <a:prstGeom prst="rect">
             <a:avLst/>
@@ -7241,6 +6968,42 @@
           </a:extLst>
         </p:spPr>
       </p:pic>
+      <p:sp>
+        <p:nvSpPr>
+          <p:cNvPr id="6" name="TextBox 5">
+            <a:extLst>
+              <a:ext uri="{FF2B5EF4-FFF2-40B4-BE49-F238E27FC236}">
+                <a16:creationId xmlns:a16="http://schemas.microsoft.com/office/drawing/2014/main" id="{DE497329-8AEA-40F6-9048-67B35581CA5B}"/>
+              </a:ext>
+            </a:extLst>
+          </p:cNvPr>
+          <p:cNvSpPr txBox="1"/>
+          <p:nvPr/>
+        </p:nvSpPr>
+        <p:spPr>
+          <a:xfrm>
+            <a:off x="0" y="406405"/>
+            <a:ext cx="12192000" cy="646331"/>
+          </a:xfrm>
+          <a:prstGeom prst="rect">
+            <a:avLst/>
+          </a:prstGeom>
+          <a:noFill/>
+        </p:spPr>
+        <p:txBody>
+          <a:bodyPr wrap="square" rtlCol="0">
+            <a:spAutoFit/>
+          </a:bodyPr>
+          <a:lstStyle/>
+          <a:p>
+            <a:pPr algn="ctr"/>
+            <a:r>
+              <a:rPr lang="ru-RU" sz="3600" b="1" dirty="0"/>
+              <a:t>Информация о позиции курсора (пальца)</a:t>
+            </a:r>
+          </a:p>
+        </p:txBody>
+      </p:sp>
     </p:spTree>
   </p:cSld>
   <p:clrMapOvr>
@@ -7268,183 +7031,63 @@
       </p:grpSpPr>
       <p:sp>
         <p:nvSpPr>
-          <p:cNvPr id="20" name="Номер слайда 36"/>
-          <p:cNvSpPr txBox="1">
-            <a:spLocks/>
-          </p:cNvSpPr>
-          <p:nvPr/>
-        </p:nvSpPr>
-        <p:spPr>
-          <a:xfrm>
-            <a:off x="11280576" y="6190565"/>
-            <a:ext cx="648072" cy="432048"/>
-          </a:xfrm>
-          <a:prstGeom prst="roundRect">
-            <a:avLst/>
-          </a:prstGeom>
-          <a:ln w="25400" cap="flat" cmpd="sng" algn="ctr">
-            <a:solidFill>
-              <a:schemeClr val="tx2">
-                <a:lumMod val="60000"/>
-                <a:lumOff val="40000"/>
-              </a:schemeClr>
-            </a:solidFill>
-            <a:prstDash val="solid"/>
-          </a:ln>
+          <p:cNvPr id="5" name="Прямоугольник 4"/>
+          <p:cNvSpPr/>
+          <p:nvPr/>
+        </p:nvSpPr>
+        <p:spPr>
+          <a:xfrm>
+            <a:off x="0" y="0"/>
+            <a:ext cx="12192000" cy="6858000"/>
+          </a:xfrm>
+          <a:prstGeom prst="rect">
+            <a:avLst/>
+          </a:prstGeom>
+          <a:solidFill>
+            <a:schemeClr val="tx2">
+              <a:lumMod val="75000"/>
+            </a:schemeClr>
+          </a:solidFill>
         </p:spPr>
         <p:style>
           <a:lnRef idx="2">
-            <a:schemeClr val="accent1"/>
+            <a:schemeClr val="accent1">
+              <a:shade val="50000"/>
+            </a:schemeClr>
           </a:lnRef>
           <a:fillRef idx="1">
-            <a:schemeClr val="lt1"/>
+            <a:schemeClr val="accent1"/>
           </a:fillRef>
           <a:effectRef idx="0">
             <a:schemeClr val="accent1"/>
           </a:effectRef>
           <a:fontRef idx="minor">
-            <a:schemeClr val="dk1"/>
+            <a:schemeClr val="lt1"/>
           </a:fontRef>
         </p:style>
         <p:txBody>
-          <a:bodyPr vert="horz" lIns="91440" tIns="45720" rIns="91440" bIns="45720" rtlCol="0" anchor="ctr"/>
-          <a:lstStyle/>
-          <a:p>
-            <a:pPr algn="ctr">
-              <a:defRPr/>
-            </a:pPr>
-            <a:fld id="{6389AA22-90B4-448C-8B6B-C699140D38B9}" type="slidenum">
-              <a:rPr lang="uk-UA" sz="2400" b="1">
-                <a:solidFill>
-                  <a:schemeClr val="bg1">
-                    <a:lumMod val="50000"/>
-                  </a:schemeClr>
-                </a:solidFill>
-              </a:rPr>
-              <a:pPr algn="ctr">
-                <a:defRPr/>
-              </a:pPr>
-              <a:t>21</a:t>
-            </a:fld>
-            <a:endParaRPr lang="uk-UA" sz="2400" b="1" dirty="0">
-              <a:solidFill>
-                <a:schemeClr val="bg1">
-                  <a:lumMod val="50000"/>
-                </a:schemeClr>
-              </a:solidFill>
-            </a:endParaRPr>
-          </a:p>
-        </p:txBody>
-      </p:sp>
-      <p:pic>
-        <p:nvPicPr>
-          <p:cNvPr id="7" name="Picture 6" descr="http://webix.pro/upload/javascript/spravochnik/svojstva/offsetx.gif"/>
-          <p:cNvPicPr>
-            <a:picLocks noChangeAspect="1" noChangeArrowheads="1"/>
-          </p:cNvPicPr>
-          <p:nvPr/>
-        </p:nvPicPr>
-        <p:blipFill>
-          <a:blip r:embed="rId2" cstate="print"/>
-          <a:srcRect l="30512" t="28696" r="25394" b="28696"/>
-          <a:stretch>
-            <a:fillRect/>
-          </a:stretch>
-        </p:blipFill>
-        <p:spPr bwMode="auto">
-          <a:xfrm>
-            <a:off x="1123306" y="1556792"/>
-            <a:ext cx="8063415" cy="4382906"/>
-          </a:xfrm>
-          <a:prstGeom prst="rect">
-            <a:avLst/>
-          </a:prstGeom>
-          <a:noFill/>
-          <a:ln w="28575">
-            <a:solidFill>
-              <a:srgbClr val="00B0F0"/>
-            </a:solidFill>
-          </a:ln>
-        </p:spPr>
-      </p:pic>
-      <p:pic>
-        <p:nvPicPr>
-          <p:cNvPr id="9" name="Picture 4" descr="http://icons.iconarchive.com/icons/iconsmind/outline/512/Mouse-3-icon.png"/>
-          <p:cNvPicPr>
-            <a:picLocks noChangeAspect="1" noChangeArrowheads="1"/>
-          </p:cNvPicPr>
-          <p:nvPr/>
-        </p:nvPicPr>
-        <p:blipFill>
-          <a:blip r:embed="rId3" cstate="print">
-            <a:extLst>
-              <a:ext uri="{28A0092B-C50C-407E-A947-70E740481C1C}">
-                <a14:useLocalDpi xmlns:a14="http://schemas.microsoft.com/office/drawing/2010/main" val="0"/>
-              </a:ext>
-            </a:extLst>
-          </a:blip>
-          <a:srcRect/>
-          <a:stretch>
-            <a:fillRect/>
-          </a:stretch>
-        </p:blipFill>
-        <p:spPr bwMode="auto">
-          <a:xfrm>
-            <a:off x="9552384" y="2726157"/>
-            <a:ext cx="2206773" cy="2206773"/>
-          </a:xfrm>
-          <a:prstGeom prst="rect">
-            <a:avLst/>
-          </a:prstGeom>
-          <a:noFill/>
-          <a:extLst>
-            <a:ext uri="{909E8E84-426E-40DD-AFC4-6F175D3DCCD1}">
-              <a14:hiddenFill xmlns:a14="http://schemas.microsoft.com/office/drawing/2010/main">
-                <a:solidFill>
-                  <a:srgbClr val="FFFFFF"/>
-                </a:solidFill>
-              </a14:hiddenFill>
-            </a:ext>
-          </a:extLst>
-        </p:spPr>
-      </p:pic>
-      <p:sp>
-        <p:nvSpPr>
-          <p:cNvPr id="6" name="TextBox 5">
-            <a:extLst>
-              <a:ext uri="{FF2B5EF4-FFF2-40B4-BE49-F238E27FC236}">
-                <a16:creationId xmlns:a16="http://schemas.microsoft.com/office/drawing/2014/main" id="{DE497329-8AEA-40F6-9048-67B35581CA5B}"/>
-              </a:ext>
-            </a:extLst>
-          </p:cNvPr>
-          <p:cNvSpPr txBox="1"/>
-          <p:nvPr/>
-        </p:nvSpPr>
-        <p:spPr>
-          <a:xfrm>
-            <a:off x="0" y="406405"/>
-            <a:ext cx="12192000" cy="646331"/>
-          </a:xfrm>
-          <a:prstGeom prst="rect">
-            <a:avLst/>
-          </a:prstGeom>
-          <a:noFill/>
-        </p:spPr>
-        <p:txBody>
-          <a:bodyPr wrap="square" rtlCol="0">
-            <a:spAutoFit/>
-          </a:bodyPr>
+          <a:bodyPr rtlCol="0" anchor="ctr"/>
           <a:lstStyle/>
           <a:p>
             <a:pPr algn="ctr"/>
             <a:r>
-              <a:rPr lang="ru-RU" sz="3600" b="1" dirty="0"/>
-              <a:t>Информация о позиции курсора (пальца)</a:t>
-            </a:r>
+              <a:rPr lang="en-US" sz="6000" b="1" dirty="0"/>
+              <a:t>4. </a:t>
+            </a:r>
+            <a:r>
+              <a:rPr lang="ru-RU" sz="6000" b="1" dirty="0"/>
+              <a:t>Всплытие событий</a:t>
+            </a:r>
+            <a:endParaRPr lang="uk-UA" sz="6000" b="1" dirty="0"/>
           </a:p>
         </p:txBody>
       </p:sp>
     </p:spTree>
+    <p:extLst>
+      <p:ext uri="{BB962C8B-B14F-4D97-AF65-F5344CB8AC3E}">
+        <p14:creationId xmlns:p14="http://schemas.microsoft.com/office/powerpoint/2010/main" val="1396105770"/>
+      </p:ext>
+    </p:extLst>
   </p:cSld>
   <p:clrMapOvr>
     <a:masterClrMapping/>
@@ -7471,23 +7114,96 @@
       </p:grpSpPr>
       <p:sp>
         <p:nvSpPr>
-          <p:cNvPr id="5" name="Прямоугольник 4"/>
+          <p:cNvPr id="20" name="Номер слайда 36"/>
+          <p:cNvSpPr txBox="1">
+            <a:spLocks/>
+          </p:cNvSpPr>
+          <p:nvPr/>
+        </p:nvSpPr>
+        <p:spPr>
+          <a:xfrm>
+            <a:off x="11280576" y="6093296"/>
+            <a:ext cx="648072" cy="432048"/>
+          </a:xfrm>
+          <a:prstGeom prst="roundRect">
+            <a:avLst/>
+          </a:prstGeom>
+          <a:ln w="25400" cap="flat" cmpd="sng" algn="ctr">
+            <a:solidFill>
+              <a:schemeClr val="tx2">
+                <a:lumMod val="60000"/>
+                <a:lumOff val="40000"/>
+              </a:schemeClr>
+            </a:solidFill>
+            <a:prstDash val="solid"/>
+          </a:ln>
+        </p:spPr>
+        <p:style>
+          <a:lnRef idx="2">
+            <a:schemeClr val="accent1"/>
+          </a:lnRef>
+          <a:fillRef idx="1">
+            <a:schemeClr val="lt1"/>
+          </a:fillRef>
+          <a:effectRef idx="0">
+            <a:schemeClr val="accent1"/>
+          </a:effectRef>
+          <a:fontRef idx="minor">
+            <a:schemeClr val="dk1"/>
+          </a:fontRef>
+        </p:style>
+        <p:txBody>
+          <a:bodyPr vert="horz" lIns="91440" tIns="45720" rIns="91440" bIns="45720" rtlCol="0" anchor="ctr"/>
+          <a:lstStyle/>
+          <a:p>
+            <a:pPr algn="ctr">
+              <a:defRPr/>
+            </a:pPr>
+            <a:fld id="{6389AA22-90B4-448C-8B6B-C699140D38B9}" type="slidenum">
+              <a:rPr lang="uk-UA" sz="2400" b="1">
+                <a:solidFill>
+                  <a:schemeClr val="bg1">
+                    <a:lumMod val="50000"/>
+                  </a:schemeClr>
+                </a:solidFill>
+              </a:rPr>
+              <a:pPr algn="ctr">
+                <a:defRPr/>
+              </a:pPr>
+              <a:t>22</a:t>
+            </a:fld>
+            <a:endParaRPr lang="uk-UA" sz="2400" b="1" dirty="0">
+              <a:solidFill>
+                <a:schemeClr val="bg1">
+                  <a:lumMod val="50000"/>
+                </a:schemeClr>
+              </a:solidFill>
+            </a:endParaRPr>
+          </a:p>
+        </p:txBody>
+      </p:sp>
+      <p:sp>
+        <p:nvSpPr>
+          <p:cNvPr id="11" name="Прямоугольник 10"/>
           <p:cNvSpPr/>
           <p:nvPr/>
         </p:nvSpPr>
         <p:spPr>
           <a:xfrm>
-            <a:off x="0" y="0"/>
-            <a:ext cx="12192000" cy="6858000"/>
+            <a:off x="5197996" y="3327374"/>
+            <a:ext cx="1584176" cy="864096"/>
           </a:xfrm>
           <a:prstGeom prst="rect">
             <a:avLst/>
           </a:prstGeom>
           <a:solidFill>
-            <a:schemeClr val="tx2">
-              <a:lumMod val="75000"/>
-            </a:schemeClr>
+            <a:srgbClr val="0070C0"/>
           </a:solidFill>
+          <a:ln w="127000">
+            <a:solidFill>
+              <a:srgbClr val="0070C0"/>
+            </a:solidFill>
+          </a:ln>
         </p:spPr>
         <p:style>
           <a:lnRef idx="2">
@@ -7510,22 +7226,415 @@
           <a:lstStyle/>
           <a:p>
             <a:pPr algn="ctr"/>
-            <a:r>
-              <a:rPr lang="en-US" sz="6000" b="1" dirty="0"/>
-              <a:t>4. </a:t>
-            </a:r>
-            <a:r>
-              <a:rPr lang="ru-RU" sz="6000" b="1" dirty="0"/>
-              <a:t>Всплытие событий</a:t>
-            </a:r>
-            <a:endParaRPr lang="uk-UA" sz="6000" b="1" dirty="0"/>
+            <a:endParaRPr lang="ru-RU"/>
+          </a:p>
+        </p:txBody>
+      </p:sp>
+      <p:sp>
+        <p:nvSpPr>
+          <p:cNvPr id="14" name="Стрелка вверх 13"/>
+          <p:cNvSpPr/>
+          <p:nvPr/>
+        </p:nvSpPr>
+        <p:spPr>
+          <a:xfrm>
+            <a:off x="5846068" y="1432519"/>
+            <a:ext cx="360040" cy="2448272"/>
+          </a:xfrm>
+          <a:prstGeom prst="upArrow">
+            <a:avLst/>
+          </a:prstGeom>
+          <a:solidFill>
+            <a:schemeClr val="accent6"/>
+          </a:solidFill>
+          <a:ln w="57150">
+            <a:solidFill>
+              <a:schemeClr val="accent6"/>
+            </a:solidFill>
+          </a:ln>
+        </p:spPr>
+        <p:style>
+          <a:lnRef idx="2">
+            <a:schemeClr val="accent1">
+              <a:shade val="50000"/>
+            </a:schemeClr>
+          </a:lnRef>
+          <a:fillRef idx="1">
+            <a:schemeClr val="accent1"/>
+          </a:fillRef>
+          <a:effectRef idx="0">
+            <a:schemeClr val="accent1"/>
+          </a:effectRef>
+          <a:fontRef idx="minor">
+            <a:schemeClr val="lt1"/>
+          </a:fontRef>
+        </p:style>
+        <p:txBody>
+          <a:bodyPr rtlCol="0" anchor="ctr"/>
+          <a:lstStyle/>
+          <a:p>
+            <a:pPr algn="ctr"/>
+            <a:endParaRPr lang="ru-RU"/>
+          </a:p>
+        </p:txBody>
+      </p:sp>
+      <p:cxnSp>
+        <p:nvCxnSpPr>
+          <p:cNvPr id="22" name="Прямая со стрелкой 21"/>
+          <p:cNvCxnSpPr>
+            <a:stCxn id="25" idx="1"/>
+          </p:cNvCxnSpPr>
+          <p:nvPr/>
+        </p:nvCxnSpPr>
+        <p:spPr>
+          <a:xfrm flipH="1">
+            <a:off x="7574262" y="2603054"/>
+            <a:ext cx="633400" cy="4241"/>
+          </a:xfrm>
+          <a:prstGeom prst="straightConnector1">
+            <a:avLst/>
+          </a:prstGeom>
+          <a:ln w="38100">
+            <a:tailEnd type="arrow"/>
+          </a:ln>
+        </p:spPr>
+        <p:style>
+          <a:lnRef idx="1">
+            <a:schemeClr val="accent1"/>
+          </a:lnRef>
+          <a:fillRef idx="0">
+            <a:schemeClr val="accent1"/>
+          </a:fillRef>
+          <a:effectRef idx="0">
+            <a:schemeClr val="accent1"/>
+          </a:effectRef>
+          <a:fontRef idx="minor">
+            <a:schemeClr val="tx1"/>
+          </a:fontRef>
+        </p:style>
+      </p:cxnSp>
+      <p:sp>
+        <p:nvSpPr>
+          <p:cNvPr id="25" name="TextBox 24"/>
+          <p:cNvSpPr txBox="1"/>
+          <p:nvPr/>
+        </p:nvSpPr>
+        <p:spPr>
+          <a:xfrm>
+            <a:off x="8207662" y="2372221"/>
+            <a:ext cx="678391" cy="461665"/>
+          </a:xfrm>
+          <a:prstGeom prst="rect">
+            <a:avLst/>
+          </a:prstGeom>
+          <a:noFill/>
+        </p:spPr>
+        <p:txBody>
+          <a:bodyPr wrap="none" rtlCol="0">
+            <a:spAutoFit/>
+          </a:bodyPr>
+          <a:lstStyle/>
+          <a:p>
+            <a:r>
+              <a:rPr lang="en-US" sz="2400" b="1" dirty="0"/>
+              <a:t>&lt;A&gt;</a:t>
+            </a:r>
+            <a:endParaRPr lang="ru-RU" sz="2400" b="1" dirty="0"/>
+          </a:p>
+        </p:txBody>
+      </p:sp>
+      <p:cxnSp>
+        <p:nvCxnSpPr>
+          <p:cNvPr id="29" name="Прямая со стрелкой 28"/>
+          <p:cNvCxnSpPr>
+            <a:stCxn id="30" idx="1"/>
+          </p:cNvCxnSpPr>
+          <p:nvPr/>
+        </p:nvCxnSpPr>
+        <p:spPr>
+          <a:xfrm flipH="1">
+            <a:off x="7248128" y="3414192"/>
+            <a:ext cx="614164" cy="4241"/>
+          </a:xfrm>
+          <a:prstGeom prst="straightConnector1">
+            <a:avLst/>
+          </a:prstGeom>
+          <a:ln w="38100">
+            <a:tailEnd type="arrow"/>
+          </a:ln>
+        </p:spPr>
+        <p:style>
+          <a:lnRef idx="1">
+            <a:schemeClr val="accent1"/>
+          </a:lnRef>
+          <a:fillRef idx="0">
+            <a:schemeClr val="accent1"/>
+          </a:fillRef>
+          <a:effectRef idx="0">
+            <a:schemeClr val="accent1"/>
+          </a:effectRef>
+          <a:fontRef idx="minor">
+            <a:schemeClr val="tx1"/>
+          </a:fontRef>
+        </p:style>
+      </p:cxnSp>
+      <p:sp>
+        <p:nvSpPr>
+          <p:cNvPr id="30" name="TextBox 29"/>
+          <p:cNvSpPr txBox="1"/>
+          <p:nvPr/>
+        </p:nvSpPr>
+        <p:spPr>
+          <a:xfrm>
+            <a:off x="7862292" y="3183359"/>
+            <a:ext cx="665567" cy="461665"/>
+          </a:xfrm>
+          <a:prstGeom prst="rect">
+            <a:avLst/>
+          </a:prstGeom>
+          <a:noFill/>
+        </p:spPr>
+        <p:txBody>
+          <a:bodyPr wrap="none" rtlCol="0">
+            <a:spAutoFit/>
+          </a:bodyPr>
+          <a:lstStyle/>
+          <a:p>
+            <a:r>
+              <a:rPr lang="en-US" sz="2400" b="1" dirty="0"/>
+              <a:t>&lt;B&gt;</a:t>
+            </a:r>
+            <a:endParaRPr lang="ru-RU" sz="2400" b="1" dirty="0"/>
+          </a:p>
+        </p:txBody>
+      </p:sp>
+      <p:cxnSp>
+        <p:nvCxnSpPr>
+          <p:cNvPr id="31" name="Прямая со стрелкой 30"/>
+          <p:cNvCxnSpPr>
+            <a:stCxn id="32" idx="1"/>
+          </p:cNvCxnSpPr>
+          <p:nvPr/>
+        </p:nvCxnSpPr>
+        <p:spPr>
+          <a:xfrm flipH="1">
+            <a:off x="6888088" y="4062264"/>
+            <a:ext cx="614164" cy="4241"/>
+          </a:xfrm>
+          <a:prstGeom prst="straightConnector1">
+            <a:avLst/>
+          </a:prstGeom>
+          <a:ln w="38100">
+            <a:tailEnd type="arrow"/>
+          </a:ln>
+        </p:spPr>
+        <p:style>
+          <a:lnRef idx="1">
+            <a:schemeClr val="accent1"/>
+          </a:lnRef>
+          <a:fillRef idx="0">
+            <a:schemeClr val="accent1"/>
+          </a:fillRef>
+          <a:effectRef idx="0">
+            <a:schemeClr val="accent1"/>
+          </a:effectRef>
+          <a:fontRef idx="minor">
+            <a:schemeClr val="tx1"/>
+          </a:fontRef>
+        </p:style>
+      </p:cxnSp>
+      <p:sp>
+        <p:nvSpPr>
+          <p:cNvPr id="32" name="TextBox 31"/>
+          <p:cNvSpPr txBox="1"/>
+          <p:nvPr/>
+        </p:nvSpPr>
+        <p:spPr>
+          <a:xfrm>
+            <a:off x="7502252" y="3831431"/>
+            <a:ext cx="655949" cy="461665"/>
+          </a:xfrm>
+          <a:prstGeom prst="rect">
+            <a:avLst/>
+          </a:prstGeom>
+          <a:noFill/>
+        </p:spPr>
+        <p:txBody>
+          <a:bodyPr wrap="none" rtlCol="0">
+            <a:spAutoFit/>
+          </a:bodyPr>
+          <a:lstStyle/>
+          <a:p>
+            <a:r>
+              <a:rPr lang="en-US" sz="2400" b="1" dirty="0"/>
+              <a:t>&lt;C&gt;</a:t>
+            </a:r>
+            <a:endParaRPr lang="ru-RU" sz="2400" b="1" dirty="0"/>
+          </a:p>
+        </p:txBody>
+      </p:sp>
+      <p:sp>
+        <p:nvSpPr>
+          <p:cNvPr id="36" name="Прямоугольник 35"/>
+          <p:cNvSpPr/>
+          <p:nvPr/>
+        </p:nvSpPr>
+        <p:spPr>
+          <a:xfrm>
+            <a:off x="1847528" y="4739660"/>
+            <a:ext cx="8856984" cy="1569660"/>
+          </a:xfrm>
+          <a:prstGeom prst="rect">
+            <a:avLst/>
+          </a:prstGeom>
+        </p:spPr>
+        <p:txBody>
+          <a:bodyPr wrap="square">
+            <a:spAutoFit/>
+          </a:bodyPr>
+          <a:lstStyle/>
+          <a:p>
+            <a:r>
+              <a:rPr lang="ru-RU" sz="3200" dirty="0"/>
+              <a:t>При наступлении события обработчики сработав на целевом элементы начинает подниматься </a:t>
+            </a:r>
+            <a:r>
+              <a:rPr lang="ru-RU" sz="3200" b="1" dirty="0"/>
+              <a:t>«всплывать» </a:t>
+            </a:r>
+            <a:r>
+              <a:rPr lang="ru-RU" sz="3200" dirty="0"/>
+              <a:t>к предкам элемента. </a:t>
+            </a:r>
+          </a:p>
+        </p:txBody>
+      </p:sp>
+      <p:sp>
+        <p:nvSpPr>
+          <p:cNvPr id="18" name="Прямоугольник 17"/>
+          <p:cNvSpPr/>
+          <p:nvPr/>
+        </p:nvSpPr>
+        <p:spPr>
+          <a:xfrm>
+            <a:off x="4837956" y="2751310"/>
+            <a:ext cx="2295872" cy="855712"/>
+          </a:xfrm>
+          <a:prstGeom prst="rect">
+            <a:avLst/>
+          </a:prstGeom>
+          <a:noFill/>
+          <a:ln w="190500">
+            <a:solidFill>
+              <a:srgbClr val="00B050"/>
+            </a:solidFill>
+          </a:ln>
+        </p:spPr>
+        <p:style>
+          <a:lnRef idx="2">
+            <a:schemeClr val="accent1">
+              <a:shade val="50000"/>
+            </a:schemeClr>
+          </a:lnRef>
+          <a:fillRef idx="1">
+            <a:schemeClr val="accent1"/>
+          </a:fillRef>
+          <a:effectRef idx="0">
+            <a:schemeClr val="accent1"/>
+          </a:effectRef>
+          <a:fontRef idx="minor">
+            <a:schemeClr val="lt1"/>
+          </a:fontRef>
+        </p:style>
+        <p:txBody>
+          <a:bodyPr rtlCol="0" anchor="ctr"/>
+          <a:lstStyle/>
+          <a:p>
+            <a:pPr algn="ctr"/>
+            <a:endParaRPr lang="ru-RU"/>
+          </a:p>
+        </p:txBody>
+      </p:sp>
+      <p:sp>
+        <p:nvSpPr>
+          <p:cNvPr id="19" name="Прямоугольник 18"/>
+          <p:cNvSpPr/>
+          <p:nvPr/>
+        </p:nvSpPr>
+        <p:spPr>
+          <a:xfrm>
+            <a:off x="4439816" y="2103238"/>
+            <a:ext cx="3024336" cy="1008112"/>
+          </a:xfrm>
+          <a:prstGeom prst="rect">
+            <a:avLst/>
+          </a:prstGeom>
+          <a:noFill/>
+          <a:ln w="190500">
+            <a:solidFill>
+              <a:srgbClr val="FF0000"/>
+            </a:solidFill>
+          </a:ln>
+        </p:spPr>
+        <p:style>
+          <a:lnRef idx="2">
+            <a:schemeClr val="accent1">
+              <a:shade val="50000"/>
+            </a:schemeClr>
+          </a:lnRef>
+          <a:fillRef idx="1">
+            <a:schemeClr val="accent1"/>
+          </a:fillRef>
+          <a:effectRef idx="0">
+            <a:schemeClr val="accent1"/>
+          </a:effectRef>
+          <a:fontRef idx="minor">
+            <a:schemeClr val="lt1"/>
+          </a:fontRef>
+        </p:style>
+        <p:txBody>
+          <a:bodyPr rtlCol="0" anchor="ctr"/>
+          <a:lstStyle/>
+          <a:p>
+            <a:pPr algn="ctr"/>
+            <a:endParaRPr lang="ru-RU"/>
+          </a:p>
+        </p:txBody>
+      </p:sp>
+      <p:sp>
+        <p:nvSpPr>
+          <p:cNvPr id="16" name="TextBox 15"/>
+          <p:cNvSpPr txBox="1"/>
+          <p:nvPr/>
+        </p:nvSpPr>
+        <p:spPr>
+          <a:xfrm>
+            <a:off x="1" y="395953"/>
+            <a:ext cx="12192000" cy="584775"/>
+          </a:xfrm>
+          <a:prstGeom prst="rect">
+            <a:avLst/>
+          </a:prstGeom>
+          <a:noFill/>
+        </p:spPr>
+        <p:txBody>
+          <a:bodyPr wrap="square" rtlCol="0">
+            <a:spAutoFit/>
+          </a:bodyPr>
+          <a:lstStyle/>
+          <a:p>
+            <a:pPr algn="ctr"/>
+            <a:r>
+              <a:rPr lang="ru-RU" sz="3200" b="1" dirty="0"/>
+              <a:t>«Всплытие» событий</a:t>
+            </a:r>
           </a:p>
         </p:txBody>
       </p:sp>
     </p:spTree>
     <p:extLst>
       <p:ext uri="{BB962C8B-B14F-4D97-AF65-F5344CB8AC3E}">
-        <p14:creationId xmlns:p14="http://schemas.microsoft.com/office/powerpoint/2010/main" val="1396105770"/>
+        <p14:creationId xmlns:p14="http://schemas.microsoft.com/office/powerpoint/2010/main" val="4239847000"/>
       </p:ext>
     </p:extLst>
   </p:cSld>
@@ -7562,7 +7671,7 @@
         </p:nvSpPr>
         <p:spPr>
           <a:xfrm>
-            <a:off x="11280576" y="6093296"/>
+            <a:off x="11208568" y="6205664"/>
             <a:ext cx="648072" cy="432048"/>
           </a:xfrm>
           <a:prstGeom prst="roundRect">
@@ -7624,118 +7733,157 @@
       </p:sp>
       <p:sp>
         <p:nvSpPr>
-          <p:cNvPr id="11" name="Прямоугольник 10"/>
-          <p:cNvSpPr/>
-          <p:nvPr/>
-        </p:nvSpPr>
-        <p:spPr>
-          <a:xfrm>
-            <a:off x="5197996" y="3327374"/>
-            <a:ext cx="1584176" cy="864096"/>
-          </a:xfrm>
-          <a:prstGeom prst="rect">
-            <a:avLst/>
-          </a:prstGeom>
-          <a:solidFill>
-            <a:srgbClr val="0070C0"/>
-          </a:solidFill>
-          <a:ln w="127000">
-            <a:solidFill>
-              <a:srgbClr val="0070C0"/>
-            </a:solidFill>
-          </a:ln>
-        </p:spPr>
-        <p:style>
-          <a:lnRef idx="2">
-            <a:schemeClr val="accent1">
-              <a:shade val="50000"/>
-            </a:schemeClr>
-          </a:lnRef>
-          <a:fillRef idx="1">
-            <a:schemeClr val="accent1"/>
-          </a:fillRef>
-          <a:effectRef idx="0">
-            <a:schemeClr val="accent1"/>
-          </a:effectRef>
-          <a:fontRef idx="minor">
-            <a:schemeClr val="lt1"/>
-          </a:fontRef>
-        </p:style>
-        <p:txBody>
-          <a:bodyPr rtlCol="0" anchor="ctr"/>
+          <p:cNvPr id="8" name="TextBox 7"/>
+          <p:cNvSpPr txBox="1"/>
+          <p:nvPr/>
+        </p:nvSpPr>
+        <p:spPr>
+          <a:xfrm>
+            <a:off x="1" y="107794"/>
+            <a:ext cx="12191999" cy="584775"/>
+          </a:xfrm>
+          <a:prstGeom prst="rect">
+            <a:avLst/>
+          </a:prstGeom>
+          <a:noFill/>
+        </p:spPr>
+        <p:txBody>
+          <a:bodyPr wrap="square" rtlCol="0">
+            <a:spAutoFit/>
+          </a:bodyPr>
           <a:lstStyle/>
           <a:p>
             <a:pPr algn="ctr"/>
-            <a:endParaRPr lang="ru-RU"/>
-          </a:p>
-        </p:txBody>
-      </p:sp>
-      <p:sp>
-        <p:nvSpPr>
-          <p:cNvPr id="14" name="Стрелка вверх 13"/>
-          <p:cNvSpPr/>
-          <p:nvPr/>
-        </p:nvSpPr>
-        <p:spPr>
-          <a:xfrm>
-            <a:off x="5846068" y="1432519"/>
-            <a:ext cx="360040" cy="2448272"/>
-          </a:xfrm>
-          <a:prstGeom prst="upArrow">
-            <a:avLst/>
-          </a:prstGeom>
-          <a:solidFill>
-            <a:schemeClr val="accent6"/>
-          </a:solidFill>
-          <a:ln w="57150">
-            <a:solidFill>
-              <a:schemeClr val="accent6"/>
-            </a:solidFill>
-          </a:ln>
-        </p:spPr>
-        <p:style>
-          <a:lnRef idx="2">
-            <a:schemeClr val="accent1">
-              <a:shade val="50000"/>
-            </a:schemeClr>
-          </a:lnRef>
-          <a:fillRef idx="1">
-            <a:schemeClr val="accent1"/>
-          </a:fillRef>
-          <a:effectRef idx="0">
-            <a:schemeClr val="accent1"/>
-          </a:effectRef>
-          <a:fontRef idx="minor">
-            <a:schemeClr val="lt1"/>
-          </a:fontRef>
-        </p:style>
-        <p:txBody>
-          <a:bodyPr rtlCol="0" anchor="ctr"/>
+            <a:r>
+              <a:rPr lang="ru-RU" sz="3200" b="1" dirty="0"/>
+              <a:t>«Всплытие» событий</a:t>
+            </a:r>
+          </a:p>
+        </p:txBody>
+      </p:sp>
+      <p:sp>
+        <p:nvSpPr>
+          <p:cNvPr id="10" name="TextBox 9"/>
+          <p:cNvSpPr txBox="1"/>
+          <p:nvPr/>
+        </p:nvSpPr>
+        <p:spPr>
+          <a:xfrm>
+            <a:off x="1" y="6135687"/>
+            <a:ext cx="12192000" cy="461665"/>
+          </a:xfrm>
+          <a:prstGeom prst="rect">
+            <a:avLst/>
+          </a:prstGeom>
+          <a:noFill/>
+        </p:spPr>
+        <p:txBody>
+          <a:bodyPr wrap="square" rtlCol="0">
+            <a:spAutoFit/>
+          </a:bodyPr>
           <a:lstStyle/>
           <a:p>
             <a:pPr algn="ctr"/>
-            <a:endParaRPr lang="ru-RU"/>
+            <a:r>
+              <a:rPr lang="ru-RU" sz="2400" i="1" dirty="0"/>
+              <a:t>Что мы увидим в консоли после клика по синему блоку?</a:t>
+            </a:r>
+          </a:p>
+        </p:txBody>
+      </p:sp>
+      <p:sp>
+        <p:nvSpPr>
+          <p:cNvPr id="12" name="TextBox 11"/>
+          <p:cNvSpPr txBox="1"/>
+          <p:nvPr/>
+        </p:nvSpPr>
+        <p:spPr>
+          <a:xfrm>
+            <a:off x="2152726" y="1085835"/>
+            <a:ext cx="4074577" cy="830997"/>
+          </a:xfrm>
+          <a:prstGeom prst="rect">
+            <a:avLst/>
+          </a:prstGeom>
+          <a:noFill/>
+        </p:spPr>
+        <p:txBody>
+          <a:bodyPr wrap="none" rtlCol="0">
+            <a:spAutoFit/>
+          </a:bodyPr>
+          <a:lstStyle/>
+          <a:p>
+            <a:r>
+              <a:rPr lang="ru-RU" sz="2400" i="1" dirty="0"/>
+              <a:t>Воспользуйтесь заготовкой:</a:t>
+            </a:r>
+            <a:endParaRPr lang="en-US" sz="2400" i="1" dirty="0"/>
+          </a:p>
+          <a:p>
+            <a:r>
+              <a:rPr lang="en-US" sz="2400" b="1" dirty="0">
+                <a:solidFill>
+                  <a:srgbClr val="0070C0"/>
+                </a:solidFill>
+              </a:rPr>
+              <a:t>./</a:t>
+            </a:r>
+            <a:r>
+              <a:rPr lang="en-US" sz="2400" b="1" dirty="0" err="1">
+                <a:solidFill>
+                  <a:srgbClr val="0070C0"/>
+                </a:solidFill>
+              </a:rPr>
+              <a:t>src</a:t>
+            </a:r>
+            <a:r>
+              <a:rPr lang="en-US" sz="2400" b="1" dirty="0">
+                <a:solidFill>
+                  <a:srgbClr val="0070C0"/>
+                </a:solidFill>
+              </a:rPr>
+              <a:t>/event-</a:t>
+            </a:r>
+            <a:r>
+              <a:rPr lang="en-US" sz="2400" b="1" dirty="0" err="1">
+                <a:solidFill>
+                  <a:srgbClr val="0070C0"/>
+                </a:solidFill>
+              </a:rPr>
+              <a:t>bubling</a:t>
+            </a:r>
+            <a:r>
+              <a:rPr lang="en-US" sz="2400" b="1" dirty="0">
+                <a:solidFill>
+                  <a:srgbClr val="0070C0"/>
+                </a:solidFill>
+              </a:rPr>
+              <a:t>-example</a:t>
+            </a:r>
+            <a:endParaRPr lang="ru-RU" sz="2400" i="1" dirty="0"/>
           </a:p>
         </p:txBody>
       </p:sp>
       <p:cxnSp>
         <p:nvCxnSpPr>
-          <p:cNvPr id="22" name="Прямая со стрелкой 21"/>
-          <p:cNvCxnSpPr>
-            <a:stCxn id="25" idx="1"/>
-          </p:cNvCxnSpPr>
+          <p:cNvPr id="4" name="Прямая соединительная линия 3"/>
+          <p:cNvCxnSpPr/>
           <p:nvPr/>
         </p:nvCxnSpPr>
         <p:spPr>
-          <a:xfrm flipH="1">
-            <a:off x="7574262" y="2603054"/>
-            <a:ext cx="633400" cy="4241"/>
-          </a:xfrm>
-          <a:prstGeom prst="straightConnector1">
-            <a:avLst/>
-          </a:prstGeom>
-          <a:ln w="38100">
-            <a:tailEnd type="arrow"/>
+          <a:xfrm>
+            <a:off x="2063552" y="2348880"/>
+            <a:ext cx="8068532" cy="0"/>
+          </a:xfrm>
+          <a:prstGeom prst="line">
+            <a:avLst/>
+          </a:prstGeom>
+          <a:ln w="19050">
+            <a:solidFill>
+              <a:schemeClr val="bg1">
+                <a:lumMod val="65000"/>
+              </a:schemeClr>
+            </a:solidFill>
           </a:ln>
         </p:spPr>
         <p:style>
@@ -7753,328 +7901,70 @@
           </a:fontRef>
         </p:style>
       </p:cxnSp>
-      <p:sp>
-        <p:nvSpPr>
-          <p:cNvPr id="25" name="TextBox 24"/>
-          <p:cNvSpPr txBox="1"/>
-          <p:nvPr/>
-        </p:nvSpPr>
-        <p:spPr>
-          <a:xfrm>
-            <a:off x="8207662" y="2372221"/>
-            <a:ext cx="678391" cy="461665"/>
-          </a:xfrm>
-          <a:prstGeom prst="rect">
-            <a:avLst/>
-          </a:prstGeom>
-          <a:noFill/>
-        </p:spPr>
-        <p:txBody>
-          <a:bodyPr wrap="none" rtlCol="0">
-            <a:spAutoFit/>
-          </a:bodyPr>
-          <a:lstStyle/>
-          <a:p>
-            <a:r>
-              <a:rPr lang="en-US" sz="2400" b="1" dirty="0"/>
-              <a:t>&lt;A&gt;</a:t>
-            </a:r>
-            <a:endParaRPr lang="ru-RU" sz="2400" b="1" dirty="0"/>
-          </a:p>
-        </p:txBody>
-      </p:sp>
-      <p:cxnSp>
-        <p:nvCxnSpPr>
-          <p:cNvPr id="29" name="Прямая со стрелкой 28"/>
-          <p:cNvCxnSpPr>
-            <a:stCxn id="30" idx="1"/>
-          </p:cNvCxnSpPr>
-          <p:nvPr/>
-        </p:nvCxnSpPr>
-        <p:spPr>
-          <a:xfrm flipH="1">
-            <a:off x="7248128" y="3414192"/>
-            <a:ext cx="614164" cy="4241"/>
-          </a:xfrm>
-          <a:prstGeom prst="straightConnector1">
-            <a:avLst/>
-          </a:prstGeom>
-          <a:ln w="38100">
-            <a:tailEnd type="arrow"/>
+      <p:pic>
+        <p:nvPicPr>
+          <p:cNvPr id="6" name="Рисунок 5"/>
+          <p:cNvPicPr>
+            <a:picLocks noChangeAspect="1"/>
+          </p:cNvPicPr>
+          <p:nvPr/>
+        </p:nvPicPr>
+        <p:blipFill rotWithShape="1">
+          <a:blip r:embed="rId2"/>
+          <a:srcRect t="5525" r="3718" b="10749"/>
+          <a:stretch/>
+        </p:blipFill>
+        <p:spPr>
+          <a:xfrm>
+            <a:off x="6816080" y="805012"/>
+            <a:ext cx="3449884" cy="1368152"/>
+          </a:xfrm>
+          <a:prstGeom prst="rect">
+            <a:avLst/>
+          </a:prstGeom>
+          <a:ln w="28575">
+            <a:noFill/>
           </a:ln>
         </p:spPr>
-        <p:style>
-          <a:lnRef idx="1">
-            <a:schemeClr val="accent1"/>
-          </a:lnRef>
-          <a:fillRef idx="0">
-            <a:schemeClr val="accent1"/>
-          </a:fillRef>
-          <a:effectRef idx="0">
-            <a:schemeClr val="accent1"/>
-          </a:effectRef>
-          <a:fontRef idx="minor">
-            <a:schemeClr val="tx1"/>
-          </a:fontRef>
-        </p:style>
-      </p:cxnSp>
-      <p:sp>
-        <p:nvSpPr>
-          <p:cNvPr id="30" name="TextBox 29"/>
-          <p:cNvSpPr txBox="1"/>
-          <p:nvPr/>
-        </p:nvSpPr>
-        <p:spPr>
-          <a:xfrm>
-            <a:off x="7862292" y="3183359"/>
-            <a:ext cx="665567" cy="461665"/>
-          </a:xfrm>
-          <a:prstGeom prst="rect">
-            <a:avLst/>
-          </a:prstGeom>
-          <a:noFill/>
-        </p:spPr>
-        <p:txBody>
-          <a:bodyPr wrap="none" rtlCol="0">
-            <a:spAutoFit/>
-          </a:bodyPr>
-          <a:lstStyle/>
-          <a:p>
-            <a:r>
-              <a:rPr lang="en-US" sz="2400" b="1" dirty="0"/>
-              <a:t>&lt;B&gt;</a:t>
-            </a:r>
-            <a:endParaRPr lang="ru-RU" sz="2400" b="1" dirty="0"/>
-          </a:p>
-        </p:txBody>
-      </p:sp>
-      <p:cxnSp>
-        <p:nvCxnSpPr>
-          <p:cNvPr id="31" name="Прямая со стрелкой 30"/>
-          <p:cNvCxnSpPr>
-            <a:stCxn id="32" idx="1"/>
-          </p:cNvCxnSpPr>
-          <p:nvPr/>
-        </p:nvCxnSpPr>
-        <p:spPr>
-          <a:xfrm flipH="1">
-            <a:off x="6888088" y="4062264"/>
-            <a:ext cx="614164" cy="4241"/>
-          </a:xfrm>
-          <a:prstGeom prst="straightConnector1">
-            <a:avLst/>
-          </a:prstGeom>
-          <a:ln w="38100">
-            <a:tailEnd type="arrow"/>
+      </p:pic>
+      <p:pic>
+        <p:nvPicPr>
+          <p:cNvPr id="2" name="Рисунок 1"/>
+          <p:cNvPicPr>
+            <a:picLocks noChangeAspect="1"/>
+          </p:cNvPicPr>
+          <p:nvPr/>
+        </p:nvPicPr>
+        <p:blipFill>
+          <a:blip r:embed="rId3"/>
+          <a:stretch>
+            <a:fillRect/>
+          </a:stretch>
+        </p:blipFill>
+        <p:spPr>
+          <a:xfrm>
+            <a:off x="2329519" y="2581377"/>
+            <a:ext cx="7384702" cy="3439911"/>
+          </a:xfrm>
+          <a:prstGeom prst="rect">
+            <a:avLst/>
+          </a:prstGeom>
+          <a:ln>
+            <a:noFill/>
           </a:ln>
-        </p:spPr>
-        <p:style>
-          <a:lnRef idx="1">
-            <a:schemeClr val="accent1"/>
-          </a:lnRef>
-          <a:fillRef idx="0">
-            <a:schemeClr val="accent1"/>
-          </a:fillRef>
-          <a:effectRef idx="0">
-            <a:schemeClr val="accent1"/>
-          </a:effectRef>
-          <a:fontRef idx="minor">
-            <a:schemeClr val="tx1"/>
-          </a:fontRef>
-        </p:style>
-      </p:cxnSp>
-      <p:sp>
-        <p:nvSpPr>
-          <p:cNvPr id="32" name="TextBox 31"/>
-          <p:cNvSpPr txBox="1"/>
-          <p:nvPr/>
-        </p:nvSpPr>
-        <p:spPr>
-          <a:xfrm>
-            <a:off x="7502252" y="3831431"/>
-            <a:ext cx="655949" cy="461665"/>
-          </a:xfrm>
-          <a:prstGeom prst="rect">
-            <a:avLst/>
-          </a:prstGeom>
-          <a:noFill/>
-        </p:spPr>
-        <p:txBody>
-          <a:bodyPr wrap="none" rtlCol="0">
-            <a:spAutoFit/>
-          </a:bodyPr>
-          <a:lstStyle/>
-          <a:p>
-            <a:r>
-              <a:rPr lang="en-US" sz="2400" b="1" dirty="0"/>
-              <a:t>&lt;C&gt;</a:t>
-            </a:r>
-            <a:endParaRPr lang="ru-RU" sz="2400" b="1" dirty="0"/>
-          </a:p>
-        </p:txBody>
-      </p:sp>
-      <p:sp>
-        <p:nvSpPr>
-          <p:cNvPr id="36" name="Прямоугольник 35"/>
-          <p:cNvSpPr/>
-          <p:nvPr/>
-        </p:nvSpPr>
-        <p:spPr>
-          <a:xfrm>
-            <a:off x="1847528" y="4739660"/>
-            <a:ext cx="8856984" cy="1569660"/>
-          </a:xfrm>
-          <a:prstGeom prst="rect">
-            <a:avLst/>
-          </a:prstGeom>
-        </p:spPr>
-        <p:txBody>
-          <a:bodyPr wrap="square">
-            <a:spAutoFit/>
-          </a:bodyPr>
-          <a:lstStyle/>
-          <a:p>
-            <a:r>
-              <a:rPr lang="ru-RU" sz="3200" dirty="0"/>
-              <a:t>При наступлении события обработчики сработав на целевом элементы начинает подниматься </a:t>
-            </a:r>
-            <a:r>
-              <a:rPr lang="ru-RU" sz="3200" b="1" dirty="0"/>
-              <a:t>«всплывать» </a:t>
-            </a:r>
-            <a:r>
-              <a:rPr lang="ru-RU" sz="3200" dirty="0"/>
-              <a:t>к предкам элемента. </a:t>
-            </a:r>
-          </a:p>
-        </p:txBody>
-      </p:sp>
-      <p:sp>
-        <p:nvSpPr>
-          <p:cNvPr id="18" name="Прямоугольник 17"/>
-          <p:cNvSpPr/>
-          <p:nvPr/>
-        </p:nvSpPr>
-        <p:spPr>
-          <a:xfrm>
-            <a:off x="4837956" y="2751310"/>
-            <a:ext cx="2295872" cy="855712"/>
-          </a:xfrm>
-          <a:prstGeom prst="rect">
-            <a:avLst/>
-          </a:prstGeom>
-          <a:noFill/>
-          <a:ln w="190500">
-            <a:solidFill>
-              <a:srgbClr val="00B050"/>
-            </a:solidFill>
-          </a:ln>
-        </p:spPr>
-        <p:style>
-          <a:lnRef idx="2">
-            <a:schemeClr val="accent1">
-              <a:shade val="50000"/>
-            </a:schemeClr>
-          </a:lnRef>
-          <a:fillRef idx="1">
-            <a:schemeClr val="accent1"/>
-          </a:fillRef>
-          <a:effectRef idx="0">
-            <a:schemeClr val="accent1"/>
-          </a:effectRef>
-          <a:fontRef idx="minor">
-            <a:schemeClr val="lt1"/>
-          </a:fontRef>
-        </p:style>
-        <p:txBody>
-          <a:bodyPr rtlCol="0" anchor="ctr"/>
-          <a:lstStyle/>
-          <a:p>
-            <a:pPr algn="ctr"/>
-            <a:endParaRPr lang="ru-RU"/>
-          </a:p>
-        </p:txBody>
-      </p:sp>
-      <p:sp>
-        <p:nvSpPr>
-          <p:cNvPr id="19" name="Прямоугольник 18"/>
-          <p:cNvSpPr/>
-          <p:nvPr/>
-        </p:nvSpPr>
-        <p:spPr>
-          <a:xfrm>
-            <a:off x="4439816" y="2103238"/>
-            <a:ext cx="3024336" cy="1008112"/>
-          </a:xfrm>
-          <a:prstGeom prst="rect">
-            <a:avLst/>
-          </a:prstGeom>
-          <a:noFill/>
-          <a:ln w="190500">
-            <a:solidFill>
-              <a:srgbClr val="FF0000"/>
-            </a:solidFill>
-          </a:ln>
-        </p:spPr>
-        <p:style>
-          <a:lnRef idx="2">
-            <a:schemeClr val="accent1">
-              <a:shade val="50000"/>
-            </a:schemeClr>
-          </a:lnRef>
-          <a:fillRef idx="1">
-            <a:schemeClr val="accent1"/>
-          </a:fillRef>
-          <a:effectRef idx="0">
-            <a:schemeClr val="accent1"/>
-          </a:effectRef>
-          <a:fontRef idx="minor">
-            <a:schemeClr val="lt1"/>
-          </a:fontRef>
-        </p:style>
-        <p:txBody>
-          <a:bodyPr rtlCol="0" anchor="ctr"/>
-          <a:lstStyle/>
-          <a:p>
-            <a:pPr algn="ctr"/>
-            <a:endParaRPr lang="ru-RU"/>
-          </a:p>
-        </p:txBody>
-      </p:sp>
-      <p:sp>
-        <p:nvSpPr>
-          <p:cNvPr id="16" name="TextBox 15"/>
-          <p:cNvSpPr txBox="1"/>
-          <p:nvPr/>
-        </p:nvSpPr>
-        <p:spPr>
-          <a:xfrm>
-            <a:off x="1" y="395953"/>
-            <a:ext cx="12192000" cy="584775"/>
-          </a:xfrm>
-          <a:prstGeom prst="rect">
-            <a:avLst/>
-          </a:prstGeom>
-          <a:noFill/>
-        </p:spPr>
-        <p:txBody>
-          <a:bodyPr wrap="square" rtlCol="0">
-            <a:spAutoFit/>
-          </a:bodyPr>
-          <a:lstStyle/>
-          <a:p>
-            <a:pPr algn="ctr"/>
-            <a:r>
-              <a:rPr lang="ru-RU" sz="3200" b="1" dirty="0"/>
-              <a:t>«Всплытие» событий</a:t>
-            </a:r>
-          </a:p>
-        </p:txBody>
-      </p:sp>
+          <a:effectLst>
+            <a:outerShdw blurRad="292100" dist="139700" dir="2700000" algn="tl" rotWithShape="0">
+              <a:srgbClr val="333333">
+                <a:alpha val="65000"/>
+              </a:srgbClr>
+            </a:outerShdw>
+          </a:effectLst>
+        </p:spPr>
+      </p:pic>
     </p:spTree>
     <p:extLst>
       <p:ext uri="{BB962C8B-B14F-4D97-AF65-F5344CB8AC3E}">
-        <p14:creationId xmlns:p14="http://schemas.microsoft.com/office/powerpoint/2010/main" val="4239847000"/>
+        <p14:creationId xmlns:p14="http://schemas.microsoft.com/office/powerpoint/2010/main" val="3571236945"/>
       </p:ext>
     </p:extLst>
   </p:cSld>
@@ -8111,7 +8001,7 @@
         </p:nvSpPr>
         <p:spPr>
           <a:xfrm>
-            <a:off x="11208568" y="6205664"/>
+            <a:off x="11280576" y="6181755"/>
             <a:ext cx="648072" cy="432048"/>
           </a:xfrm>
           <a:prstGeom prst="roundRect">
@@ -8173,14 +8063,44 @@
       </p:sp>
       <p:sp>
         <p:nvSpPr>
-          <p:cNvPr id="8" name="TextBox 7"/>
+          <p:cNvPr id="3" name="TextBox 2"/>
           <p:cNvSpPr txBox="1"/>
           <p:nvPr/>
         </p:nvSpPr>
         <p:spPr>
           <a:xfrm>
-            <a:off x="1" y="107794"/>
-            <a:ext cx="12191999" cy="584775"/>
+            <a:off x="5093450" y="211287"/>
+            <a:ext cx="2005101" cy="769441"/>
+          </a:xfrm>
+          <a:prstGeom prst="rect">
+            <a:avLst/>
+          </a:prstGeom>
+          <a:noFill/>
+        </p:spPr>
+        <p:txBody>
+          <a:bodyPr wrap="none" rtlCol="0">
+            <a:spAutoFit/>
+          </a:bodyPr>
+          <a:lstStyle/>
+          <a:p>
+            <a:r>
+              <a:rPr lang="en-US" sz="4400" b="1" dirty="0" err="1"/>
+              <a:t>e.target</a:t>
+            </a:r>
+            <a:endParaRPr lang="ru-RU" sz="4800" b="1" dirty="0"/>
+          </a:p>
+        </p:txBody>
+      </p:sp>
+      <p:sp>
+        <p:nvSpPr>
+          <p:cNvPr id="4" name="TextBox 3"/>
+          <p:cNvSpPr txBox="1"/>
+          <p:nvPr/>
+        </p:nvSpPr>
+        <p:spPr>
+          <a:xfrm>
+            <a:off x="879629" y="1112471"/>
+            <a:ext cx="10729192" cy="830997"/>
           </a:xfrm>
           <a:prstGeom prst="rect">
             <a:avLst/>
@@ -8193,183 +8113,75 @@
           </a:bodyPr>
           <a:lstStyle/>
           <a:p>
-            <a:pPr algn="ctr"/>
-            <a:r>
-              <a:rPr lang="ru-RU" sz="3200" b="1" dirty="0"/>
-              <a:t>«Всплытие» событий</a:t>
-            </a:r>
-          </a:p>
-        </p:txBody>
-      </p:sp>
-      <p:sp>
-        <p:nvSpPr>
-          <p:cNvPr id="10" name="TextBox 9"/>
-          <p:cNvSpPr txBox="1"/>
-          <p:nvPr/>
-        </p:nvSpPr>
-        <p:spPr>
-          <a:xfrm>
-            <a:off x="1" y="6135687"/>
-            <a:ext cx="12192000" cy="461665"/>
-          </a:xfrm>
-          <a:prstGeom prst="rect">
-            <a:avLst/>
-          </a:prstGeom>
-          <a:noFill/>
-        </p:spPr>
-        <p:txBody>
-          <a:bodyPr wrap="square" rtlCol="0">
+            <a:r>
+              <a:rPr lang="ru-RU" sz="2400" i="1" dirty="0"/>
+              <a:t>Свойство </a:t>
+            </a:r>
+            <a:r>
+              <a:rPr lang="en-US" sz="2400" b="1" i="1" dirty="0"/>
+              <a:t>.target </a:t>
+            </a:r>
+            <a:r>
+              <a:rPr lang="en-US" sz="2400" i="1" dirty="0"/>
+              <a:t>(</a:t>
+            </a:r>
+            <a:r>
+              <a:rPr lang="ru-RU" sz="2400" i="1" dirty="0"/>
+              <a:t>объекта события</a:t>
+            </a:r>
+            <a:r>
+              <a:rPr lang="en-US" sz="2400" i="1" dirty="0"/>
+              <a:t>)</a:t>
+            </a:r>
+            <a:r>
+              <a:rPr lang="ru-RU" sz="2400" b="1" i="1" dirty="0"/>
+              <a:t> </a:t>
+            </a:r>
+            <a:r>
+              <a:rPr lang="ru-RU" sz="2400" i="1" dirty="0"/>
+              <a:t>содержит ссылку на объект инициатор события, т.е. например тот элемент по которому произошел клик. </a:t>
+            </a:r>
+          </a:p>
+        </p:txBody>
+      </p:sp>
+      <p:sp>
+        <p:nvSpPr>
+          <p:cNvPr id="2" name="Прямоугольник 1"/>
+          <p:cNvSpPr/>
+          <p:nvPr/>
+        </p:nvSpPr>
+        <p:spPr>
+          <a:xfrm>
+            <a:off x="3215680" y="6165304"/>
+            <a:ext cx="6262548" cy="369332"/>
+          </a:xfrm>
+          <a:prstGeom prst="rect">
+            <a:avLst/>
+          </a:prstGeom>
+        </p:spPr>
+        <p:txBody>
+          <a:bodyPr wrap="none">
             <a:spAutoFit/>
           </a:bodyPr>
           <a:lstStyle/>
           <a:p>
-            <a:pPr algn="ctr"/>
-            <a:r>
-              <a:rPr lang="ru-RU" sz="2400" i="1" dirty="0"/>
-              <a:t>Что мы увидим в консоли после клика по синему блоку?</a:t>
-            </a:r>
-          </a:p>
-        </p:txBody>
-      </p:sp>
-      <p:sp>
-        <p:nvSpPr>
-          <p:cNvPr id="12" name="TextBox 11"/>
-          <p:cNvSpPr txBox="1"/>
-          <p:nvPr/>
-        </p:nvSpPr>
-        <p:spPr>
-          <a:xfrm>
-            <a:off x="2152726" y="1085835"/>
-            <a:ext cx="4074577" cy="830997"/>
-          </a:xfrm>
-          <a:prstGeom prst="rect">
-            <a:avLst/>
-          </a:prstGeom>
-          <a:noFill/>
-        </p:spPr>
-        <p:txBody>
-          <a:bodyPr wrap="none" rtlCol="0">
-            <a:spAutoFit/>
-          </a:bodyPr>
-          <a:lstStyle/>
-          <a:p>
-            <a:r>
-              <a:rPr lang="ru-RU" sz="2400" i="1" dirty="0"/>
-              <a:t>Воспользуйтесь заготовкой:</a:t>
-            </a:r>
-            <a:endParaRPr lang="en-US" sz="2400" i="1" dirty="0"/>
-          </a:p>
-          <a:p>
-            <a:r>
-              <a:rPr lang="en-US" sz="2400" b="1" dirty="0">
-                <a:solidFill>
-                  <a:srgbClr val="0070C0"/>
-                </a:solidFill>
+            <a:r>
+              <a:rPr lang="ru-RU" b="1" dirty="0"/>
+              <a:t>Подробнее: </a:t>
+            </a:r>
+            <a:r>
+              <a:rPr lang="en-US" b="1" dirty="0">
+                <a:hlinkClick r:id="rId2"/>
               </a:rPr>
-              <a:t>./</a:t>
-            </a:r>
-            <a:r>
-              <a:rPr lang="en-US" sz="2400" b="1" dirty="0" err="1">
-                <a:solidFill>
-                  <a:srgbClr val="0070C0"/>
-                </a:solidFill>
-              </a:rPr>
-              <a:t>src</a:t>
-            </a:r>
-            <a:r>
-              <a:rPr lang="en-US" sz="2400" b="1" dirty="0">
-                <a:solidFill>
-                  <a:srgbClr val="0070C0"/>
-                </a:solidFill>
-              </a:rPr>
-              <a:t>/event-</a:t>
-            </a:r>
-            <a:r>
-              <a:rPr lang="en-US" sz="2400" b="1" dirty="0" err="1">
-                <a:solidFill>
-                  <a:srgbClr val="0070C0"/>
-                </a:solidFill>
-              </a:rPr>
-              <a:t>bubling</a:t>
-            </a:r>
-            <a:r>
-              <a:rPr lang="en-US" sz="2400" b="1" dirty="0">
-                <a:solidFill>
-                  <a:srgbClr val="0070C0"/>
-                </a:solidFill>
-              </a:rPr>
-              <a:t>-example</a:t>
-            </a:r>
-            <a:endParaRPr lang="ru-RU" sz="2400" i="1" dirty="0"/>
-          </a:p>
-        </p:txBody>
-      </p:sp>
-      <p:cxnSp>
-        <p:nvCxnSpPr>
-          <p:cNvPr id="4" name="Прямая соединительная линия 3"/>
-          <p:cNvCxnSpPr/>
-          <p:nvPr/>
-        </p:nvCxnSpPr>
-        <p:spPr>
-          <a:xfrm>
-            <a:off x="2063552" y="2348880"/>
-            <a:ext cx="8068532" cy="0"/>
-          </a:xfrm>
-          <a:prstGeom prst="line">
-            <a:avLst/>
-          </a:prstGeom>
-          <a:ln w="19050">
-            <a:solidFill>
-              <a:schemeClr val="bg1">
-                <a:lumMod val="65000"/>
-              </a:schemeClr>
-            </a:solidFill>
-          </a:ln>
-        </p:spPr>
-        <p:style>
-          <a:lnRef idx="1">
-            <a:schemeClr val="accent1"/>
-          </a:lnRef>
-          <a:fillRef idx="0">
-            <a:schemeClr val="accent1"/>
-          </a:fillRef>
-          <a:effectRef idx="0">
-            <a:schemeClr val="accent1"/>
-          </a:effectRef>
-          <a:fontRef idx="minor">
-            <a:schemeClr val="tx1"/>
-          </a:fontRef>
-        </p:style>
-      </p:cxnSp>
+              <a:t>https://learn.javascript.ru/bubbling-and-capturing</a:t>
+            </a:r>
+            <a:endParaRPr lang="ru-RU" b="1" dirty="0"/>
+          </a:p>
+        </p:txBody>
+      </p:sp>
       <p:pic>
         <p:nvPicPr>
-          <p:cNvPr id="6" name="Рисунок 5"/>
-          <p:cNvPicPr>
-            <a:picLocks noChangeAspect="1"/>
-          </p:cNvPicPr>
-          <p:nvPr/>
-        </p:nvPicPr>
-        <p:blipFill rotWithShape="1">
-          <a:blip r:embed="rId2"/>
-          <a:srcRect t="5525" r="3718" b="10749"/>
-          <a:stretch/>
-        </p:blipFill>
-        <p:spPr>
-          <a:xfrm>
-            <a:off x="6816080" y="805012"/>
-            <a:ext cx="3449884" cy="1368152"/>
-          </a:xfrm>
-          <a:prstGeom prst="rect">
-            <a:avLst/>
-          </a:prstGeom>
-          <a:ln w="28575">
-            <a:noFill/>
-          </a:ln>
-        </p:spPr>
-      </p:pic>
-      <p:pic>
-        <p:nvPicPr>
-          <p:cNvPr id="2" name="Рисунок 1"/>
+          <p:cNvPr id="5" name="Рисунок 4"/>
           <p:cNvPicPr>
             <a:picLocks noChangeAspect="1"/>
           </p:cNvPicPr>
@@ -8383,8 +8195,8 @@
         </p:blipFill>
         <p:spPr>
           <a:xfrm>
-            <a:off x="2329519" y="2581377"/>
-            <a:ext cx="7384702" cy="3439911"/>
+            <a:off x="2423592" y="2348880"/>
+            <a:ext cx="7409266" cy="3518019"/>
           </a:xfrm>
           <a:prstGeom prst="rect">
             <a:avLst/>
@@ -8404,7 +8216,7 @@
     </p:spTree>
     <p:extLst>
       <p:ext uri="{BB962C8B-B14F-4D97-AF65-F5344CB8AC3E}">
-        <p14:creationId xmlns:p14="http://schemas.microsoft.com/office/powerpoint/2010/main" val="3571236945"/>
+        <p14:creationId xmlns:p14="http://schemas.microsoft.com/office/powerpoint/2010/main" val="2257022923"/>
       </p:ext>
     </p:extLst>
   </p:cSld>
@@ -8441,7 +8253,7 @@
         </p:nvSpPr>
         <p:spPr>
           <a:xfrm>
-            <a:off x="11280576" y="6181755"/>
+            <a:off x="11280576" y="6165304"/>
             <a:ext cx="648072" cy="432048"/>
           </a:xfrm>
           <a:prstGeom prst="roundRect">
@@ -8509,8 +8321,38 @@
         </p:nvSpPr>
         <p:spPr>
           <a:xfrm>
-            <a:off x="5093450" y="211287"/>
-            <a:ext cx="2005101" cy="769441"/>
+            <a:off x="0" y="343109"/>
+            <a:ext cx="12192000" cy="584775"/>
+          </a:xfrm>
+          <a:prstGeom prst="rect">
+            <a:avLst/>
+          </a:prstGeom>
+          <a:noFill/>
+        </p:spPr>
+        <p:txBody>
+          <a:bodyPr wrap="square" rtlCol="0">
+            <a:spAutoFit/>
+          </a:bodyPr>
+          <a:lstStyle/>
+          <a:p>
+            <a:pPr algn="ctr"/>
+            <a:r>
+              <a:rPr lang="ru-RU" sz="3200" b="1" dirty="0"/>
+              <a:t>Всплытие можно остановить</a:t>
+            </a:r>
+          </a:p>
+        </p:txBody>
+      </p:sp>
+      <p:sp>
+        <p:nvSpPr>
+          <p:cNvPr id="18" name="TextBox 17"/>
+          <p:cNvSpPr txBox="1"/>
+          <p:nvPr/>
+        </p:nvSpPr>
+        <p:spPr>
+          <a:xfrm>
+            <a:off x="1775520" y="5282044"/>
+            <a:ext cx="9275488" cy="523220"/>
           </a:xfrm>
           <a:prstGeom prst="rect">
             <a:avLst/>
@@ -8524,139 +8366,95 @@
           <a:lstStyle/>
           <a:p>
             <a:r>
-              <a:rPr lang="en-US" sz="4400" b="1" dirty="0" err="1"/>
-              <a:t>e.target</a:t>
-            </a:r>
-            <a:endParaRPr lang="ru-RU" sz="4800" b="1" dirty="0"/>
-          </a:p>
-        </p:txBody>
-      </p:sp>
-      <p:sp>
-        <p:nvSpPr>
-          <p:cNvPr id="4" name="TextBox 3"/>
-          <p:cNvSpPr txBox="1"/>
-          <p:nvPr/>
-        </p:nvSpPr>
-        <p:spPr>
-          <a:xfrm>
-            <a:off x="879629" y="1112471"/>
-            <a:ext cx="10729192" cy="830997"/>
-          </a:xfrm>
-          <a:prstGeom prst="rect">
-            <a:avLst/>
-          </a:prstGeom>
-          <a:noFill/>
-        </p:spPr>
-        <p:txBody>
-          <a:bodyPr wrap="square" rtlCol="0">
-            <a:spAutoFit/>
-          </a:bodyPr>
-          <a:lstStyle/>
-          <a:p>
-            <a:r>
-              <a:rPr lang="ru-RU" sz="2400" i="1" dirty="0"/>
-              <a:t>Свойство </a:t>
-            </a:r>
-            <a:r>
-              <a:rPr lang="en-US" sz="2400" b="1" i="1" dirty="0"/>
-              <a:t>.target </a:t>
-            </a:r>
-            <a:r>
-              <a:rPr lang="en-US" sz="2400" i="1" dirty="0"/>
-              <a:t>(</a:t>
-            </a:r>
-            <a:r>
-              <a:rPr lang="ru-RU" sz="2400" i="1" dirty="0"/>
-              <a:t>объекта события</a:t>
-            </a:r>
-            <a:r>
-              <a:rPr lang="en-US" sz="2400" i="1" dirty="0"/>
-              <a:t>)</a:t>
-            </a:r>
-            <a:r>
-              <a:rPr lang="ru-RU" sz="2400" b="1" i="1" dirty="0"/>
-              <a:t> </a:t>
-            </a:r>
-            <a:r>
-              <a:rPr lang="ru-RU" sz="2400" i="1" dirty="0"/>
-              <a:t>содержит ссылку на объект инициатор события, т.е. например тот элемент по которому произошел клик. </a:t>
-            </a:r>
-          </a:p>
-        </p:txBody>
-      </p:sp>
-      <p:sp>
-        <p:nvSpPr>
-          <p:cNvPr id="2" name="Прямоугольник 1"/>
-          <p:cNvSpPr/>
-          <p:nvPr/>
-        </p:nvSpPr>
-        <p:spPr>
-          <a:xfrm>
-            <a:off x="3215680" y="6165304"/>
-            <a:ext cx="6262548" cy="369332"/>
-          </a:xfrm>
-          <a:prstGeom prst="rect">
-            <a:avLst/>
-          </a:prstGeom>
-        </p:spPr>
-        <p:txBody>
-          <a:bodyPr wrap="none">
-            <a:spAutoFit/>
-          </a:bodyPr>
-          <a:lstStyle/>
-          <a:p>
-            <a:r>
-              <a:rPr lang="ru-RU" b="1" dirty="0"/>
-              <a:t>Подробнее: </a:t>
-            </a:r>
-            <a:r>
-              <a:rPr lang="en-US" b="1" dirty="0">
-                <a:hlinkClick r:id="rId2"/>
+              <a:rPr lang="en-US" sz="2800" b="1" i="1" dirty="0" err="1">
+                <a:solidFill>
+                  <a:srgbClr val="0070C0"/>
+                </a:solidFill>
               </a:rPr>
-              <a:t>https://learn.javascript.ru/bubbling-and-capturing</a:t>
-            </a:r>
-            <a:endParaRPr lang="ru-RU" b="1" dirty="0"/>
+              <a:t>e.stopPropagation</a:t>
+            </a:r>
+            <a:r>
+              <a:rPr lang="en-US" sz="2800" b="1" i="1" dirty="0">
+                <a:solidFill>
+                  <a:srgbClr val="0070C0"/>
+                </a:solidFill>
+              </a:rPr>
+              <a:t>() </a:t>
+            </a:r>
+            <a:r>
+              <a:rPr lang="en-US" sz="2800" i="1" dirty="0"/>
+              <a:t>– </a:t>
+            </a:r>
+            <a:r>
+              <a:rPr lang="ru-RU" sz="2800" i="1" dirty="0"/>
+              <a:t>останавливает всплытие событий.</a:t>
+            </a:r>
           </a:p>
         </p:txBody>
       </p:sp>
       <p:pic>
         <p:nvPicPr>
-          <p:cNvPr id="5" name="Рисунок 4"/>
+          <p:cNvPr id="2" name="Рисунок 1"/>
           <p:cNvPicPr>
             <a:picLocks noChangeAspect="1"/>
           </p:cNvPicPr>
           <p:nvPr/>
         </p:nvPicPr>
         <p:blipFill>
-          <a:blip r:embed="rId3"/>
+          <a:blip r:embed="rId2"/>
           <a:stretch>
             <a:fillRect/>
           </a:stretch>
         </p:blipFill>
         <p:spPr>
           <a:xfrm>
-            <a:off x="2423592" y="2348880"/>
-            <a:ext cx="7409266" cy="3518019"/>
-          </a:xfrm>
-          <a:prstGeom prst="rect">
-            <a:avLst/>
-          </a:prstGeom>
-          <a:ln>
-            <a:noFill/>
-          </a:ln>
-          <a:effectLst>
-            <a:outerShdw blurRad="292100" dist="139700" dir="2700000" algn="tl" rotWithShape="0">
-              <a:srgbClr val="333333">
-                <a:alpha val="65000"/>
-              </a:srgbClr>
-            </a:outerShdw>
-          </a:effectLst>
+            <a:off x="2135560" y="1124744"/>
+            <a:ext cx="7577604" cy="3760267"/>
+          </a:xfrm>
+          <a:prstGeom prst="rect">
+            <a:avLst/>
+          </a:prstGeom>
         </p:spPr>
       </p:pic>
+      <p:sp>
+        <p:nvSpPr>
+          <p:cNvPr id="7" name="Прямоугольник 6"/>
+          <p:cNvSpPr/>
+          <p:nvPr/>
+        </p:nvSpPr>
+        <p:spPr>
+          <a:xfrm>
+            <a:off x="3215680" y="6165304"/>
+            <a:ext cx="6262548" cy="369332"/>
+          </a:xfrm>
+          <a:prstGeom prst="rect">
+            <a:avLst/>
+          </a:prstGeom>
+        </p:spPr>
+        <p:txBody>
+          <a:bodyPr wrap="none">
+            <a:spAutoFit/>
+          </a:bodyPr>
+          <a:lstStyle/>
+          <a:p>
+            <a:r>
+              <a:rPr lang="ru-RU" b="1" dirty="0"/>
+              <a:t>Подробнее: </a:t>
+            </a:r>
+            <a:r>
+              <a:rPr lang="en-US" b="1" dirty="0">
+                <a:hlinkClick r:id="rId3"/>
+              </a:rPr>
+              <a:t>https://learn.javascript.ru/bubbling-and-capturing</a:t>
+            </a:r>
+            <a:endParaRPr lang="ru-RU" b="1" dirty="0"/>
+          </a:p>
+        </p:txBody>
+      </p:sp>
     </p:spTree>
     <p:extLst>
       <p:ext uri="{BB962C8B-B14F-4D97-AF65-F5344CB8AC3E}">
-        <p14:creationId xmlns:p14="http://schemas.microsoft.com/office/powerpoint/2010/main" val="2257022923"/>
+        <p14:creationId xmlns:p14="http://schemas.microsoft.com/office/powerpoint/2010/main" val="3636107850"/>
       </p:ext>
     </p:extLst>
   </p:cSld>
@@ -8685,216 +8483,57 @@
       </p:grpSpPr>
       <p:sp>
         <p:nvSpPr>
-          <p:cNvPr id="20" name="Номер слайда 36"/>
-          <p:cNvSpPr txBox="1">
-            <a:spLocks/>
-          </p:cNvSpPr>
-          <p:nvPr/>
-        </p:nvSpPr>
-        <p:spPr>
-          <a:xfrm>
-            <a:off x="11280576" y="6165304"/>
-            <a:ext cx="648072" cy="432048"/>
-          </a:xfrm>
-          <a:prstGeom prst="roundRect">
-            <a:avLst/>
-          </a:prstGeom>
-          <a:ln w="25400" cap="flat" cmpd="sng" algn="ctr">
-            <a:solidFill>
-              <a:schemeClr val="tx2">
-                <a:lumMod val="60000"/>
-                <a:lumOff val="40000"/>
-              </a:schemeClr>
-            </a:solidFill>
-            <a:prstDash val="solid"/>
-          </a:ln>
+          <p:cNvPr id="5" name="Прямоугольник 4"/>
+          <p:cNvSpPr/>
+          <p:nvPr/>
+        </p:nvSpPr>
+        <p:spPr>
+          <a:xfrm>
+            <a:off x="0" y="0"/>
+            <a:ext cx="12192000" cy="6858000"/>
+          </a:xfrm>
+          <a:prstGeom prst="rect">
+            <a:avLst/>
+          </a:prstGeom>
+          <a:solidFill>
+            <a:schemeClr val="tx2">
+              <a:lumMod val="75000"/>
+            </a:schemeClr>
+          </a:solidFill>
         </p:spPr>
         <p:style>
           <a:lnRef idx="2">
-            <a:schemeClr val="accent1"/>
+            <a:schemeClr val="accent1">
+              <a:shade val="50000"/>
+            </a:schemeClr>
           </a:lnRef>
           <a:fillRef idx="1">
-            <a:schemeClr val="lt1"/>
+            <a:schemeClr val="accent1"/>
           </a:fillRef>
           <a:effectRef idx="0">
             <a:schemeClr val="accent1"/>
           </a:effectRef>
           <a:fontRef idx="minor">
-            <a:schemeClr val="dk1"/>
+            <a:schemeClr val="lt1"/>
           </a:fontRef>
         </p:style>
         <p:txBody>
-          <a:bodyPr vert="horz" lIns="91440" tIns="45720" rIns="91440" bIns="45720" rtlCol="0" anchor="ctr"/>
-          <a:lstStyle/>
-          <a:p>
-            <a:pPr algn="ctr">
-              <a:defRPr/>
-            </a:pPr>
-            <a:fld id="{6389AA22-90B4-448C-8B6B-C699140D38B9}" type="slidenum">
-              <a:rPr lang="uk-UA" sz="2400" b="1">
-                <a:solidFill>
-                  <a:schemeClr val="bg1">
-                    <a:lumMod val="50000"/>
-                  </a:schemeClr>
-                </a:solidFill>
-              </a:rPr>
-              <a:pPr algn="ctr">
-                <a:defRPr/>
-              </a:pPr>
-              <a:t>26</a:t>
-            </a:fld>
-            <a:endParaRPr lang="uk-UA" sz="2400" b="1" dirty="0">
-              <a:solidFill>
-                <a:schemeClr val="bg1">
-                  <a:lumMod val="50000"/>
-                </a:schemeClr>
-              </a:solidFill>
-            </a:endParaRPr>
-          </a:p>
-        </p:txBody>
-      </p:sp>
-      <p:sp>
-        <p:nvSpPr>
-          <p:cNvPr id="3" name="TextBox 2"/>
-          <p:cNvSpPr txBox="1"/>
-          <p:nvPr/>
-        </p:nvSpPr>
-        <p:spPr>
-          <a:xfrm>
-            <a:off x="0" y="343109"/>
-            <a:ext cx="12192000" cy="584775"/>
-          </a:xfrm>
-          <a:prstGeom prst="rect">
-            <a:avLst/>
-          </a:prstGeom>
-          <a:noFill/>
-        </p:spPr>
-        <p:txBody>
-          <a:bodyPr wrap="square" rtlCol="0">
-            <a:spAutoFit/>
-          </a:bodyPr>
+          <a:bodyPr rtlCol="0" anchor="ctr"/>
           <a:lstStyle/>
           <a:p>
             <a:pPr algn="ctr"/>
             <a:r>
-              <a:rPr lang="ru-RU" sz="3200" b="1" dirty="0"/>
-              <a:t>Всплытие можно остановить</a:t>
-            </a:r>
-          </a:p>
-        </p:txBody>
-      </p:sp>
-      <p:sp>
-        <p:nvSpPr>
-          <p:cNvPr id="18" name="TextBox 17"/>
-          <p:cNvSpPr txBox="1"/>
-          <p:nvPr/>
-        </p:nvSpPr>
-        <p:spPr>
-          <a:xfrm>
-            <a:off x="1775520" y="5282044"/>
-            <a:ext cx="9275488" cy="523220"/>
-          </a:xfrm>
-          <a:prstGeom prst="rect">
-            <a:avLst/>
-          </a:prstGeom>
-          <a:noFill/>
-        </p:spPr>
-        <p:txBody>
-          <a:bodyPr wrap="none" rtlCol="0">
-            <a:spAutoFit/>
-          </a:bodyPr>
-          <a:lstStyle/>
-          <a:p>
-            <a:r>
-              <a:rPr lang="en-US" sz="2800" b="1" i="1" dirty="0" err="1">
-                <a:solidFill>
-                  <a:srgbClr val="0070C0"/>
-                </a:solidFill>
-              </a:rPr>
-              <a:t>e.stopPropagation</a:t>
-            </a:r>
-            <a:r>
-              <a:rPr lang="en-US" sz="2800" b="1" i="1" dirty="0">
-                <a:solidFill>
-                  <a:srgbClr val="0070C0"/>
-                </a:solidFill>
-              </a:rPr>
-              <a:t>() </a:t>
-            </a:r>
-            <a:r>
-              <a:rPr lang="en-US" sz="2800" i="1" dirty="0"/>
-              <a:t>– </a:t>
-            </a:r>
-            <a:r>
-              <a:rPr lang="ru-RU" sz="2800" i="1" dirty="0"/>
-              <a:t>останавливает всплытие событий.</a:t>
-            </a:r>
-          </a:p>
-        </p:txBody>
-      </p:sp>
-      <p:pic>
-        <p:nvPicPr>
-          <p:cNvPr id="2" name="Рисунок 1"/>
-          <p:cNvPicPr>
-            <a:picLocks noChangeAspect="1"/>
-          </p:cNvPicPr>
-          <p:nvPr/>
-        </p:nvPicPr>
-        <p:blipFill>
-          <a:blip r:embed="rId2"/>
-          <a:stretch>
-            <a:fillRect/>
-          </a:stretch>
-        </p:blipFill>
-        <p:spPr>
-          <a:xfrm>
-            <a:off x="2135560" y="1124744"/>
-            <a:ext cx="7577604" cy="3760267"/>
-          </a:xfrm>
-          <a:prstGeom prst="rect">
-            <a:avLst/>
-          </a:prstGeom>
-        </p:spPr>
-      </p:pic>
-      <p:sp>
-        <p:nvSpPr>
-          <p:cNvPr id="7" name="Прямоугольник 6"/>
-          <p:cNvSpPr/>
-          <p:nvPr/>
-        </p:nvSpPr>
-        <p:spPr>
-          <a:xfrm>
-            <a:off x="3215680" y="6165304"/>
-            <a:ext cx="6262548" cy="369332"/>
-          </a:xfrm>
-          <a:prstGeom prst="rect">
-            <a:avLst/>
-          </a:prstGeom>
-        </p:spPr>
-        <p:txBody>
-          <a:bodyPr wrap="none">
-            <a:spAutoFit/>
-          </a:bodyPr>
-          <a:lstStyle/>
-          <a:p>
-            <a:r>
-              <a:rPr lang="ru-RU" b="1" dirty="0"/>
-              <a:t>Подробнее: </a:t>
-            </a:r>
-            <a:r>
-              <a:rPr lang="en-US" b="1" dirty="0">
-                <a:hlinkClick r:id="rId3"/>
-              </a:rPr>
-              <a:t>https://learn.javascript.ru/bubbling-and-capturing</a:t>
-            </a:r>
-            <a:endParaRPr lang="ru-RU" b="1" dirty="0"/>
+              <a:rPr lang="ru-RU" sz="6000" b="1" dirty="0"/>
+              <a:t>5. Действие по умолчанию</a:t>
+            </a:r>
+            <a:endParaRPr lang="uk-UA" sz="6000" b="1" dirty="0"/>
           </a:p>
         </p:txBody>
       </p:sp>
     </p:spTree>
     <p:extLst>
       <p:ext uri="{BB962C8B-B14F-4D97-AF65-F5344CB8AC3E}">
-        <p14:creationId xmlns:p14="http://schemas.microsoft.com/office/powerpoint/2010/main" val="3636107850"/>
+        <p14:creationId xmlns:p14="http://schemas.microsoft.com/office/powerpoint/2010/main" val="500237955"/>
       </p:ext>
     </p:extLst>
   </p:cSld>
@@ -8923,57 +8562,222 @@
       </p:grpSpPr>
       <p:sp>
         <p:nvSpPr>
-          <p:cNvPr id="5" name="Прямоугольник 4"/>
-          <p:cNvSpPr/>
-          <p:nvPr/>
-        </p:nvSpPr>
-        <p:spPr>
-          <a:xfrm>
-            <a:off x="0" y="0"/>
-            <a:ext cx="12192000" cy="6858000"/>
-          </a:xfrm>
-          <a:prstGeom prst="rect">
-            <a:avLst/>
-          </a:prstGeom>
-          <a:solidFill>
-            <a:schemeClr val="tx2">
-              <a:lumMod val="75000"/>
-            </a:schemeClr>
-          </a:solidFill>
+          <p:cNvPr id="20" name="Номер слайда 36"/>
+          <p:cNvSpPr txBox="1">
+            <a:spLocks/>
+          </p:cNvSpPr>
+          <p:nvPr/>
+        </p:nvSpPr>
+        <p:spPr>
+          <a:xfrm>
+            <a:off x="11208568" y="6165304"/>
+            <a:ext cx="648072" cy="432048"/>
+          </a:xfrm>
+          <a:prstGeom prst="roundRect">
+            <a:avLst/>
+          </a:prstGeom>
+          <a:ln w="25400" cap="flat" cmpd="sng" algn="ctr">
+            <a:solidFill>
+              <a:schemeClr val="tx2">
+                <a:lumMod val="60000"/>
+                <a:lumOff val="40000"/>
+              </a:schemeClr>
+            </a:solidFill>
+            <a:prstDash val="solid"/>
+          </a:ln>
         </p:spPr>
         <p:style>
           <a:lnRef idx="2">
-            <a:schemeClr val="accent1">
-              <a:shade val="50000"/>
-            </a:schemeClr>
+            <a:schemeClr val="accent1"/>
           </a:lnRef>
           <a:fillRef idx="1">
-            <a:schemeClr val="accent1"/>
+            <a:schemeClr val="lt1"/>
           </a:fillRef>
           <a:effectRef idx="0">
             <a:schemeClr val="accent1"/>
           </a:effectRef>
           <a:fontRef idx="minor">
-            <a:schemeClr val="lt1"/>
+            <a:schemeClr val="dk1"/>
           </a:fontRef>
         </p:style>
         <p:txBody>
-          <a:bodyPr rtlCol="0" anchor="ctr"/>
+          <a:bodyPr vert="horz" lIns="91440" tIns="45720" rIns="91440" bIns="45720" rtlCol="0" anchor="ctr"/>
+          <a:lstStyle/>
+          <a:p>
+            <a:pPr algn="ctr">
+              <a:defRPr/>
+            </a:pPr>
+            <a:fld id="{6389AA22-90B4-448C-8B6B-C699140D38B9}" type="slidenum">
+              <a:rPr lang="uk-UA" sz="2400" b="1">
+                <a:solidFill>
+                  <a:schemeClr val="bg1">
+                    <a:lumMod val="50000"/>
+                  </a:schemeClr>
+                </a:solidFill>
+              </a:rPr>
+              <a:pPr algn="ctr">
+                <a:defRPr/>
+              </a:pPr>
+              <a:t>27</a:t>
+            </a:fld>
+            <a:endParaRPr lang="uk-UA" sz="2400" b="1" dirty="0">
+              <a:solidFill>
+                <a:schemeClr val="bg1">
+                  <a:lumMod val="50000"/>
+                </a:schemeClr>
+              </a:solidFill>
+            </a:endParaRPr>
+          </a:p>
+        </p:txBody>
+      </p:sp>
+      <p:sp>
+        <p:nvSpPr>
+          <p:cNvPr id="3" name="Прямоугольник 2"/>
+          <p:cNvSpPr/>
+          <p:nvPr/>
+        </p:nvSpPr>
+        <p:spPr>
+          <a:xfrm>
+            <a:off x="3719736" y="260649"/>
+            <a:ext cx="5065810" cy="646331"/>
+          </a:xfrm>
+          <a:prstGeom prst="rect">
+            <a:avLst/>
+          </a:prstGeom>
+        </p:spPr>
+        <p:txBody>
+          <a:bodyPr wrap="none">
+            <a:spAutoFit/>
+          </a:bodyPr>
+          <a:lstStyle/>
+          <a:p>
+            <a:r>
+              <a:rPr lang="ru-RU" sz="3600" b="1" dirty="0"/>
+              <a:t>Действия по умолчанию</a:t>
+            </a:r>
+          </a:p>
+        </p:txBody>
+      </p:sp>
+      <p:sp>
+        <p:nvSpPr>
+          <p:cNvPr id="4" name="TextBox 3"/>
+          <p:cNvSpPr txBox="1"/>
+          <p:nvPr/>
+        </p:nvSpPr>
+        <p:spPr>
+          <a:xfrm>
+            <a:off x="1703512" y="1034733"/>
+            <a:ext cx="8928992" cy="954107"/>
+          </a:xfrm>
+          <a:prstGeom prst="rect">
+            <a:avLst/>
+          </a:prstGeom>
+          <a:noFill/>
+        </p:spPr>
+        <p:txBody>
+          <a:bodyPr wrap="square" rtlCol="0">
+            <a:spAutoFit/>
+          </a:bodyPr>
           <a:lstStyle/>
           <a:p>
             <a:pPr algn="ctr"/>
             <a:r>
-              <a:rPr lang="ru-RU" sz="6000" b="1" dirty="0"/>
-              <a:t>5. Действие по умолчанию</a:t>
-            </a:r>
-            <a:endParaRPr lang="uk-UA" sz="6000" b="1" dirty="0"/>
+              <a:rPr lang="ru-RU" sz="2800" i="1" dirty="0"/>
+              <a:t>У некоторых элементов есть встроенная реакция на событие, или по другому действие по умолчанию.</a:t>
+            </a:r>
+          </a:p>
+        </p:txBody>
+      </p:sp>
+      <p:sp>
+        <p:nvSpPr>
+          <p:cNvPr id="5" name="TextBox 4"/>
+          <p:cNvSpPr txBox="1"/>
+          <p:nvPr/>
+        </p:nvSpPr>
+        <p:spPr>
+          <a:xfrm>
+            <a:off x="2279576" y="2420888"/>
+            <a:ext cx="1657826" cy="461665"/>
+          </a:xfrm>
+          <a:prstGeom prst="rect">
+            <a:avLst/>
+          </a:prstGeom>
+          <a:noFill/>
+        </p:spPr>
+        <p:txBody>
+          <a:bodyPr wrap="none" rtlCol="0">
+            <a:spAutoFit/>
+          </a:bodyPr>
+          <a:lstStyle/>
+          <a:p>
+            <a:r>
+              <a:rPr lang="ru-RU" sz="2400" b="1" dirty="0"/>
+              <a:t>Например:</a:t>
+            </a:r>
+          </a:p>
+        </p:txBody>
+      </p:sp>
+      <p:sp>
+        <p:nvSpPr>
+          <p:cNvPr id="6" name="TextBox 5"/>
+          <p:cNvSpPr txBox="1"/>
+          <p:nvPr/>
+        </p:nvSpPr>
+        <p:spPr>
+          <a:xfrm>
+            <a:off x="2135560" y="2912745"/>
+            <a:ext cx="8352928" cy="3108543"/>
+          </a:xfrm>
+          <a:prstGeom prst="rect">
+            <a:avLst/>
+          </a:prstGeom>
+          <a:noFill/>
+        </p:spPr>
+        <p:txBody>
+          <a:bodyPr wrap="square" rtlCol="0">
+            <a:spAutoFit/>
+          </a:bodyPr>
+          <a:lstStyle/>
+          <a:p>
+            <a:pPr marL="342900" indent="-342900">
+              <a:buAutoNum type="arabicPeriod"/>
+            </a:pPr>
+            <a:r>
+              <a:rPr lang="ru-RU" sz="2800" i="1" dirty="0"/>
+              <a:t>Для ссылок действие по умолчанию переход на другую страницу;</a:t>
+            </a:r>
+          </a:p>
+          <a:p>
+            <a:pPr marL="342900" indent="-342900">
+              <a:buAutoNum type="arabicPeriod"/>
+            </a:pPr>
+            <a:r>
+              <a:rPr lang="ru-RU" sz="2800" i="1" dirty="0"/>
+              <a:t>Для кнопок внутри формы действие по умолчанию – отправить форму на сервер;</a:t>
+            </a:r>
+          </a:p>
+          <a:p>
+            <a:pPr marL="342900" indent="-342900">
+              <a:buAutoNum type="arabicPeriod"/>
+            </a:pPr>
+            <a:r>
+              <a:rPr lang="ru-RU" sz="2800" i="1" dirty="0"/>
+              <a:t>Двойной клик по тексту – выделяет его фрагмент.</a:t>
+            </a:r>
+          </a:p>
+          <a:p>
+            <a:pPr marL="342900" indent="-342900"/>
+            <a:r>
+              <a:rPr lang="ru-RU" sz="2800" i="1" dirty="0"/>
+              <a:t>и т.д.</a:t>
+            </a:r>
           </a:p>
         </p:txBody>
       </p:sp>
     </p:spTree>
     <p:extLst>
       <p:ext uri="{BB962C8B-B14F-4D97-AF65-F5344CB8AC3E}">
-        <p14:creationId xmlns:p14="http://schemas.microsoft.com/office/powerpoint/2010/main" val="500237955"/>
+        <p14:creationId xmlns:p14="http://schemas.microsoft.com/office/powerpoint/2010/main" val="3551830074"/>
       </p:ext>
     </p:extLst>
   </p:cSld>
@@ -9010,7 +8814,7 @@
         </p:nvSpPr>
         <p:spPr>
           <a:xfrm>
-            <a:off x="11208568" y="6165304"/>
+            <a:off x="11136560" y="6021288"/>
             <a:ext cx="648072" cy="432048"/>
           </a:xfrm>
           <a:prstGeom prst="roundRect">
@@ -9072,42 +8876,14 @@
       </p:sp>
       <p:sp>
         <p:nvSpPr>
-          <p:cNvPr id="3" name="Прямоугольник 2"/>
-          <p:cNvSpPr/>
-          <p:nvPr/>
-        </p:nvSpPr>
-        <p:spPr>
-          <a:xfrm>
-            <a:off x="3719736" y="260649"/>
-            <a:ext cx="5065810" cy="646331"/>
-          </a:xfrm>
-          <a:prstGeom prst="rect">
-            <a:avLst/>
-          </a:prstGeom>
-        </p:spPr>
-        <p:txBody>
-          <a:bodyPr wrap="none">
-            <a:spAutoFit/>
-          </a:bodyPr>
-          <a:lstStyle/>
-          <a:p>
-            <a:r>
-              <a:rPr lang="ru-RU" sz="3600" b="1" dirty="0"/>
-              <a:t>Действия по умолчанию</a:t>
-            </a:r>
-          </a:p>
-        </p:txBody>
-      </p:sp>
-      <p:sp>
-        <p:nvSpPr>
-          <p:cNvPr id="4" name="TextBox 3"/>
+          <p:cNvPr id="3" name="TextBox 2"/>
           <p:cNvSpPr txBox="1"/>
           <p:nvPr/>
         </p:nvSpPr>
         <p:spPr>
           <a:xfrm>
-            <a:off x="1703512" y="1034733"/>
-            <a:ext cx="8928992" cy="954107"/>
+            <a:off x="0" y="188641"/>
+            <a:ext cx="12192000" cy="646331"/>
           </a:xfrm>
           <a:prstGeom prst="rect">
             <a:avLst/>
@@ -9122,51 +8898,22 @@
           <a:p>
             <a:pPr algn="ctr"/>
             <a:r>
-              <a:rPr lang="ru-RU" sz="2800" i="1" dirty="0"/>
-              <a:t>У некоторых элементов есть встроенная реакция на событие, или по другому действие по умолчанию.</a:t>
-            </a:r>
-          </a:p>
-        </p:txBody>
-      </p:sp>
-      <p:sp>
-        <p:nvSpPr>
-          <p:cNvPr id="5" name="TextBox 4"/>
+              <a:rPr lang="ru-RU" sz="3600" b="1" dirty="0"/>
+              <a:t>Отмена действия по умолчанию</a:t>
+            </a:r>
+          </a:p>
+        </p:txBody>
+      </p:sp>
+      <p:sp>
+        <p:nvSpPr>
+          <p:cNvPr id="18" name="TextBox 17"/>
           <p:cNvSpPr txBox="1"/>
           <p:nvPr/>
         </p:nvSpPr>
         <p:spPr>
           <a:xfrm>
-            <a:off x="2279576" y="2420888"/>
-            <a:ext cx="1657826" cy="461665"/>
-          </a:xfrm>
-          <a:prstGeom prst="rect">
-            <a:avLst/>
-          </a:prstGeom>
-          <a:noFill/>
-        </p:spPr>
-        <p:txBody>
-          <a:bodyPr wrap="none" rtlCol="0">
-            <a:spAutoFit/>
-          </a:bodyPr>
-          <a:lstStyle/>
-          <a:p>
-            <a:r>
-              <a:rPr lang="ru-RU" sz="2400" b="1" dirty="0"/>
-              <a:t>Например:</a:t>
-            </a:r>
-          </a:p>
-        </p:txBody>
-      </p:sp>
-      <p:sp>
-        <p:nvSpPr>
-          <p:cNvPr id="6" name="TextBox 5"/>
-          <p:cNvSpPr txBox="1"/>
-          <p:nvPr/>
-        </p:nvSpPr>
-        <p:spPr>
-          <a:xfrm>
-            <a:off x="2135560" y="2912745"/>
-            <a:ext cx="8352928" cy="3108543"/>
+            <a:off x="2495600" y="5234350"/>
+            <a:ext cx="7776864" cy="1200329"/>
           </a:xfrm>
           <a:prstGeom prst="rect">
             <a:avLst/>
@@ -9179,45 +8926,103 @@
           </a:bodyPr>
           <a:lstStyle/>
           <a:p>
-            <a:pPr marL="342900" indent="-342900">
-              <a:buAutoNum type="arabicPeriod"/>
-            </a:pPr>
-            <a:r>
-              <a:rPr lang="ru-RU" sz="2800" i="1" dirty="0"/>
-              <a:t>Для ссылок действие по умолчанию переход на другую страницу;</a:t>
-            </a:r>
-          </a:p>
-          <a:p>
-            <a:pPr marL="342900" indent="-342900">
-              <a:buAutoNum type="arabicPeriod"/>
-            </a:pPr>
-            <a:r>
-              <a:rPr lang="ru-RU" sz="2800" i="1" dirty="0"/>
-              <a:t>Для кнопок внутри формы действие по умолчанию – отправить форму на сервер;</a:t>
-            </a:r>
-          </a:p>
-          <a:p>
-            <a:pPr marL="342900" indent="-342900">
-              <a:buAutoNum type="arabicPeriod"/>
-            </a:pPr>
-            <a:r>
-              <a:rPr lang="ru-RU" sz="2800" i="1" dirty="0"/>
-              <a:t>Двойной клик по тексту – выделяет его фрагмент.</a:t>
-            </a:r>
-          </a:p>
-          <a:p>
-            <a:pPr marL="342900" indent="-342900"/>
-            <a:r>
-              <a:rPr lang="ru-RU" sz="2800" i="1" dirty="0"/>
-              <a:t>и т.д.</a:t>
-            </a:r>
-          </a:p>
-        </p:txBody>
-      </p:sp>
+            <a:r>
+              <a:rPr lang="en-US" sz="2400" b="1" i="1" dirty="0" err="1">
+                <a:solidFill>
+                  <a:schemeClr val="accent6">
+                    <a:lumMod val="75000"/>
+                  </a:schemeClr>
+                </a:solidFill>
+              </a:rPr>
+              <a:t>e</a:t>
+            </a:r>
+            <a:r>
+              <a:rPr lang="en-US" sz="2400" i="1" dirty="0" err="1">
+                <a:solidFill>
+                  <a:schemeClr val="accent6">
+                    <a:lumMod val="75000"/>
+                  </a:schemeClr>
+                </a:solidFill>
+              </a:rPr>
+              <a:t>.</a:t>
+            </a:r>
+            <a:r>
+              <a:rPr lang="en-US" sz="2400" b="1" i="1" dirty="0" err="1">
+                <a:solidFill>
+                  <a:schemeClr val="accent6">
+                    <a:lumMod val="75000"/>
+                  </a:schemeClr>
+                </a:solidFill>
+              </a:rPr>
+              <a:t>preventDefault</a:t>
+            </a:r>
+            <a:r>
+              <a:rPr lang="en-US" sz="2400" b="1" i="1" dirty="0">
+                <a:solidFill>
+                  <a:schemeClr val="accent6">
+                    <a:lumMod val="75000"/>
+                  </a:schemeClr>
+                </a:solidFill>
+              </a:rPr>
+              <a:t>() </a:t>
+            </a:r>
+            <a:r>
+              <a:rPr lang="en-US" sz="2400" i="1" dirty="0"/>
+              <a:t>– (</a:t>
+            </a:r>
+            <a:r>
+              <a:rPr lang="ru-RU" sz="2400" i="1" dirty="0"/>
+              <a:t>метод объекта с информацией о событии</a:t>
+            </a:r>
+            <a:r>
+              <a:rPr lang="en-US" sz="2400" i="1" dirty="0"/>
+              <a:t>)</a:t>
+            </a:r>
+            <a:r>
+              <a:rPr lang="ru-RU" sz="2400" i="1" dirty="0"/>
+              <a:t> отменяет действие по умолчанию (если такое предусмотрено).</a:t>
+            </a:r>
+          </a:p>
+        </p:txBody>
+      </p:sp>
+      <p:pic>
+        <p:nvPicPr>
+          <p:cNvPr id="2" name="Рисунок 1"/>
+          <p:cNvPicPr>
+            <a:picLocks noChangeAspect="1"/>
+          </p:cNvPicPr>
+          <p:nvPr/>
+        </p:nvPicPr>
+        <p:blipFill>
+          <a:blip r:embed="rId2"/>
+          <a:stretch>
+            <a:fillRect/>
+          </a:stretch>
+        </p:blipFill>
+        <p:spPr>
+          <a:xfrm>
+            <a:off x="2809986" y="1061387"/>
+            <a:ext cx="6572027" cy="3804465"/>
+          </a:xfrm>
+          <a:prstGeom prst="rect">
+            <a:avLst/>
+          </a:prstGeom>
+          <a:ln>
+            <a:noFill/>
+          </a:ln>
+          <a:effectLst>
+            <a:outerShdw blurRad="292100" dist="139700" dir="2700000" algn="tl" rotWithShape="0">
+              <a:srgbClr val="333333">
+                <a:alpha val="65000"/>
+              </a:srgbClr>
+            </a:outerShdw>
+          </a:effectLst>
+        </p:spPr>
+      </p:pic>
     </p:spTree>
     <p:extLst>
       <p:ext uri="{BB962C8B-B14F-4D97-AF65-F5344CB8AC3E}">
-        <p14:creationId xmlns:p14="http://schemas.microsoft.com/office/powerpoint/2010/main" val="3551830074"/>
+        <p14:creationId xmlns:p14="http://schemas.microsoft.com/office/powerpoint/2010/main" val="2510162485"/>
       </p:ext>
     </p:extLst>
   </p:cSld>
@@ -9254,7 +9059,7 @@
         </p:nvSpPr>
         <p:spPr>
           <a:xfrm>
-            <a:off x="11136560" y="6021288"/>
+            <a:off x="11064552" y="6093296"/>
             <a:ext cx="648072" cy="432048"/>
           </a:xfrm>
           <a:prstGeom prst="roundRect">
@@ -9316,14 +9121,14 @@
       </p:sp>
       <p:sp>
         <p:nvSpPr>
-          <p:cNvPr id="3" name="TextBox 2"/>
+          <p:cNvPr id="7" name="TextBox 6"/>
           <p:cNvSpPr txBox="1"/>
           <p:nvPr/>
         </p:nvSpPr>
         <p:spPr>
           <a:xfrm>
-            <a:off x="0" y="188641"/>
-            <a:ext cx="12192000" cy="646331"/>
+            <a:off x="0" y="427311"/>
+            <a:ext cx="12192000" cy="769441"/>
           </a:xfrm>
           <a:prstGeom prst="rect">
             <a:avLst/>
@@ -9338,27 +9143,30 @@
           <a:p>
             <a:pPr algn="ctr"/>
             <a:r>
-              <a:rPr lang="ru-RU" sz="3600" b="1" dirty="0"/>
-              <a:t>Отмена действия по умолчанию</a:t>
-            </a:r>
-          </a:p>
-        </p:txBody>
-      </p:sp>
-      <p:sp>
-        <p:nvSpPr>
-          <p:cNvPr id="18" name="TextBox 17"/>
+              <a:rPr lang="ru-RU" sz="4400" b="1" dirty="0"/>
+              <a:t>Не путайте!</a:t>
+            </a:r>
+          </a:p>
+        </p:txBody>
+      </p:sp>
+      <p:sp>
+        <p:nvSpPr>
+          <p:cNvPr id="8" name="TextBox 7"/>
           <p:cNvSpPr txBox="1"/>
           <p:nvPr/>
         </p:nvSpPr>
         <p:spPr>
           <a:xfrm>
-            <a:off x="2495600" y="5234350"/>
-            <a:ext cx="7776864" cy="1200329"/>
+            <a:off x="1559496" y="1700808"/>
+            <a:ext cx="9505056" cy="1569660"/>
           </a:xfrm>
           <a:prstGeom prst="rect">
             <a:avLst/>
           </a:prstGeom>
           <a:noFill/>
+          <a:ln w="28575">
+            <a:noFill/>
+          </a:ln>
         </p:spPr>
         <p:txBody>
           <a:bodyPr wrap="square" rtlCol="0">
@@ -9367,102 +9175,236 @@
           <a:lstStyle/>
           <a:p>
             <a:r>
-              <a:rPr lang="en-US" sz="2400" b="1" i="1" dirty="0" err="1">
+              <a:rPr lang="en-US" sz="3200" b="1" dirty="0" err="1">
+                <a:ln w="12700">
+                  <a:solidFill>
+                    <a:schemeClr val="accent3">
+                      <a:lumMod val="50000"/>
+                    </a:schemeClr>
+                  </a:solidFill>
+                  <a:prstDash val="solid"/>
+                </a:ln>
                 <a:solidFill>
-                  <a:schemeClr val="accent6">
-                    <a:lumMod val="75000"/>
+                  <a:srgbClr val="FFC000"/>
+                </a:solidFill>
+                <a:effectLst>
+                  <a:innerShdw blurRad="177800">
+                    <a:schemeClr val="accent3">
+                      <a:lumMod val="50000"/>
+                    </a:schemeClr>
+                  </a:innerShdw>
+                </a:effectLst>
+              </a:rPr>
+              <a:t>e.preventDefault</a:t>
+            </a:r>
+            <a:r>
+              <a:rPr lang="en-US" sz="3200" b="1" dirty="0">
+                <a:ln w="12700">
+                  <a:solidFill>
+                    <a:schemeClr val="accent3">
+                      <a:lumMod val="50000"/>
+                    </a:schemeClr>
+                  </a:solidFill>
+                  <a:prstDash val="solid"/>
+                </a:ln>
+                <a:solidFill>
+                  <a:srgbClr val="FFC000"/>
+                </a:solidFill>
+                <a:effectLst>
+                  <a:innerShdw blurRad="177800">
+                    <a:schemeClr val="accent3">
+                      <a:lumMod val="50000"/>
+                    </a:schemeClr>
+                  </a:innerShdw>
+                </a:effectLst>
+              </a:rPr>
+              <a:t>() </a:t>
+            </a:r>
+            <a:r>
+              <a:rPr lang="en-US" sz="3200" b="1" dirty="0">
+                <a:ln w="12700">
+                  <a:solidFill>
+                    <a:schemeClr val="accent3">
+                      <a:lumMod val="50000"/>
+                    </a:schemeClr>
+                  </a:solidFill>
+                  <a:prstDash val="solid"/>
+                </a:ln>
+                <a:pattFill prst="narHorz">
+                  <a:fgClr>
+                    <a:schemeClr val="accent3"/>
+                  </a:fgClr>
+                  <a:bgClr>
+                    <a:schemeClr val="accent3">
+                      <a:lumMod val="40000"/>
+                      <a:lumOff val="60000"/>
+                    </a:schemeClr>
+                  </a:bgClr>
+                </a:pattFill>
+                <a:effectLst>
+                  <a:innerShdw blurRad="177800">
+                    <a:schemeClr val="accent3">
+                      <a:lumMod val="50000"/>
+                    </a:schemeClr>
+                  </a:innerShdw>
+                </a:effectLst>
+              </a:rPr>
+              <a:t>– </a:t>
+            </a:r>
+            <a:r>
+              <a:rPr lang="ru-RU" sz="3200" b="1" dirty="0">
+                <a:ln w="12700">
+                  <a:solidFill>
+                    <a:schemeClr val="accent3">
+                      <a:lumMod val="50000"/>
+                    </a:schemeClr>
+                  </a:solidFill>
+                  <a:prstDash val="solid"/>
+                </a:ln>
+                <a:pattFill prst="narHorz">
+                  <a:fgClr>
+                    <a:schemeClr val="accent3"/>
+                  </a:fgClr>
+                  <a:bgClr>
+                    <a:schemeClr val="accent3">
+                      <a:lumMod val="40000"/>
+                      <a:lumOff val="60000"/>
+                    </a:schemeClr>
+                  </a:bgClr>
+                </a:pattFill>
+                <a:effectLst>
+                  <a:innerShdw blurRad="177800">
+                    <a:schemeClr val="accent3">
+                      <a:lumMod val="50000"/>
+                    </a:schemeClr>
+                  </a:innerShdw>
+                </a:effectLst>
+              </a:rPr>
+              <a:t>отменяет действие по умолчанию (как то переход по ссылке, отправка формы и т.д.).</a:t>
+            </a:r>
+          </a:p>
+        </p:txBody>
+      </p:sp>
+      <p:sp>
+        <p:nvSpPr>
+          <p:cNvPr id="10" name="TextBox 9"/>
+          <p:cNvSpPr txBox="1"/>
+          <p:nvPr/>
+        </p:nvSpPr>
+        <p:spPr>
+          <a:xfrm>
+            <a:off x="1559496" y="3671152"/>
+            <a:ext cx="9505056" cy="2062103"/>
+          </a:xfrm>
+          <a:prstGeom prst="rect">
+            <a:avLst/>
+          </a:prstGeom>
+          <a:noFill/>
+          <a:ln w="28575">
+            <a:noFill/>
+          </a:ln>
+        </p:spPr>
+        <p:txBody>
+          <a:bodyPr wrap="square" rtlCol="0">
+            <a:spAutoFit/>
+          </a:bodyPr>
+          <a:lstStyle/>
+          <a:p>
+            <a:r>
+              <a:rPr lang="en-US" sz="3200" b="1" dirty="0" err="1">
+                <a:ln w="22225">
+                  <a:solidFill>
+                    <a:schemeClr val="accent2"/>
+                  </a:solidFill>
+                  <a:prstDash val="solid"/>
+                </a:ln>
+                <a:solidFill>
+                  <a:schemeClr val="accent2">
+                    <a:lumMod val="40000"/>
+                    <a:lumOff val="60000"/>
                   </a:schemeClr>
                 </a:solidFill>
               </a:rPr>
-              <a:t>e</a:t>
-            </a:r>
-            <a:r>
-              <a:rPr lang="en-US" sz="2400" i="1" dirty="0" err="1">
+              <a:t>e.stopPropagation</a:t>
+            </a:r>
+            <a:r>
+              <a:rPr lang="en-US" sz="3200" b="1" dirty="0">
+                <a:ln w="22225">
+                  <a:solidFill>
+                    <a:schemeClr val="accent2"/>
+                  </a:solidFill>
+                  <a:prstDash val="solid"/>
+                </a:ln>
                 <a:solidFill>
-                  <a:schemeClr val="accent6">
-                    <a:lumMod val="75000"/>
-                  </a:schemeClr>
-                </a:solidFill>
-              </a:rPr>
-              <a:t>.</a:t>
-            </a:r>
-            <a:r>
-              <a:rPr lang="en-US" sz="2400" b="1" i="1" dirty="0" err="1">
-                <a:solidFill>
-                  <a:schemeClr val="accent6">
-                    <a:lumMod val="75000"/>
-                  </a:schemeClr>
-                </a:solidFill>
-              </a:rPr>
-              <a:t>preventDefault</a:t>
-            </a:r>
-            <a:r>
-              <a:rPr lang="en-US" sz="2400" b="1" i="1" dirty="0">
-                <a:solidFill>
-                  <a:schemeClr val="accent6">
-                    <a:lumMod val="75000"/>
+                  <a:schemeClr val="accent2">
+                    <a:lumMod val="40000"/>
+                    <a:lumOff val="60000"/>
                   </a:schemeClr>
                 </a:solidFill>
               </a:rPr>
               <a:t>() </a:t>
             </a:r>
             <a:r>
-              <a:rPr lang="en-US" sz="2400" i="1" dirty="0"/>
-              <a:t>– (</a:t>
-            </a:r>
-            <a:r>
-              <a:rPr lang="ru-RU" sz="2400" i="1" dirty="0"/>
-              <a:t>метод объекта с информацией о событии</a:t>
-            </a:r>
-            <a:r>
-              <a:rPr lang="en-US" sz="2400" i="1" dirty="0"/>
-              <a:t>)</a:t>
-            </a:r>
-            <a:r>
-              <a:rPr lang="ru-RU" sz="2400" i="1" dirty="0"/>
-              <a:t> отменяет действие по умолчанию (если такое предусмотрено).</a:t>
-            </a:r>
-          </a:p>
-        </p:txBody>
-      </p:sp>
-      <p:pic>
-        <p:nvPicPr>
-          <p:cNvPr id="2" name="Рисунок 1"/>
-          <p:cNvPicPr>
-            <a:picLocks noChangeAspect="1"/>
-          </p:cNvPicPr>
-          <p:nvPr/>
-        </p:nvPicPr>
-        <p:blipFill>
-          <a:blip r:embed="rId2"/>
-          <a:stretch>
-            <a:fillRect/>
-          </a:stretch>
-        </p:blipFill>
-        <p:spPr>
-          <a:xfrm>
-            <a:off x="2809986" y="1061387"/>
-            <a:ext cx="6572027" cy="3804465"/>
-          </a:xfrm>
-          <a:prstGeom prst="rect">
-            <a:avLst/>
-          </a:prstGeom>
-          <a:ln>
-            <a:noFill/>
-          </a:ln>
-          <a:effectLst>
-            <a:outerShdw blurRad="292100" dist="139700" dir="2700000" algn="tl" rotWithShape="0">
-              <a:srgbClr val="333333">
-                <a:alpha val="65000"/>
-              </a:srgbClr>
-            </a:outerShdw>
-          </a:effectLst>
-        </p:spPr>
-      </p:pic>
+              <a:rPr lang="en-US" sz="3200" b="1" dirty="0">
+                <a:ln w="12700">
+                  <a:solidFill>
+                    <a:schemeClr val="accent1"/>
+                  </a:solidFill>
+                  <a:prstDash val="solid"/>
+                </a:ln>
+                <a:pattFill prst="pct50">
+                  <a:fgClr>
+                    <a:schemeClr val="accent1"/>
+                  </a:fgClr>
+                  <a:bgClr>
+                    <a:schemeClr val="accent1">
+                      <a:lumMod val="20000"/>
+                      <a:lumOff val="80000"/>
+                    </a:schemeClr>
+                  </a:bgClr>
+                </a:pattFill>
+                <a:effectLst>
+                  <a:outerShdw dist="38100" dir="2640000" algn="bl" rotWithShape="0">
+                    <a:schemeClr val="accent1"/>
+                  </a:outerShdw>
+                </a:effectLst>
+              </a:rPr>
+              <a:t>– </a:t>
+            </a:r>
+            <a:r>
+              <a:rPr lang="ru-RU" sz="3200" b="1" dirty="0">
+                <a:ln w="12700">
+                  <a:solidFill>
+                    <a:schemeClr val="accent1"/>
+                  </a:solidFill>
+                  <a:prstDash val="solid"/>
+                </a:ln>
+                <a:pattFill prst="pct50">
+                  <a:fgClr>
+                    <a:schemeClr val="accent1"/>
+                  </a:fgClr>
+                  <a:bgClr>
+                    <a:schemeClr val="accent1">
+                      <a:lumMod val="20000"/>
+                      <a:lumOff val="80000"/>
+                    </a:schemeClr>
+                  </a:bgClr>
+                </a:pattFill>
+                <a:effectLst>
+                  <a:outerShdw dist="38100" dir="2640000" algn="bl" rotWithShape="0">
+                    <a:schemeClr val="accent1"/>
+                  </a:outerShdw>
+                </a:effectLst>
+              </a:rPr>
+              <a:t>останавливает всплытие события, т.е. после вызова этого метода элементы далее по иерархии уже не получат уведомление о событии.</a:t>
+            </a:r>
+          </a:p>
+        </p:txBody>
+      </p:sp>
     </p:spTree>
     <p:extLst>
       <p:ext uri="{BB962C8B-B14F-4D97-AF65-F5344CB8AC3E}">
-        <p14:creationId xmlns:p14="http://schemas.microsoft.com/office/powerpoint/2010/main" val="2510162485"/>
+        <p14:creationId xmlns:p14="http://schemas.microsoft.com/office/powerpoint/2010/main" val="1912894025"/>
       </p:ext>
     </p:extLst>
   </p:cSld>
@@ -9762,360 +9704,61 @@
       </p:grpSpPr>
       <p:sp>
         <p:nvSpPr>
-          <p:cNvPr id="20" name="Номер слайда 36"/>
-          <p:cNvSpPr txBox="1">
-            <a:spLocks/>
-          </p:cNvSpPr>
-          <p:nvPr/>
-        </p:nvSpPr>
-        <p:spPr>
-          <a:xfrm>
-            <a:off x="11064552" y="6093296"/>
-            <a:ext cx="648072" cy="432048"/>
-          </a:xfrm>
-          <a:prstGeom prst="roundRect">
-            <a:avLst/>
-          </a:prstGeom>
-          <a:ln w="25400" cap="flat" cmpd="sng" algn="ctr">
-            <a:solidFill>
-              <a:schemeClr val="tx2">
-                <a:lumMod val="60000"/>
-                <a:lumOff val="40000"/>
-              </a:schemeClr>
-            </a:solidFill>
-            <a:prstDash val="solid"/>
-          </a:ln>
+          <p:cNvPr id="5" name="Прямоугольник 4"/>
+          <p:cNvSpPr/>
+          <p:nvPr/>
+        </p:nvSpPr>
+        <p:spPr>
+          <a:xfrm>
+            <a:off x="0" y="0"/>
+            <a:ext cx="12192000" cy="6858000"/>
+          </a:xfrm>
+          <a:prstGeom prst="rect">
+            <a:avLst/>
+          </a:prstGeom>
+          <a:solidFill>
+            <a:schemeClr val="tx2">
+              <a:lumMod val="75000"/>
+            </a:schemeClr>
+          </a:solidFill>
         </p:spPr>
         <p:style>
           <a:lnRef idx="2">
-            <a:schemeClr val="accent1"/>
+            <a:schemeClr val="accent1">
+              <a:shade val="50000"/>
+            </a:schemeClr>
           </a:lnRef>
           <a:fillRef idx="1">
-            <a:schemeClr val="lt1"/>
+            <a:schemeClr val="accent1"/>
           </a:fillRef>
           <a:effectRef idx="0">
             <a:schemeClr val="accent1"/>
           </a:effectRef>
           <a:fontRef idx="minor">
-            <a:schemeClr val="dk1"/>
+            <a:schemeClr val="lt1"/>
           </a:fontRef>
         </p:style>
         <p:txBody>
-          <a:bodyPr vert="horz" lIns="91440" tIns="45720" rIns="91440" bIns="45720" rtlCol="0" anchor="ctr"/>
-          <a:lstStyle/>
-          <a:p>
-            <a:pPr algn="ctr">
-              <a:defRPr/>
-            </a:pPr>
-            <a:fld id="{6389AA22-90B4-448C-8B6B-C699140D38B9}" type="slidenum">
-              <a:rPr lang="uk-UA" sz="2400" b="1">
-                <a:solidFill>
-                  <a:schemeClr val="bg1">
-                    <a:lumMod val="50000"/>
-                  </a:schemeClr>
-                </a:solidFill>
-              </a:rPr>
-              <a:pPr algn="ctr">
-                <a:defRPr/>
-              </a:pPr>
-              <a:t>30</a:t>
-            </a:fld>
-            <a:endParaRPr lang="uk-UA" sz="2400" b="1" dirty="0">
-              <a:solidFill>
-                <a:schemeClr val="bg1">
-                  <a:lumMod val="50000"/>
-                </a:schemeClr>
-              </a:solidFill>
-            </a:endParaRPr>
-          </a:p>
-        </p:txBody>
-      </p:sp>
-      <p:sp>
-        <p:nvSpPr>
-          <p:cNvPr id="7" name="TextBox 6"/>
-          <p:cNvSpPr txBox="1"/>
-          <p:nvPr/>
-        </p:nvSpPr>
-        <p:spPr>
-          <a:xfrm>
-            <a:off x="0" y="427311"/>
-            <a:ext cx="12192000" cy="769441"/>
-          </a:xfrm>
-          <a:prstGeom prst="rect">
-            <a:avLst/>
-          </a:prstGeom>
-          <a:noFill/>
-        </p:spPr>
-        <p:txBody>
-          <a:bodyPr wrap="square" rtlCol="0">
-            <a:spAutoFit/>
-          </a:bodyPr>
+          <a:bodyPr rtlCol="0" anchor="ctr"/>
           <a:lstStyle/>
           <a:p>
             <a:pPr algn="ctr"/>
             <a:r>
-              <a:rPr lang="ru-RU" sz="4400" b="1" dirty="0"/>
-              <a:t>Не путайте!</a:t>
-            </a:r>
-          </a:p>
-        </p:txBody>
-      </p:sp>
-      <p:sp>
-        <p:nvSpPr>
-          <p:cNvPr id="8" name="TextBox 7"/>
-          <p:cNvSpPr txBox="1"/>
-          <p:nvPr/>
-        </p:nvSpPr>
-        <p:spPr>
-          <a:xfrm>
-            <a:off x="1559496" y="1700808"/>
-            <a:ext cx="9505056" cy="1569660"/>
-          </a:xfrm>
-          <a:prstGeom prst="rect">
-            <a:avLst/>
-          </a:prstGeom>
-          <a:noFill/>
-          <a:ln w="28575">
-            <a:noFill/>
-          </a:ln>
-        </p:spPr>
-        <p:txBody>
-          <a:bodyPr wrap="square" rtlCol="0">
-            <a:spAutoFit/>
-          </a:bodyPr>
-          <a:lstStyle/>
-          <a:p>
-            <a:r>
-              <a:rPr lang="en-US" sz="3200" b="1" dirty="0" err="1">
-                <a:ln w="12700">
-                  <a:solidFill>
-                    <a:schemeClr val="accent3">
-                      <a:lumMod val="50000"/>
-                    </a:schemeClr>
-                  </a:solidFill>
-                  <a:prstDash val="solid"/>
-                </a:ln>
-                <a:solidFill>
-                  <a:srgbClr val="FFC000"/>
-                </a:solidFill>
-                <a:effectLst>
-                  <a:innerShdw blurRad="177800">
-                    <a:schemeClr val="accent3">
-                      <a:lumMod val="50000"/>
-                    </a:schemeClr>
-                  </a:innerShdw>
-                </a:effectLst>
-              </a:rPr>
-              <a:t>e.preventDefault</a:t>
-            </a:r>
-            <a:r>
-              <a:rPr lang="en-US" sz="3200" b="1" dirty="0">
-                <a:ln w="12700">
-                  <a:solidFill>
-                    <a:schemeClr val="accent3">
-                      <a:lumMod val="50000"/>
-                    </a:schemeClr>
-                  </a:solidFill>
-                  <a:prstDash val="solid"/>
-                </a:ln>
-                <a:solidFill>
-                  <a:srgbClr val="FFC000"/>
-                </a:solidFill>
-                <a:effectLst>
-                  <a:innerShdw blurRad="177800">
-                    <a:schemeClr val="accent3">
-                      <a:lumMod val="50000"/>
-                    </a:schemeClr>
-                  </a:innerShdw>
-                </a:effectLst>
-              </a:rPr>
-              <a:t>() </a:t>
-            </a:r>
-            <a:r>
-              <a:rPr lang="en-US" sz="3200" b="1" dirty="0">
-                <a:ln w="12700">
-                  <a:solidFill>
-                    <a:schemeClr val="accent3">
-                      <a:lumMod val="50000"/>
-                    </a:schemeClr>
-                  </a:solidFill>
-                  <a:prstDash val="solid"/>
-                </a:ln>
-                <a:pattFill prst="narHorz">
-                  <a:fgClr>
-                    <a:schemeClr val="accent3"/>
-                  </a:fgClr>
-                  <a:bgClr>
-                    <a:schemeClr val="accent3">
-                      <a:lumMod val="40000"/>
-                      <a:lumOff val="60000"/>
-                    </a:schemeClr>
-                  </a:bgClr>
-                </a:pattFill>
-                <a:effectLst>
-                  <a:innerShdw blurRad="177800">
-                    <a:schemeClr val="accent3">
-                      <a:lumMod val="50000"/>
-                    </a:schemeClr>
-                  </a:innerShdw>
-                </a:effectLst>
-              </a:rPr>
-              <a:t>– </a:t>
-            </a:r>
-            <a:r>
-              <a:rPr lang="ru-RU" sz="3200" b="1" dirty="0">
-                <a:ln w="12700">
-                  <a:solidFill>
-                    <a:schemeClr val="accent3">
-                      <a:lumMod val="50000"/>
-                    </a:schemeClr>
-                  </a:solidFill>
-                  <a:prstDash val="solid"/>
-                </a:ln>
-                <a:pattFill prst="narHorz">
-                  <a:fgClr>
-                    <a:schemeClr val="accent3"/>
-                  </a:fgClr>
-                  <a:bgClr>
-                    <a:schemeClr val="accent3">
-                      <a:lumMod val="40000"/>
-                      <a:lumOff val="60000"/>
-                    </a:schemeClr>
-                  </a:bgClr>
-                </a:pattFill>
-                <a:effectLst>
-                  <a:innerShdw blurRad="177800">
-                    <a:schemeClr val="accent3">
-                      <a:lumMod val="50000"/>
-                    </a:schemeClr>
-                  </a:innerShdw>
-                </a:effectLst>
-              </a:rPr>
-              <a:t>отменяет действие по умолчанию (как то переход по ссылке, отправка формы и т.д.).</a:t>
-            </a:r>
-          </a:p>
-        </p:txBody>
-      </p:sp>
-      <p:sp>
-        <p:nvSpPr>
-          <p:cNvPr id="10" name="TextBox 9"/>
-          <p:cNvSpPr txBox="1"/>
-          <p:nvPr/>
-        </p:nvSpPr>
-        <p:spPr>
-          <a:xfrm>
-            <a:off x="1559496" y="3671152"/>
-            <a:ext cx="9505056" cy="2062103"/>
-          </a:xfrm>
-          <a:prstGeom prst="rect">
-            <a:avLst/>
-          </a:prstGeom>
-          <a:noFill/>
-          <a:ln w="28575">
-            <a:noFill/>
-          </a:ln>
-        </p:spPr>
-        <p:txBody>
-          <a:bodyPr wrap="square" rtlCol="0">
-            <a:spAutoFit/>
-          </a:bodyPr>
-          <a:lstStyle/>
-          <a:p>
-            <a:r>
-              <a:rPr lang="en-US" sz="3200" b="1" dirty="0" err="1">
-                <a:ln w="22225">
-                  <a:solidFill>
-                    <a:schemeClr val="accent2"/>
-                  </a:solidFill>
-                  <a:prstDash val="solid"/>
-                </a:ln>
-                <a:solidFill>
-                  <a:schemeClr val="accent2">
-                    <a:lumMod val="40000"/>
-                    <a:lumOff val="60000"/>
-                  </a:schemeClr>
-                </a:solidFill>
-              </a:rPr>
-              <a:t>e.stopPropagation</a:t>
-            </a:r>
-            <a:r>
-              <a:rPr lang="en-US" sz="3200" b="1" dirty="0">
-                <a:ln w="22225">
-                  <a:solidFill>
-                    <a:schemeClr val="accent2"/>
-                  </a:solidFill>
-                  <a:prstDash val="solid"/>
-                </a:ln>
-                <a:solidFill>
-                  <a:schemeClr val="accent2">
-                    <a:lumMod val="40000"/>
-                    <a:lumOff val="60000"/>
-                  </a:schemeClr>
-                </a:solidFill>
-              </a:rPr>
-              <a:t>() </a:t>
-            </a:r>
-            <a:r>
-              <a:rPr lang="en-US" sz="3200" b="1" dirty="0">
-                <a:ln w="12700">
-                  <a:solidFill>
-                    <a:schemeClr val="accent1"/>
-                  </a:solidFill>
-                  <a:prstDash val="solid"/>
-                </a:ln>
-                <a:pattFill prst="pct50">
-                  <a:fgClr>
-                    <a:schemeClr val="accent1"/>
-                  </a:fgClr>
-                  <a:bgClr>
-                    <a:schemeClr val="accent1">
-                      <a:lumMod val="20000"/>
-                      <a:lumOff val="80000"/>
-                    </a:schemeClr>
-                  </a:bgClr>
-                </a:pattFill>
-                <a:effectLst>
-                  <a:outerShdw dist="38100" dir="2640000" algn="bl" rotWithShape="0">
-                    <a:schemeClr val="accent1"/>
-                  </a:outerShdw>
-                </a:effectLst>
-              </a:rPr>
-              <a:t>– </a:t>
-            </a:r>
-            <a:r>
-              <a:rPr lang="ru-RU" sz="3200" b="1" dirty="0">
-                <a:ln w="12700">
-                  <a:solidFill>
-                    <a:schemeClr val="accent1"/>
-                  </a:solidFill>
-                  <a:prstDash val="solid"/>
-                </a:ln>
-                <a:pattFill prst="pct50">
-                  <a:fgClr>
-                    <a:schemeClr val="accent1"/>
-                  </a:fgClr>
-                  <a:bgClr>
-                    <a:schemeClr val="accent1">
-                      <a:lumMod val="20000"/>
-                      <a:lumOff val="80000"/>
-                    </a:schemeClr>
-                  </a:bgClr>
-                </a:pattFill>
-                <a:effectLst>
-                  <a:outerShdw dist="38100" dir="2640000" algn="bl" rotWithShape="0">
-                    <a:schemeClr val="accent1"/>
-                  </a:outerShdw>
-                </a:effectLst>
-              </a:rPr>
-              <a:t>останавливает всплытие события, т.е. после вызова этого метода элементы далее по иерархии уже не получат уведомление о событии.</a:t>
-            </a:r>
+              <a:rPr lang="en-US" sz="6000" b="1" dirty="0"/>
+              <a:t>6. </a:t>
+            </a:r>
+            <a:r>
+              <a:rPr lang="ru-RU" sz="6000" b="1" dirty="0"/>
+              <a:t>Немного практики</a:t>
+            </a:r>
+            <a:endParaRPr lang="uk-UA" sz="3200" b="1" i="1" dirty="0"/>
           </a:p>
         </p:txBody>
       </p:sp>
     </p:spTree>
     <p:extLst>
       <p:ext uri="{BB962C8B-B14F-4D97-AF65-F5344CB8AC3E}">
-        <p14:creationId xmlns:p14="http://schemas.microsoft.com/office/powerpoint/2010/main" val="1912894025"/>
+        <p14:creationId xmlns:p14="http://schemas.microsoft.com/office/powerpoint/2010/main" val="4018120098"/>
       </p:ext>
     </p:extLst>
   </p:cSld>
@@ -10144,61 +9787,219 @@
       </p:grpSpPr>
       <p:sp>
         <p:nvSpPr>
-          <p:cNvPr id="5" name="Прямоугольник 4"/>
-          <p:cNvSpPr/>
-          <p:nvPr/>
-        </p:nvSpPr>
-        <p:spPr>
-          <a:xfrm>
-            <a:off x="0" y="0"/>
-            <a:ext cx="12192000" cy="6858000"/>
-          </a:xfrm>
-          <a:prstGeom prst="rect">
-            <a:avLst/>
-          </a:prstGeom>
-          <a:solidFill>
-            <a:schemeClr val="tx2">
-              <a:lumMod val="75000"/>
-            </a:schemeClr>
-          </a:solidFill>
+          <p:cNvPr id="6" name="Номер слайда 36"/>
+          <p:cNvSpPr txBox="1">
+            <a:spLocks/>
+          </p:cNvSpPr>
+          <p:nvPr/>
+        </p:nvSpPr>
+        <p:spPr>
+          <a:xfrm>
+            <a:off x="11208568" y="6165304"/>
+            <a:ext cx="648072" cy="432048"/>
+          </a:xfrm>
+          <a:prstGeom prst="roundRect">
+            <a:avLst/>
+          </a:prstGeom>
+          <a:ln w="25400" cap="flat" cmpd="sng" algn="ctr">
+            <a:solidFill>
+              <a:schemeClr val="tx2">
+                <a:lumMod val="60000"/>
+                <a:lumOff val="40000"/>
+              </a:schemeClr>
+            </a:solidFill>
+            <a:prstDash val="solid"/>
+          </a:ln>
         </p:spPr>
         <p:style>
           <a:lnRef idx="2">
-            <a:schemeClr val="accent1">
-              <a:shade val="50000"/>
-            </a:schemeClr>
+            <a:schemeClr val="accent1"/>
           </a:lnRef>
           <a:fillRef idx="1">
-            <a:schemeClr val="accent1"/>
+            <a:schemeClr val="lt1"/>
           </a:fillRef>
           <a:effectRef idx="0">
             <a:schemeClr val="accent1"/>
           </a:effectRef>
           <a:fontRef idx="minor">
-            <a:schemeClr val="lt1"/>
+            <a:schemeClr val="dk1"/>
           </a:fontRef>
         </p:style>
         <p:txBody>
-          <a:bodyPr rtlCol="0" anchor="ctr"/>
-          <a:lstStyle/>
-          <a:p>
-            <a:pPr algn="ctr"/>
-            <a:r>
-              <a:rPr lang="en-US" sz="6000" b="1" dirty="0"/>
-              <a:t>6. </a:t>
-            </a:r>
-            <a:r>
-              <a:rPr lang="ru-RU" sz="6000" b="1" dirty="0"/>
-              <a:t>Немного практики</a:t>
-            </a:r>
-            <a:endParaRPr lang="uk-UA" sz="3200" b="1" i="1" dirty="0"/>
-          </a:p>
-        </p:txBody>
-      </p:sp>
+          <a:bodyPr vert="horz" lIns="91440" tIns="45720" rIns="91440" bIns="45720" rtlCol="0" anchor="ctr"/>
+          <a:lstStyle/>
+          <a:p>
+            <a:pPr algn="ctr">
+              <a:defRPr/>
+            </a:pPr>
+            <a:fld id="{6389AA22-90B4-448C-8B6B-C699140D38B9}" type="slidenum">
+              <a:rPr lang="uk-UA" sz="2400" b="1">
+                <a:solidFill>
+                  <a:schemeClr val="bg1">
+                    <a:lumMod val="50000"/>
+                  </a:schemeClr>
+                </a:solidFill>
+              </a:rPr>
+              <a:pPr algn="ctr">
+                <a:defRPr/>
+              </a:pPr>
+              <a:t>31</a:t>
+            </a:fld>
+            <a:endParaRPr lang="uk-UA" sz="2400" b="1" dirty="0">
+              <a:solidFill>
+                <a:schemeClr val="bg1">
+                  <a:lumMod val="50000"/>
+                </a:schemeClr>
+              </a:solidFill>
+            </a:endParaRPr>
+          </a:p>
+        </p:txBody>
+      </p:sp>
+      <p:sp>
+        <p:nvSpPr>
+          <p:cNvPr id="4" name="TextBox 3"/>
+          <p:cNvSpPr txBox="1"/>
+          <p:nvPr/>
+        </p:nvSpPr>
+        <p:spPr>
+          <a:xfrm>
+            <a:off x="3896745" y="188640"/>
+            <a:ext cx="4542526" cy="523220"/>
+          </a:xfrm>
+          <a:prstGeom prst="rect">
+            <a:avLst/>
+          </a:prstGeom>
+          <a:noFill/>
+        </p:spPr>
+        <p:txBody>
+          <a:bodyPr wrap="none" rtlCol="0">
+            <a:spAutoFit/>
+          </a:bodyPr>
+          <a:lstStyle/>
+          <a:p>
+            <a:r>
+              <a:rPr lang="ru-RU" sz="2800" b="1" dirty="0"/>
+              <a:t>Рисование, Графика</a:t>
+            </a:r>
+            <a:r>
+              <a:rPr lang="en-US" sz="2800" b="1" dirty="0"/>
+              <a:t>, Canvas</a:t>
+            </a:r>
+            <a:endParaRPr lang="ru-RU" sz="2800" b="1" dirty="0"/>
+          </a:p>
+        </p:txBody>
+      </p:sp>
+      <p:sp>
+        <p:nvSpPr>
+          <p:cNvPr id="7" name="TextBox 6"/>
+          <p:cNvSpPr txBox="1"/>
+          <p:nvPr/>
+        </p:nvSpPr>
+        <p:spPr>
+          <a:xfrm>
+            <a:off x="2109628" y="4811668"/>
+            <a:ext cx="8125625" cy="1569660"/>
+          </a:xfrm>
+          <a:prstGeom prst="rect">
+            <a:avLst/>
+          </a:prstGeom>
+          <a:noFill/>
+        </p:spPr>
+        <p:txBody>
+          <a:bodyPr wrap="square" rtlCol="0">
+            <a:spAutoFit/>
+          </a:bodyPr>
+          <a:lstStyle/>
+          <a:p>
+            <a:r>
+              <a:rPr lang="ru-RU" sz="2400" dirty="0"/>
+              <a:t>Тег </a:t>
+            </a:r>
+            <a:r>
+              <a:rPr lang="en-US" sz="2400" b="1" dirty="0"/>
+              <a:t>canvas </a:t>
+            </a:r>
+            <a:r>
+              <a:rPr lang="ru-RU" sz="2400" dirty="0"/>
+              <a:t>– представляет собой «</a:t>
+            </a:r>
+            <a:r>
+              <a:rPr lang="ru-RU" sz="2400" b="1" dirty="0"/>
+              <a:t>холст</a:t>
+            </a:r>
+            <a:r>
+              <a:rPr lang="ru-RU" sz="2400" dirty="0"/>
+              <a:t>», прямоугольную область в которой можно рисовать.</a:t>
+            </a:r>
+            <a:r>
+              <a:rPr lang="ru-RU" sz="2400" b="1" dirty="0"/>
+              <a:t> Контекст</a:t>
+            </a:r>
+            <a:r>
+              <a:rPr lang="ru-RU" sz="2400" dirty="0"/>
+              <a:t> </a:t>
+            </a:r>
+            <a:r>
+              <a:rPr lang="en-US" sz="2400" b="1" dirty="0" err="1"/>
+              <a:t>canvas’a</a:t>
+            </a:r>
+            <a:r>
+              <a:rPr lang="ru-RU" sz="2400" dirty="0"/>
+              <a:t> – объект который содержит множество методов для рисования на «</a:t>
+            </a:r>
+            <a:r>
+              <a:rPr lang="ru-RU" sz="2400" b="1" dirty="0"/>
+              <a:t>холсте</a:t>
+            </a:r>
+            <a:r>
+              <a:rPr lang="ru-RU" sz="2400" dirty="0"/>
+              <a:t>». </a:t>
+            </a:r>
+          </a:p>
+        </p:txBody>
+      </p:sp>
+      <p:pic>
+        <p:nvPicPr>
+          <p:cNvPr id="3" name="Рисунок 2"/>
+          <p:cNvPicPr>
+            <a:picLocks noChangeAspect="1"/>
+          </p:cNvPicPr>
+          <p:nvPr/>
+        </p:nvPicPr>
+        <p:blipFill>
+          <a:blip r:embed="rId2"/>
+          <a:stretch>
+            <a:fillRect/>
+          </a:stretch>
+        </p:blipFill>
+        <p:spPr>
+          <a:xfrm>
+            <a:off x="2105195" y="1033572"/>
+            <a:ext cx="8125625" cy="3456384"/>
+          </a:xfrm>
+          <a:prstGeom prst="rect">
+            <a:avLst/>
+          </a:prstGeom>
+          <a:ln>
+            <a:solidFill>
+              <a:schemeClr val="bg1">
+                <a:lumMod val="85000"/>
+              </a:schemeClr>
+            </a:solidFill>
+          </a:ln>
+          <a:effectLst>
+            <a:outerShdw blurRad="292100" dist="139700" dir="2700000" algn="tl" rotWithShape="0">
+              <a:srgbClr val="333333">
+                <a:alpha val="65000"/>
+              </a:srgbClr>
+            </a:outerShdw>
+          </a:effectLst>
+        </p:spPr>
+      </p:pic>
     </p:spTree>
     <p:extLst>
       <p:ext uri="{BB962C8B-B14F-4D97-AF65-F5344CB8AC3E}">
-        <p14:creationId xmlns:p14="http://schemas.microsoft.com/office/powerpoint/2010/main" val="4018120098"/>
+        <p14:creationId xmlns:p14="http://schemas.microsoft.com/office/powerpoint/2010/main" val="344343635"/>
       </p:ext>
     </p:extLst>
   </p:cSld>
@@ -10235,7 +10036,7 @@
         </p:nvSpPr>
         <p:spPr>
           <a:xfrm>
-            <a:off x="11208568" y="6165304"/>
+            <a:off x="11208568" y="6092136"/>
             <a:ext cx="648072" cy="432048"/>
           </a:xfrm>
           <a:prstGeom prst="roundRect">
@@ -10337,8 +10138,8 @@
         </p:nvSpPr>
         <p:spPr>
           <a:xfrm>
-            <a:off x="2109628" y="4811668"/>
-            <a:ext cx="8125625" cy="1569660"/>
+            <a:off x="1991544" y="1046341"/>
+            <a:ext cx="6408712" cy="5262979"/>
           </a:xfrm>
           <a:prstGeom prst="rect">
             <a:avLst/>
@@ -10352,94 +10153,197 @@
           <a:lstStyle/>
           <a:p>
             <a:r>
-              <a:rPr lang="ru-RU" sz="2400" dirty="0"/>
-              <a:t>Тег </a:t>
-            </a:r>
-            <a:r>
-              <a:rPr lang="en-US" sz="2400" b="1" dirty="0"/>
-              <a:t>canvas </a:t>
-            </a:r>
-            <a:r>
-              <a:rPr lang="ru-RU" sz="2400" dirty="0"/>
-              <a:t>– представляет собой «</a:t>
-            </a:r>
-            <a:r>
-              <a:rPr lang="ru-RU" sz="2400" b="1" dirty="0"/>
-              <a:t>холст</a:t>
-            </a:r>
-            <a:r>
-              <a:rPr lang="ru-RU" sz="2400" dirty="0"/>
-              <a:t>», прямоугольную область в которой можно рисовать.</a:t>
-            </a:r>
-            <a:r>
-              <a:rPr lang="ru-RU" sz="2400" b="1" dirty="0"/>
-              <a:t> Контекст</a:t>
-            </a:r>
-            <a:r>
-              <a:rPr lang="ru-RU" sz="2400" dirty="0"/>
+              <a:rPr lang="ru-RU" sz="2800" dirty="0"/>
+              <a:t>Рисование на </a:t>
+            </a:r>
+            <a:r>
+              <a:rPr lang="en-US" sz="2800" b="1" dirty="0"/>
+              <a:t>canvas’</a:t>
+            </a:r>
+            <a:r>
+              <a:rPr lang="ru-RU" sz="2800" dirty="0"/>
+              <a:t>е основано на </a:t>
+            </a:r>
+            <a:r>
+              <a:rPr lang="ru-RU" sz="2800" dirty="0" err="1"/>
+              <a:t>отрисовке</a:t>
+            </a:r>
+            <a:r>
+              <a:rPr lang="ru-RU" sz="2800" dirty="0"/>
+              <a:t> примитивов.</a:t>
+            </a:r>
+            <a:endParaRPr lang="en-US" sz="2800" dirty="0"/>
+          </a:p>
+          <a:p>
+            <a:endParaRPr lang="ru-RU" sz="2800" dirty="0"/>
+          </a:p>
+          <a:p>
+            <a:pPr marL="457200" indent="-457200">
+              <a:buAutoNum type="arabicParenR"/>
+            </a:pPr>
+            <a:r>
+              <a:rPr lang="ru-RU" sz="2800" dirty="0"/>
+              <a:t>Штриховых (контурных фигур) – в названии</a:t>
+            </a:r>
+            <a:r>
+              <a:rPr lang="en-US" sz="2800" dirty="0"/>
               <a:t> </a:t>
             </a:r>
             <a:r>
-              <a:rPr lang="en-US" sz="2400" b="1" dirty="0" err="1"/>
-              <a:t>canvas’a</a:t>
-            </a:r>
-            <a:r>
-              <a:rPr lang="ru-RU" sz="2400" dirty="0"/>
-              <a:t> – объект который содержит множество методов для рисования на «</a:t>
-            </a:r>
-            <a:r>
-              <a:rPr lang="ru-RU" sz="2400" b="1" dirty="0"/>
-              <a:t>холсте</a:t>
-            </a:r>
-            <a:r>
-              <a:rPr lang="ru-RU" sz="2400" dirty="0"/>
-              <a:t>». </a:t>
+              <a:rPr lang="ru-RU" sz="2800" dirty="0"/>
+              <a:t>методов и свойств есть слово </a:t>
+            </a:r>
+            <a:r>
+              <a:rPr lang="en-US" sz="2800" b="1" dirty="0"/>
+              <a:t>stroke</a:t>
+            </a:r>
+            <a:r>
+              <a:rPr lang="ru-RU" sz="2800" dirty="0"/>
+              <a:t>;</a:t>
+            </a:r>
+            <a:endParaRPr lang="en-US" sz="2800" dirty="0"/>
+          </a:p>
+          <a:p>
+            <a:pPr marL="457200" indent="-457200">
+              <a:buAutoNum type="arabicParenR"/>
+            </a:pPr>
+            <a:endParaRPr lang="en-US" sz="2800" dirty="0"/>
+          </a:p>
+          <a:p>
+            <a:pPr marL="457200" indent="-457200">
+              <a:buAutoNum type="arabicParenR"/>
+            </a:pPr>
+            <a:r>
+              <a:rPr lang="ru-RU" sz="2800" dirty="0"/>
+              <a:t>Заполненных фигур, в названии методов и свойств есть слово </a:t>
+            </a:r>
+            <a:r>
+              <a:rPr lang="en-US" sz="2800" b="1" dirty="0"/>
+              <a:t>fill</a:t>
+            </a:r>
+            <a:r>
+              <a:rPr lang="ru-RU" sz="2800" dirty="0"/>
+              <a:t>;</a:t>
+            </a:r>
+            <a:endParaRPr lang="en-US" sz="2800" dirty="0"/>
+          </a:p>
+          <a:p>
+            <a:pPr marL="457200" indent="-457200">
+              <a:buAutoNum type="arabicParenR"/>
+            </a:pPr>
+            <a:endParaRPr lang="en-US" sz="2800" dirty="0"/>
+          </a:p>
+          <a:p>
+            <a:pPr marL="457200" indent="-457200">
+              <a:buAutoNum type="arabicParenR"/>
+            </a:pPr>
+            <a:r>
+              <a:rPr lang="ru-RU" sz="2800" dirty="0"/>
+              <a:t>Наложении спецэффектов (тени, развороты, искажения и т.п.).</a:t>
             </a:r>
           </a:p>
         </p:txBody>
       </p:sp>
       <p:pic>
         <p:nvPicPr>
-          <p:cNvPr id="3" name="Рисунок 2"/>
+          <p:cNvPr id="3074" name="Picture 2"/>
           <p:cNvPicPr>
-            <a:picLocks noChangeAspect="1"/>
+            <a:picLocks noChangeAspect="1" noChangeArrowheads="1"/>
           </p:cNvPicPr>
           <p:nvPr/>
         </p:nvPicPr>
         <p:blipFill>
-          <a:blip r:embed="rId2"/>
+          <a:blip r:embed="rId2" cstate="print"/>
+          <a:srcRect/>
           <a:stretch>
             <a:fillRect/>
           </a:stretch>
         </p:blipFill>
-        <p:spPr>
-          <a:xfrm>
-            <a:off x="2105195" y="1033572"/>
-            <a:ext cx="8125625" cy="3456384"/>
-          </a:xfrm>
-          <a:prstGeom prst="rect">
-            <a:avLst/>
-          </a:prstGeom>
-          <a:ln>
-            <a:solidFill>
-              <a:schemeClr val="bg1">
-                <a:lumMod val="85000"/>
-              </a:schemeClr>
-            </a:solidFill>
+        <p:spPr bwMode="auto">
+          <a:xfrm>
+            <a:off x="9015164" y="1628801"/>
+            <a:ext cx="1257300" cy="1381125"/>
+          </a:xfrm>
+          <a:prstGeom prst="rect">
+            <a:avLst/>
+          </a:prstGeom>
+          <a:noFill/>
+          <a:ln w="9525">
+            <a:noFill/>
+            <a:miter lim="800000"/>
+            <a:headEnd/>
+            <a:tailEnd/>
           </a:ln>
-          <a:effectLst>
-            <a:outerShdw blurRad="292100" dist="139700" dir="2700000" algn="tl" rotWithShape="0">
-              <a:srgbClr val="333333">
-                <a:alpha val="65000"/>
-              </a:srgbClr>
-            </a:outerShdw>
-          </a:effectLst>
+        </p:spPr>
+      </p:pic>
+      <p:pic>
+        <p:nvPicPr>
+          <p:cNvPr id="3075" name="Picture 3"/>
+          <p:cNvPicPr>
+            <a:picLocks noChangeAspect="1" noChangeArrowheads="1"/>
+          </p:cNvPicPr>
+          <p:nvPr/>
+        </p:nvPicPr>
+        <p:blipFill>
+          <a:blip r:embed="rId3" cstate="print"/>
+          <a:srcRect/>
+          <a:stretch>
+            <a:fillRect/>
+          </a:stretch>
+        </p:blipFill>
+        <p:spPr bwMode="auto">
+          <a:xfrm>
+            <a:off x="9038042" y="2996952"/>
+            <a:ext cx="1234423" cy="1368152"/>
+          </a:xfrm>
+          <a:prstGeom prst="rect">
+            <a:avLst/>
+          </a:prstGeom>
+          <a:noFill/>
+          <a:ln w="9525">
+            <a:noFill/>
+            <a:miter lim="800000"/>
+            <a:headEnd/>
+            <a:tailEnd/>
+          </a:ln>
+        </p:spPr>
+      </p:pic>
+      <p:pic>
+        <p:nvPicPr>
+          <p:cNvPr id="3077" name="Picture 5"/>
+          <p:cNvPicPr>
+            <a:picLocks noChangeAspect="1" noChangeArrowheads="1"/>
+          </p:cNvPicPr>
+          <p:nvPr/>
+        </p:nvPicPr>
+        <p:blipFill>
+          <a:blip r:embed="rId4" cstate="print"/>
+          <a:srcRect/>
+          <a:stretch>
+            <a:fillRect/>
+          </a:stretch>
+        </p:blipFill>
+        <p:spPr bwMode="auto">
+          <a:xfrm>
+            <a:off x="8919914" y="4293097"/>
+            <a:ext cx="1352550" cy="1476375"/>
+          </a:xfrm>
+          <a:prstGeom prst="rect">
+            <a:avLst/>
+          </a:prstGeom>
+          <a:noFill/>
+          <a:ln w="9525">
+            <a:noFill/>
+            <a:miter lim="800000"/>
+            <a:headEnd/>
+            <a:tailEnd/>
+          </a:ln>
         </p:spPr>
       </p:pic>
     </p:spTree>
     <p:extLst>
       <p:ext uri="{BB962C8B-B14F-4D97-AF65-F5344CB8AC3E}">
-        <p14:creationId xmlns:p14="http://schemas.microsoft.com/office/powerpoint/2010/main" val="344343635"/>
+        <p14:creationId xmlns:p14="http://schemas.microsoft.com/office/powerpoint/2010/main" val="229808334"/>
       </p:ext>
     </p:extLst>
   </p:cSld>
@@ -10476,7 +10380,7 @@
         </p:nvSpPr>
         <p:spPr>
           <a:xfrm>
-            <a:off x="11208568" y="6092136"/>
+            <a:off x="11208568" y="6176342"/>
             <a:ext cx="648072" cy="432048"/>
           </a:xfrm>
           <a:prstGeom prst="roundRect">
@@ -10578,8 +10482,8 @@
         </p:nvSpPr>
         <p:spPr>
           <a:xfrm>
-            <a:off x="1991544" y="1046341"/>
-            <a:ext cx="6408712" cy="5262979"/>
+            <a:off x="1991544" y="1052736"/>
+            <a:ext cx="5472608" cy="1815882"/>
           </a:xfrm>
           <a:prstGeom prst="rect">
             <a:avLst/>
@@ -10594,99 +10498,100 @@
           <a:p>
             <a:r>
               <a:rPr lang="ru-RU" sz="2800" dirty="0"/>
-              <a:t>Рисование на </a:t>
+              <a:t>Примитивы можно рисовать при помощи функций-заготовок: прямоугольник (</a:t>
+            </a:r>
+            <a:r>
+              <a:rPr lang="en-US" sz="2800" b="1" dirty="0" err="1"/>
+              <a:t>rect</a:t>
             </a:r>
             <a:r>
               <a:rPr lang="en-US" sz="2800" b="1" dirty="0"/>
-              <a:t>canvas’</a:t>
+              <a:t>()</a:t>
             </a:r>
             <a:r>
               <a:rPr lang="ru-RU" sz="2800" dirty="0"/>
-              <a:t>е основано на </a:t>
-            </a:r>
-            <a:r>
-              <a:rPr lang="ru-RU" sz="2800" dirty="0" err="1"/>
-              <a:t>отрисовке</a:t>
+              <a:t>), эллипс</a:t>
+            </a:r>
+            <a:r>
+              <a:rPr lang="en-US" sz="2800" dirty="0"/>
+              <a:t> (</a:t>
+            </a:r>
+            <a:r>
+              <a:rPr lang="en-US" sz="2800" b="1" dirty="0"/>
+              <a:t>ellipse()</a:t>
+            </a:r>
+            <a:r>
+              <a:rPr lang="en-US" sz="2800" dirty="0"/>
+              <a:t>)</a:t>
             </a:r>
             <a:r>
               <a:rPr lang="ru-RU" sz="2800" dirty="0"/>
-              <a:t> примитивов.</a:t>
-            </a:r>
-            <a:endParaRPr lang="en-US" sz="2800" dirty="0"/>
-          </a:p>
-          <a:p>
+              <a:t> и т.п. </a:t>
+            </a:r>
+          </a:p>
+        </p:txBody>
+      </p:sp>
+      <p:sp>
+        <p:nvSpPr>
+          <p:cNvPr id="8" name="TextBox 7"/>
+          <p:cNvSpPr txBox="1"/>
+          <p:nvPr/>
+        </p:nvSpPr>
+        <p:spPr>
+          <a:xfrm>
+            <a:off x="1991544" y="3068960"/>
+            <a:ext cx="5400600" cy="3108543"/>
+          </a:xfrm>
+          <a:prstGeom prst="rect">
+            <a:avLst/>
+          </a:prstGeom>
+          <a:noFill/>
+        </p:spPr>
+        <p:txBody>
+          <a:bodyPr wrap="square" rtlCol="0">
+            <a:spAutoFit/>
+          </a:bodyPr>
+          <a:lstStyle/>
+          <a:p>
+            <a:r>
+              <a:rPr lang="ru-RU" sz="2800" dirty="0"/>
+              <a:t>Либо самостоятельно задав контур фигуры состоящей из множества линий. Для этого есть функции </a:t>
+            </a:r>
+            <a:r>
+              <a:rPr lang="en-US" sz="2800" b="1" dirty="0" err="1"/>
+              <a:t>beginPath</a:t>
+            </a:r>
+            <a:r>
+              <a:rPr lang="en-US" sz="2800" b="1" dirty="0"/>
+              <a:t>() </a:t>
+            </a:r>
+            <a:r>
+              <a:rPr lang="ru-RU" sz="2800" dirty="0"/>
+              <a:t>и </a:t>
+            </a:r>
+            <a:r>
+              <a:rPr lang="en-US" sz="2800" b="1" dirty="0" err="1"/>
+              <a:t>closePath</a:t>
+            </a:r>
+            <a:r>
+              <a:rPr lang="en-US" sz="2800" b="1" dirty="0"/>
+              <a:t>() </a:t>
+            </a:r>
+            <a:r>
+              <a:rPr lang="ru-RU" sz="2800" dirty="0"/>
+              <a:t>– для случаев когда нужно замкнуть контур (между первой и последней точкой фигуры)</a:t>
+            </a:r>
+            <a:r>
+              <a:rPr lang="en-US" sz="2800" dirty="0"/>
+              <a:t>.</a:t>
+            </a:r>
             <a:endParaRPr lang="ru-RU" sz="2800" dirty="0"/>
-          </a:p>
-          <a:p>
-            <a:pPr marL="457200" indent="-457200">
-              <a:buAutoNum type="arabicParenR"/>
-            </a:pPr>
-            <a:r>
-              <a:rPr lang="ru-RU" sz="2800" dirty="0"/>
-              <a:t>Штриховых (контурных фигур) – в названии</a:t>
-            </a:r>
-            <a:r>
-              <a:rPr lang="en-US" sz="2800" dirty="0"/>
-              <a:t> </a:t>
-            </a:r>
-            <a:r>
-              <a:rPr lang="ru-RU" sz="2800" dirty="0"/>
-              <a:t>методов и свойств есть слово </a:t>
-            </a:r>
-            <a:r>
-              <a:rPr lang="en-US" sz="2800" b="1" dirty="0"/>
-              <a:t>stroke</a:t>
-            </a:r>
-            <a:r>
-              <a:rPr lang="ru-RU" sz="2800" dirty="0"/>
-              <a:t>;</a:t>
-            </a:r>
-            <a:endParaRPr lang="en-US" sz="2800" dirty="0"/>
-          </a:p>
-          <a:p>
-            <a:pPr marL="457200" indent="-457200">
-              <a:buAutoNum type="arabicParenR"/>
-            </a:pPr>
-            <a:endParaRPr lang="en-US" sz="2800" dirty="0"/>
-          </a:p>
-          <a:p>
-            <a:pPr marL="457200" indent="-457200">
-              <a:buAutoNum type="arabicParenR"/>
-            </a:pPr>
-            <a:r>
-              <a:rPr lang="ru-RU" sz="2800" dirty="0"/>
-              <a:t>Заполненных фигур, в названии методов и свойств есть слово </a:t>
-            </a:r>
-            <a:r>
-              <a:rPr lang="en-US" sz="2800" b="1" dirty="0"/>
-              <a:t>fill</a:t>
-            </a:r>
-            <a:r>
-              <a:rPr lang="ru-RU" sz="2800" dirty="0"/>
-              <a:t>;</a:t>
-            </a:r>
-            <a:endParaRPr lang="en-US" sz="2800" dirty="0"/>
-          </a:p>
-          <a:p>
-            <a:pPr marL="457200" indent="-457200">
-              <a:buAutoNum type="arabicParenR"/>
-            </a:pPr>
-            <a:endParaRPr lang="en-US" sz="2800" dirty="0"/>
-          </a:p>
-          <a:p>
-            <a:pPr marL="457200" indent="-457200">
-              <a:buAutoNum type="arabicParenR"/>
-            </a:pPr>
-            <a:r>
-              <a:rPr lang="ru-RU" sz="2800" dirty="0"/>
-              <a:t>Наложении спецэффектов (тени, развороты, искажения и т.п.).</a:t>
-            </a:r>
           </a:p>
         </p:txBody>
       </p:sp>
       <p:pic>
         <p:nvPicPr>
-          <p:cNvPr id="3074" name="Picture 2"/>
+          <p:cNvPr id="1026" name="Picture 2"/>
           <p:cNvPicPr>
             <a:picLocks noChangeAspect="1" noChangeArrowheads="1"/>
           </p:cNvPicPr>
@@ -10694,31 +10599,38 @@
         </p:nvPicPr>
         <p:blipFill>
           <a:blip r:embed="rId2" cstate="print"/>
-          <a:srcRect/>
+          <a:srcRect l="9508" r="22582"/>
           <a:stretch>
             <a:fillRect/>
           </a:stretch>
         </p:blipFill>
         <p:spPr bwMode="auto">
           <a:xfrm>
-            <a:off x="9015164" y="1628801"/>
-            <a:ext cx="1257300" cy="1381125"/>
-          </a:xfrm>
-          <a:prstGeom prst="rect">
-            <a:avLst/>
-          </a:prstGeom>
-          <a:noFill/>
-          <a:ln w="9525">
-            <a:noFill/>
-            <a:miter lim="800000"/>
-            <a:headEnd/>
-            <a:tailEnd/>
+            <a:off x="8431540" y="3140968"/>
+            <a:ext cx="2056948" cy="1381137"/>
+          </a:xfrm>
+          <a:prstGeom prst="rect">
+            <a:avLst/>
+          </a:prstGeom>
+          <a:ln>
+            <a:solidFill>
+              <a:schemeClr val="bg1">
+                <a:lumMod val="85000"/>
+              </a:schemeClr>
+            </a:solidFill>
           </a:ln>
+          <a:effectLst>
+            <a:outerShdw blurRad="292100" dist="139700" dir="2700000" algn="tl" rotWithShape="0">
+              <a:srgbClr val="333333">
+                <a:alpha val="65000"/>
+              </a:srgbClr>
+            </a:outerShdw>
+          </a:effectLst>
         </p:spPr>
       </p:pic>
       <p:pic>
         <p:nvPicPr>
-          <p:cNvPr id="3075" name="Picture 3"/>
+          <p:cNvPr id="1027" name="Picture 3"/>
           <p:cNvPicPr>
             <a:picLocks noChangeAspect="1" noChangeArrowheads="1"/>
           </p:cNvPicPr>
@@ -10733,24 +10645,31 @@
         </p:blipFill>
         <p:spPr bwMode="auto">
           <a:xfrm>
-            <a:off x="9038042" y="2996952"/>
-            <a:ext cx="1234423" cy="1368152"/>
-          </a:xfrm>
-          <a:prstGeom prst="rect">
-            <a:avLst/>
-          </a:prstGeom>
-          <a:noFill/>
-          <a:ln w="9525">
-            <a:noFill/>
-            <a:miter lim="800000"/>
-            <a:headEnd/>
-            <a:tailEnd/>
+            <a:off x="8431540" y="5176319"/>
+            <a:ext cx="2056948" cy="746196"/>
+          </a:xfrm>
+          <a:prstGeom prst="rect">
+            <a:avLst/>
+          </a:prstGeom>
+          <a:ln>
+            <a:solidFill>
+              <a:schemeClr val="bg1">
+                <a:lumMod val="85000"/>
+              </a:schemeClr>
+            </a:solidFill>
           </a:ln>
+          <a:effectLst>
+            <a:outerShdw blurRad="292100" dist="139700" dir="2700000" algn="tl" rotWithShape="0">
+              <a:srgbClr val="333333">
+                <a:alpha val="65000"/>
+              </a:srgbClr>
+            </a:outerShdw>
+          </a:effectLst>
         </p:spPr>
       </p:pic>
       <p:pic>
         <p:nvPicPr>
-          <p:cNvPr id="3077" name="Picture 5"/>
+          <p:cNvPr id="1028" name="Picture 4"/>
           <p:cNvPicPr>
             <a:picLocks noChangeAspect="1" noChangeArrowheads="1"/>
           </p:cNvPicPr>
@@ -10765,25 +10684,32 @@
         </p:blipFill>
         <p:spPr bwMode="auto">
           <a:xfrm>
-            <a:off x="8919914" y="4293097"/>
-            <a:ext cx="1352550" cy="1476375"/>
-          </a:xfrm>
-          <a:prstGeom prst="rect">
-            <a:avLst/>
-          </a:prstGeom>
-          <a:noFill/>
-          <a:ln w="9525">
-            <a:noFill/>
-            <a:miter lim="800000"/>
-            <a:headEnd/>
-            <a:tailEnd/>
+            <a:off x="8465630" y="892927"/>
+            <a:ext cx="2022858" cy="1888001"/>
+          </a:xfrm>
+          <a:prstGeom prst="rect">
+            <a:avLst/>
+          </a:prstGeom>
+          <a:ln>
+            <a:solidFill>
+              <a:schemeClr val="bg1">
+                <a:lumMod val="85000"/>
+              </a:schemeClr>
+            </a:solidFill>
           </a:ln>
+          <a:effectLst>
+            <a:outerShdw blurRad="292100" dist="139700" dir="2700000" algn="tl" rotWithShape="0">
+              <a:srgbClr val="333333">
+                <a:alpha val="65000"/>
+              </a:srgbClr>
+            </a:outerShdw>
+          </a:effectLst>
         </p:spPr>
       </p:pic>
     </p:spTree>
     <p:extLst>
       <p:ext uri="{BB962C8B-B14F-4D97-AF65-F5344CB8AC3E}">
-        <p14:creationId xmlns:p14="http://schemas.microsoft.com/office/powerpoint/2010/main" val="229808334"/>
+        <p14:creationId xmlns:p14="http://schemas.microsoft.com/office/powerpoint/2010/main" val="3220366367"/>
       </p:ext>
     </p:extLst>
   </p:cSld>
@@ -10820,7 +10746,7 @@
         </p:nvSpPr>
         <p:spPr>
           <a:xfrm>
-            <a:off x="11208568" y="6176342"/>
+            <a:off x="11208568" y="6165304"/>
             <a:ext cx="648072" cy="432048"/>
           </a:xfrm>
           <a:prstGeom prst="roundRect">
@@ -10888,8 +10814,8 @@
         </p:nvSpPr>
         <p:spPr>
           <a:xfrm>
-            <a:off x="3896745" y="188640"/>
-            <a:ext cx="4542526" cy="523220"/>
+            <a:off x="4248666" y="44624"/>
+            <a:ext cx="3863558" cy="523220"/>
           </a:xfrm>
           <a:prstGeom prst="rect">
             <a:avLst/>
@@ -10904,134 +10830,22 @@
           <a:p>
             <a:r>
               <a:rPr lang="ru-RU" sz="2800" b="1" dirty="0"/>
-              <a:t>Рисование, Графика</a:t>
-            </a:r>
-            <a:r>
-              <a:rPr lang="en-US" sz="2800" b="1" dirty="0"/>
-              <a:t>, Canvas</a:t>
-            </a:r>
-            <a:endParaRPr lang="ru-RU" sz="2800" b="1" dirty="0"/>
-          </a:p>
-        </p:txBody>
-      </p:sp>
-      <p:sp>
-        <p:nvSpPr>
-          <p:cNvPr id="7" name="TextBox 6"/>
-          <p:cNvSpPr txBox="1"/>
-          <p:nvPr/>
-        </p:nvSpPr>
-        <p:spPr>
-          <a:xfrm>
-            <a:off x="1991544" y="1052736"/>
-            <a:ext cx="5472608" cy="1815882"/>
-          </a:xfrm>
-          <a:prstGeom prst="rect">
-            <a:avLst/>
-          </a:prstGeom>
-          <a:noFill/>
-        </p:spPr>
-        <p:txBody>
-          <a:bodyPr wrap="square" rtlCol="0">
-            <a:spAutoFit/>
-          </a:bodyPr>
-          <a:lstStyle/>
-          <a:p>
-            <a:r>
-              <a:rPr lang="ru-RU" sz="2800" dirty="0"/>
-              <a:t>Примитивы можно рисовать при помощи функций-заготовок: прямоугольник (</a:t>
-            </a:r>
-            <a:r>
-              <a:rPr lang="en-US" sz="2800" b="1" dirty="0" err="1"/>
-              <a:t>rect</a:t>
-            </a:r>
-            <a:r>
-              <a:rPr lang="en-US" sz="2800" b="1" dirty="0"/>
-              <a:t>()</a:t>
-            </a:r>
-            <a:r>
-              <a:rPr lang="ru-RU" sz="2800" dirty="0"/>
-              <a:t>), эллипс</a:t>
-            </a:r>
-            <a:r>
-              <a:rPr lang="en-US" sz="2800" dirty="0"/>
-              <a:t> (</a:t>
-            </a:r>
-            <a:r>
-              <a:rPr lang="en-US" sz="2800" b="1" dirty="0"/>
-              <a:t>ellipse()</a:t>
-            </a:r>
-            <a:r>
-              <a:rPr lang="en-US" sz="2800" dirty="0"/>
-              <a:t>)</a:t>
-            </a:r>
-            <a:r>
-              <a:rPr lang="ru-RU" sz="2800" dirty="0"/>
-              <a:t> и т.п. </a:t>
-            </a:r>
-          </a:p>
-        </p:txBody>
-      </p:sp>
-      <p:sp>
-        <p:nvSpPr>
-          <p:cNvPr id="8" name="TextBox 7"/>
-          <p:cNvSpPr txBox="1"/>
-          <p:nvPr/>
-        </p:nvSpPr>
-        <p:spPr>
-          <a:xfrm>
-            <a:off x="1991544" y="3068960"/>
-            <a:ext cx="5400600" cy="3108543"/>
-          </a:xfrm>
-          <a:prstGeom prst="rect">
-            <a:avLst/>
-          </a:prstGeom>
-          <a:noFill/>
-        </p:spPr>
-        <p:txBody>
-          <a:bodyPr wrap="square" rtlCol="0">
-            <a:spAutoFit/>
-          </a:bodyPr>
-          <a:lstStyle/>
-          <a:p>
-            <a:r>
-              <a:rPr lang="ru-RU" sz="2800" dirty="0"/>
-              <a:t>Либо самостоятельно задав контур фигуры состоящей из множества линий. Для этого есть функции </a:t>
-            </a:r>
-            <a:r>
-              <a:rPr lang="en-US" sz="2800" b="1" dirty="0" err="1"/>
-              <a:t>beginPath</a:t>
-            </a:r>
-            <a:r>
-              <a:rPr lang="en-US" sz="2800" b="1" dirty="0"/>
-              <a:t>() </a:t>
-            </a:r>
-            <a:r>
-              <a:rPr lang="ru-RU" sz="2800" dirty="0"/>
-              <a:t>и </a:t>
-            </a:r>
-            <a:r>
-              <a:rPr lang="en-US" sz="2800" b="1" dirty="0" err="1"/>
-              <a:t>closePath</a:t>
-            </a:r>
-            <a:r>
-              <a:rPr lang="en-US" sz="2800" b="1" dirty="0"/>
-              <a:t>() </a:t>
-            </a:r>
-            <a:r>
-              <a:rPr lang="ru-RU" sz="2800" dirty="0"/>
-              <a:t>– для случаев когда нужно замкнуть контур (между первой и последней точкой фигуры)</a:t>
-            </a:r>
-            <a:r>
-              <a:rPr lang="en-US" sz="2800" dirty="0"/>
-              <a:t>.</a:t>
-            </a:r>
-            <a:endParaRPr lang="ru-RU" sz="2800" dirty="0"/>
+              <a:t>Рисование</a:t>
+            </a:r>
+            <a:r>
+              <a:rPr lang="uk-UA" sz="2800" b="1" dirty="0"/>
+              <a:t> </a:t>
+            </a:r>
+            <a:r>
+              <a:rPr lang="ru-RU" sz="2800" b="1" dirty="0"/>
+              <a:t>примитивов</a:t>
+            </a:r>
           </a:p>
         </p:txBody>
       </p:sp>
       <p:pic>
         <p:nvPicPr>
-          <p:cNvPr id="1026" name="Picture 2"/>
+          <p:cNvPr id="3074" name="Picture 2"/>
           <p:cNvPicPr>
             <a:picLocks noChangeAspect="1" noChangeArrowheads="1"/>
           </p:cNvPicPr>
@@ -11039,15 +10853,15 @@
         </p:nvPicPr>
         <p:blipFill>
           <a:blip r:embed="rId2" cstate="print"/>
-          <a:srcRect l="9508" r="22582"/>
+          <a:srcRect/>
           <a:stretch>
             <a:fillRect/>
           </a:stretch>
         </p:blipFill>
         <p:spPr bwMode="auto">
           <a:xfrm>
-            <a:off x="8431540" y="3140968"/>
-            <a:ext cx="2056948" cy="1381137"/>
+            <a:off x="1847528" y="666006"/>
+            <a:ext cx="3600401" cy="1685294"/>
           </a:xfrm>
           <a:prstGeom prst="rect">
             <a:avLst/>
@@ -11070,7 +10884,7 @@
       </p:pic>
       <p:pic>
         <p:nvPicPr>
-          <p:cNvPr id="1027" name="Picture 3"/>
+          <p:cNvPr id="3075" name="Picture 3"/>
           <p:cNvPicPr>
             <a:picLocks noChangeAspect="1" noChangeArrowheads="1"/>
           </p:cNvPicPr>
@@ -11085,8 +10899,8 @@
         </p:blipFill>
         <p:spPr bwMode="auto">
           <a:xfrm>
-            <a:off x="8431540" y="5176319"/>
-            <a:ext cx="2056948" cy="746196"/>
+            <a:off x="6634045" y="679351"/>
+            <a:ext cx="3267075" cy="1440160"/>
           </a:xfrm>
           <a:prstGeom prst="rect">
             <a:avLst/>
@@ -11109,7 +10923,7 @@
       </p:pic>
       <p:pic>
         <p:nvPicPr>
-          <p:cNvPr id="1028" name="Picture 4"/>
+          <p:cNvPr id="3076" name="Picture 4"/>
           <p:cNvPicPr>
             <a:picLocks noChangeAspect="1" noChangeArrowheads="1"/>
           </p:cNvPicPr>
@@ -11124,8 +10938,8 @@
         </p:blipFill>
         <p:spPr bwMode="auto">
           <a:xfrm>
-            <a:off x="8465630" y="892927"/>
-            <a:ext cx="2022858" cy="1888001"/>
+            <a:off x="1847528" y="2528452"/>
+            <a:ext cx="3589703" cy="2340708"/>
           </a:xfrm>
           <a:prstGeom prst="rect">
             <a:avLst/>
@@ -11146,10 +10960,240 @@
           </a:effectLst>
         </p:spPr>
       </p:pic>
+      <p:sp>
+        <p:nvSpPr>
+          <p:cNvPr id="10" name="Стрелка вправо 9"/>
+          <p:cNvSpPr/>
+          <p:nvPr/>
+        </p:nvSpPr>
+        <p:spPr>
+          <a:xfrm>
+            <a:off x="5783610" y="3356992"/>
+            <a:ext cx="504056" cy="504056"/>
+          </a:xfrm>
+          <a:prstGeom prst="rightArrow">
+            <a:avLst/>
+          </a:prstGeom>
+          <a:noFill/>
+        </p:spPr>
+        <p:style>
+          <a:lnRef idx="2">
+            <a:schemeClr val="accent1">
+              <a:shade val="50000"/>
+            </a:schemeClr>
+          </a:lnRef>
+          <a:fillRef idx="1">
+            <a:schemeClr val="accent1"/>
+          </a:fillRef>
+          <a:effectRef idx="0">
+            <a:schemeClr val="accent1"/>
+          </a:effectRef>
+          <a:fontRef idx="minor">
+            <a:schemeClr val="lt1"/>
+          </a:fontRef>
+        </p:style>
+        <p:txBody>
+          <a:bodyPr rtlCol="0" anchor="ctr"/>
+          <a:lstStyle/>
+          <a:p>
+            <a:pPr algn="ctr"/>
+            <a:endParaRPr lang="ru-RU"/>
+          </a:p>
+        </p:txBody>
+      </p:sp>
+      <p:sp>
+        <p:nvSpPr>
+          <p:cNvPr id="11" name="Стрелка вправо 10"/>
+          <p:cNvSpPr/>
+          <p:nvPr/>
+        </p:nvSpPr>
+        <p:spPr>
+          <a:xfrm>
+            <a:off x="5758606" y="1147403"/>
+            <a:ext cx="504056" cy="504056"/>
+          </a:xfrm>
+          <a:prstGeom prst="rightArrow">
+            <a:avLst/>
+          </a:prstGeom>
+          <a:noFill/>
+        </p:spPr>
+        <p:style>
+          <a:lnRef idx="2">
+            <a:schemeClr val="accent1">
+              <a:shade val="50000"/>
+            </a:schemeClr>
+          </a:lnRef>
+          <a:fillRef idx="1">
+            <a:schemeClr val="accent1"/>
+          </a:fillRef>
+          <a:effectRef idx="0">
+            <a:schemeClr val="accent1"/>
+          </a:effectRef>
+          <a:fontRef idx="minor">
+            <a:schemeClr val="lt1"/>
+          </a:fontRef>
+        </p:style>
+        <p:txBody>
+          <a:bodyPr rtlCol="0" anchor="ctr"/>
+          <a:lstStyle/>
+          <a:p>
+            <a:pPr algn="ctr"/>
+            <a:endParaRPr lang="ru-RU"/>
+          </a:p>
+        </p:txBody>
+      </p:sp>
+      <p:pic>
+        <p:nvPicPr>
+          <p:cNvPr id="3077" name="Picture 5"/>
+          <p:cNvPicPr>
+            <a:picLocks noChangeAspect="1" noChangeArrowheads="1"/>
+          </p:cNvPicPr>
+          <p:nvPr/>
+        </p:nvPicPr>
+        <p:blipFill>
+          <a:blip r:embed="rId5" cstate="print"/>
+          <a:srcRect/>
+          <a:stretch>
+            <a:fillRect/>
+          </a:stretch>
+        </p:blipFill>
+        <p:spPr bwMode="auto">
+          <a:xfrm>
+            <a:off x="6634045" y="2348880"/>
+            <a:ext cx="3267075" cy="2552328"/>
+          </a:xfrm>
+          <a:prstGeom prst="rect">
+            <a:avLst/>
+          </a:prstGeom>
+          <a:noFill/>
+          <a:ln w="28575">
+            <a:solidFill>
+              <a:srgbClr val="FFC000"/>
+            </a:solidFill>
+            <a:miter lim="800000"/>
+            <a:headEnd/>
+            <a:tailEnd/>
+          </a:ln>
+        </p:spPr>
+      </p:pic>
+      <p:pic>
+        <p:nvPicPr>
+          <p:cNvPr id="3078" name="Picture 6"/>
+          <p:cNvPicPr>
+            <a:picLocks noChangeAspect="1" noChangeArrowheads="1"/>
+          </p:cNvPicPr>
+          <p:nvPr/>
+        </p:nvPicPr>
+        <p:blipFill>
+          <a:blip r:embed="rId6" cstate="print"/>
+          <a:srcRect/>
+          <a:stretch>
+            <a:fillRect/>
+          </a:stretch>
+        </p:blipFill>
+        <p:spPr bwMode="auto">
+          <a:xfrm>
+            <a:off x="1847530" y="5122078"/>
+            <a:ext cx="3589702" cy="1315655"/>
+          </a:xfrm>
+          <a:prstGeom prst="rect">
+            <a:avLst/>
+          </a:prstGeom>
+          <a:ln>
+            <a:solidFill>
+              <a:schemeClr val="bg1">
+                <a:lumMod val="85000"/>
+              </a:schemeClr>
+            </a:solidFill>
+          </a:ln>
+          <a:effectLst>
+            <a:outerShdw blurRad="292100" dist="139700" dir="2700000" algn="tl" rotWithShape="0">
+              <a:srgbClr val="333333">
+                <a:alpha val="65000"/>
+              </a:srgbClr>
+            </a:outerShdw>
+          </a:effectLst>
+        </p:spPr>
+      </p:pic>
+      <p:sp>
+        <p:nvSpPr>
+          <p:cNvPr id="14" name="Стрелка вправо 13"/>
+          <p:cNvSpPr/>
+          <p:nvPr/>
+        </p:nvSpPr>
+        <p:spPr>
+          <a:xfrm>
+            <a:off x="5735960" y="5445224"/>
+            <a:ext cx="504056" cy="504056"/>
+          </a:xfrm>
+          <a:prstGeom prst="rightArrow">
+            <a:avLst/>
+          </a:prstGeom>
+          <a:noFill/>
+        </p:spPr>
+        <p:style>
+          <a:lnRef idx="2">
+            <a:schemeClr val="accent1">
+              <a:shade val="50000"/>
+            </a:schemeClr>
+          </a:lnRef>
+          <a:fillRef idx="1">
+            <a:schemeClr val="accent1"/>
+          </a:fillRef>
+          <a:effectRef idx="0">
+            <a:schemeClr val="accent1"/>
+          </a:effectRef>
+          <a:fontRef idx="minor">
+            <a:schemeClr val="lt1"/>
+          </a:fontRef>
+        </p:style>
+        <p:txBody>
+          <a:bodyPr rtlCol="0" anchor="ctr"/>
+          <a:lstStyle/>
+          <a:p>
+            <a:pPr algn="ctr"/>
+            <a:endParaRPr lang="ru-RU"/>
+          </a:p>
+        </p:txBody>
+      </p:sp>
+      <p:pic>
+        <p:nvPicPr>
+          <p:cNvPr id="3079" name="Picture 7"/>
+          <p:cNvPicPr>
+            <a:picLocks noChangeAspect="1" noChangeArrowheads="1"/>
+          </p:cNvPicPr>
+          <p:nvPr/>
+        </p:nvPicPr>
+        <p:blipFill>
+          <a:blip r:embed="rId7" cstate="print"/>
+          <a:srcRect/>
+          <a:stretch>
+            <a:fillRect/>
+          </a:stretch>
+        </p:blipFill>
+        <p:spPr bwMode="auto">
+          <a:xfrm>
+            <a:off x="7392144" y="5075516"/>
+            <a:ext cx="1695450" cy="1352550"/>
+          </a:xfrm>
+          <a:prstGeom prst="rect">
+            <a:avLst/>
+          </a:prstGeom>
+          <a:noFill/>
+          <a:ln w="28575">
+            <a:solidFill>
+              <a:srgbClr val="FFC000"/>
+            </a:solidFill>
+            <a:miter lim="800000"/>
+            <a:headEnd/>
+            <a:tailEnd/>
+          </a:ln>
+        </p:spPr>
+      </p:pic>
     </p:spTree>
     <p:extLst>
       <p:ext uri="{BB962C8B-B14F-4D97-AF65-F5344CB8AC3E}">
-        <p14:creationId xmlns:p14="http://schemas.microsoft.com/office/powerpoint/2010/main" val="3220366367"/>
+        <p14:creationId xmlns:p14="http://schemas.microsoft.com/office/powerpoint/2010/main" val="1184592860"/>
       </p:ext>
     </p:extLst>
   </p:cSld>
@@ -11186,7 +11230,7 @@
         </p:nvSpPr>
         <p:spPr>
           <a:xfrm>
-            <a:off x="11208568" y="6165304"/>
+            <a:off x="11136560" y="6113172"/>
             <a:ext cx="648072" cy="432048"/>
           </a:xfrm>
           <a:prstGeom prst="roundRect">
@@ -11254,8 +11298,8 @@
         </p:nvSpPr>
         <p:spPr>
           <a:xfrm>
-            <a:off x="4248666" y="44624"/>
-            <a:ext cx="3863558" cy="523220"/>
+            <a:off x="0" y="313492"/>
+            <a:ext cx="12192000" cy="646331"/>
           </a:xfrm>
           <a:prstGeom prst="rect">
             <a:avLst/>
@@ -11263,21 +11307,22 @@
           <a:noFill/>
         </p:spPr>
         <p:txBody>
-          <a:bodyPr wrap="none" rtlCol="0">
+          <a:bodyPr wrap="square" rtlCol="0">
             <a:spAutoFit/>
           </a:bodyPr>
           <a:lstStyle/>
           <a:p>
-            <a:r>
-              <a:rPr lang="ru-RU" sz="2800" b="1" dirty="0"/>
+            <a:pPr algn="ctr"/>
+            <a:r>
+              <a:rPr lang="ru-RU" sz="3600" b="1" dirty="0"/>
               <a:t>Рисование</a:t>
             </a:r>
             <a:r>
-              <a:rPr lang="uk-UA" sz="2800" b="1" dirty="0"/>
+              <a:rPr lang="uk-UA" sz="3600" b="1" dirty="0"/>
               <a:t> </a:t>
             </a:r>
             <a:r>
-              <a:rPr lang="ru-RU" sz="2800" b="1" dirty="0"/>
+              <a:rPr lang="ru-RU" sz="3600" b="1" dirty="0"/>
               <a:t>примитивов</a:t>
             </a:r>
           </a:p>
@@ -11285,7 +11330,7 @@
       </p:sp>
       <p:pic>
         <p:nvPicPr>
-          <p:cNvPr id="3074" name="Picture 2"/>
+          <p:cNvPr id="2054" name="Picture 6"/>
           <p:cNvPicPr>
             <a:picLocks noChangeAspect="1" noChangeArrowheads="1"/>
           </p:cNvPicPr>
@@ -11300,8 +11345,8 @@
         </p:blipFill>
         <p:spPr bwMode="auto">
           <a:xfrm>
-            <a:off x="1847528" y="666006"/>
-            <a:ext cx="3600401" cy="1685294"/>
+            <a:off x="4027786" y="3448397"/>
+            <a:ext cx="4419600" cy="2428875"/>
           </a:xfrm>
           <a:prstGeom prst="rect">
             <a:avLst/>
@@ -11324,7 +11369,7 @@
       </p:pic>
       <p:pic>
         <p:nvPicPr>
-          <p:cNvPr id="3075" name="Picture 3"/>
+          <p:cNvPr id="2056" name="Picture 8"/>
           <p:cNvPicPr>
             <a:picLocks noChangeAspect="1" noChangeArrowheads="1"/>
           </p:cNvPicPr>
@@ -11339,8 +11384,8 @@
         </p:blipFill>
         <p:spPr bwMode="auto">
           <a:xfrm>
-            <a:off x="6634045" y="679351"/>
-            <a:ext cx="3267075" cy="1440160"/>
+            <a:off x="2927649" y="2340868"/>
+            <a:ext cx="6619875" cy="800100"/>
           </a:xfrm>
           <a:prstGeom prst="rect">
             <a:avLst/>
@@ -11363,7 +11408,7 @@
       </p:pic>
       <p:pic>
         <p:nvPicPr>
-          <p:cNvPr id="3076" name="Picture 4"/>
+          <p:cNvPr id="2057" name="Picture 9"/>
           <p:cNvPicPr>
             <a:picLocks noChangeAspect="1" noChangeArrowheads="1"/>
           </p:cNvPicPr>
@@ -11378,8 +11423,8 @@
         </p:blipFill>
         <p:spPr bwMode="auto">
           <a:xfrm>
-            <a:off x="1847528" y="2528452"/>
-            <a:ext cx="3589703" cy="2340708"/>
+            <a:off x="4365924" y="1079773"/>
+            <a:ext cx="3743325" cy="981075"/>
           </a:xfrm>
           <a:prstGeom prst="rect">
             <a:avLst/>
@@ -11402,238 +11447,38 @@
       </p:pic>
       <p:sp>
         <p:nvSpPr>
-          <p:cNvPr id="10" name="Стрелка вправо 9"/>
-          <p:cNvSpPr/>
-          <p:nvPr/>
-        </p:nvSpPr>
-        <p:spPr>
-          <a:xfrm>
-            <a:off x="5783610" y="3356992"/>
-            <a:ext cx="504056" cy="504056"/>
-          </a:xfrm>
-          <a:prstGeom prst="rightArrow">
+          <p:cNvPr id="2" name="TextBox 1"/>
+          <p:cNvSpPr txBox="1"/>
+          <p:nvPr/>
+        </p:nvSpPr>
+        <p:spPr>
+          <a:xfrm>
+            <a:off x="1" y="6065888"/>
+            <a:ext cx="12192000" cy="523220"/>
+          </a:xfrm>
+          <a:prstGeom prst="rect">
             <a:avLst/>
           </a:prstGeom>
           <a:noFill/>
         </p:spPr>
-        <p:style>
-          <a:lnRef idx="2">
-            <a:schemeClr val="accent1">
-              <a:shade val="50000"/>
-            </a:schemeClr>
-          </a:lnRef>
-          <a:fillRef idx="1">
-            <a:schemeClr val="accent1"/>
-          </a:fillRef>
-          <a:effectRef idx="0">
-            <a:schemeClr val="accent1"/>
-          </a:effectRef>
-          <a:fontRef idx="minor">
-            <a:schemeClr val="lt1"/>
-          </a:fontRef>
-        </p:style>
-        <p:txBody>
-          <a:bodyPr rtlCol="0" anchor="ctr"/>
+        <p:txBody>
+          <a:bodyPr wrap="square" rtlCol="0">
+            <a:spAutoFit/>
+          </a:bodyPr>
           <a:lstStyle/>
           <a:p>
             <a:pPr algn="ctr"/>
-            <a:endParaRPr lang="ru-RU"/>
-          </a:p>
-        </p:txBody>
-      </p:sp>
-      <p:sp>
-        <p:nvSpPr>
-          <p:cNvPr id="11" name="Стрелка вправо 10"/>
-          <p:cNvSpPr/>
-          <p:nvPr/>
-        </p:nvSpPr>
-        <p:spPr>
-          <a:xfrm>
-            <a:off x="5758606" y="1147403"/>
-            <a:ext cx="504056" cy="504056"/>
-          </a:xfrm>
-          <a:prstGeom prst="rightArrow">
-            <a:avLst/>
-          </a:prstGeom>
-          <a:noFill/>
-        </p:spPr>
-        <p:style>
-          <a:lnRef idx="2">
-            <a:schemeClr val="accent1">
-              <a:shade val="50000"/>
-            </a:schemeClr>
-          </a:lnRef>
-          <a:fillRef idx="1">
-            <a:schemeClr val="accent1"/>
-          </a:fillRef>
-          <a:effectRef idx="0">
-            <a:schemeClr val="accent1"/>
-          </a:effectRef>
-          <a:fontRef idx="minor">
-            <a:schemeClr val="lt1"/>
-          </a:fontRef>
-        </p:style>
-        <p:txBody>
-          <a:bodyPr rtlCol="0" anchor="ctr"/>
-          <a:lstStyle/>
-          <a:p>
-            <a:pPr algn="ctr"/>
-            <a:endParaRPr lang="ru-RU"/>
-          </a:p>
-        </p:txBody>
-      </p:sp>
-      <p:pic>
-        <p:nvPicPr>
-          <p:cNvPr id="3077" name="Picture 5"/>
-          <p:cNvPicPr>
-            <a:picLocks noChangeAspect="1" noChangeArrowheads="1"/>
-          </p:cNvPicPr>
-          <p:nvPr/>
-        </p:nvPicPr>
-        <p:blipFill>
-          <a:blip r:embed="rId5" cstate="print"/>
-          <a:srcRect/>
-          <a:stretch>
-            <a:fillRect/>
-          </a:stretch>
-        </p:blipFill>
-        <p:spPr bwMode="auto">
-          <a:xfrm>
-            <a:off x="6634045" y="2348880"/>
-            <a:ext cx="3267075" cy="2552328"/>
-          </a:xfrm>
-          <a:prstGeom prst="rect">
-            <a:avLst/>
-          </a:prstGeom>
-          <a:noFill/>
-          <a:ln w="28575">
-            <a:solidFill>
-              <a:srgbClr val="FFC000"/>
-            </a:solidFill>
-            <a:miter lim="800000"/>
-            <a:headEnd/>
-            <a:tailEnd/>
-          </a:ln>
-        </p:spPr>
-      </p:pic>
-      <p:pic>
-        <p:nvPicPr>
-          <p:cNvPr id="3078" name="Picture 6"/>
-          <p:cNvPicPr>
-            <a:picLocks noChangeAspect="1" noChangeArrowheads="1"/>
-          </p:cNvPicPr>
-          <p:nvPr/>
-        </p:nvPicPr>
-        <p:blipFill>
-          <a:blip r:embed="rId6" cstate="print"/>
-          <a:srcRect/>
-          <a:stretch>
-            <a:fillRect/>
-          </a:stretch>
-        </p:blipFill>
-        <p:spPr bwMode="auto">
-          <a:xfrm>
-            <a:off x="1847530" y="5122078"/>
-            <a:ext cx="3589702" cy="1315655"/>
-          </a:xfrm>
-          <a:prstGeom prst="rect">
-            <a:avLst/>
-          </a:prstGeom>
-          <a:ln>
-            <a:solidFill>
-              <a:schemeClr val="bg1">
-                <a:lumMod val="85000"/>
-              </a:schemeClr>
-            </a:solidFill>
-          </a:ln>
-          <a:effectLst>
-            <a:outerShdw blurRad="292100" dist="139700" dir="2700000" algn="tl" rotWithShape="0">
-              <a:srgbClr val="333333">
-                <a:alpha val="65000"/>
-              </a:srgbClr>
-            </a:outerShdw>
-          </a:effectLst>
-        </p:spPr>
-      </p:pic>
-      <p:sp>
-        <p:nvSpPr>
-          <p:cNvPr id="14" name="Стрелка вправо 13"/>
-          <p:cNvSpPr/>
-          <p:nvPr/>
-        </p:nvSpPr>
-        <p:spPr>
-          <a:xfrm>
-            <a:off x="5735960" y="5445224"/>
-            <a:ext cx="504056" cy="504056"/>
-          </a:xfrm>
-          <a:prstGeom prst="rightArrow">
-            <a:avLst/>
-          </a:prstGeom>
-          <a:noFill/>
-        </p:spPr>
-        <p:style>
-          <a:lnRef idx="2">
-            <a:schemeClr val="accent1">
-              <a:shade val="50000"/>
-            </a:schemeClr>
-          </a:lnRef>
-          <a:fillRef idx="1">
-            <a:schemeClr val="accent1"/>
-          </a:fillRef>
-          <a:effectRef idx="0">
-            <a:schemeClr val="accent1"/>
-          </a:effectRef>
-          <a:fontRef idx="minor">
-            <a:schemeClr val="lt1"/>
-          </a:fontRef>
-        </p:style>
-        <p:txBody>
-          <a:bodyPr rtlCol="0" anchor="ctr"/>
-          <a:lstStyle/>
-          <a:p>
-            <a:pPr algn="ctr"/>
-            <a:endParaRPr lang="ru-RU"/>
-          </a:p>
-        </p:txBody>
-      </p:sp>
-      <p:pic>
-        <p:nvPicPr>
-          <p:cNvPr id="3079" name="Picture 7"/>
-          <p:cNvPicPr>
-            <a:picLocks noChangeAspect="1" noChangeArrowheads="1"/>
-          </p:cNvPicPr>
-          <p:nvPr/>
-        </p:nvPicPr>
-        <p:blipFill>
-          <a:blip r:embed="rId7" cstate="print"/>
-          <a:srcRect/>
-          <a:stretch>
-            <a:fillRect/>
-          </a:stretch>
-        </p:blipFill>
-        <p:spPr bwMode="auto">
-          <a:xfrm>
-            <a:off x="7392144" y="5075516"/>
-            <a:ext cx="1695450" cy="1352550"/>
-          </a:xfrm>
-          <a:prstGeom prst="rect">
-            <a:avLst/>
-          </a:prstGeom>
-          <a:noFill/>
-          <a:ln w="28575">
-            <a:solidFill>
-              <a:srgbClr val="FFC000"/>
-            </a:solidFill>
-            <a:miter lim="800000"/>
-            <a:headEnd/>
-            <a:tailEnd/>
-          </a:ln>
-        </p:spPr>
-      </p:pic>
+            <a:r>
+              <a:rPr lang="ru-RU" sz="2800" i="1" dirty="0"/>
+              <a:t>Прямоугольник и дуга</a:t>
+            </a:r>
+          </a:p>
+        </p:txBody>
+      </p:sp>
     </p:spTree>
     <p:extLst>
       <p:ext uri="{BB962C8B-B14F-4D97-AF65-F5344CB8AC3E}">
-        <p14:creationId xmlns:p14="http://schemas.microsoft.com/office/powerpoint/2010/main" val="1184592860"/>
+        <p14:creationId xmlns:p14="http://schemas.microsoft.com/office/powerpoint/2010/main" val="2603606048"/>
       </p:ext>
     </p:extLst>
   </p:cSld>
@@ -11670,7 +11515,7 @@
         </p:nvSpPr>
         <p:spPr>
           <a:xfrm>
-            <a:off x="11136560" y="6113172"/>
+            <a:off x="11208568" y="6184468"/>
             <a:ext cx="648072" cy="432048"/>
           </a:xfrm>
           <a:prstGeom prst="roundRect">
@@ -11739,7 +11584,7 @@
         <p:spPr>
           <a:xfrm>
             <a:off x="0" y="313492"/>
-            <a:ext cx="12192000" cy="646331"/>
+            <a:ext cx="12192000" cy="523220"/>
           </a:xfrm>
           <a:prstGeom prst="rect">
             <a:avLst/>
@@ -11754,39 +11599,67 @@
           <a:p>
             <a:pPr algn="ctr"/>
             <a:r>
-              <a:rPr lang="ru-RU" sz="3600" b="1" dirty="0"/>
-              <a:t>Рисование</a:t>
-            </a:r>
-            <a:r>
-              <a:rPr lang="uk-UA" sz="3600" b="1" dirty="0"/>
-              <a:t> </a:t>
-            </a:r>
-            <a:r>
-              <a:rPr lang="ru-RU" sz="3600" b="1" dirty="0"/>
-              <a:t>примитивов</a:t>
-            </a:r>
+              <a:rPr lang="ru-RU" sz="2800" b="1" dirty="0"/>
+              <a:t>Свойства (графические атрибуты «холста»)</a:t>
+            </a:r>
+          </a:p>
+        </p:txBody>
+      </p:sp>
+      <p:sp>
+        <p:nvSpPr>
+          <p:cNvPr id="12" name="Прямоугольник 11"/>
+          <p:cNvSpPr/>
+          <p:nvPr/>
+        </p:nvSpPr>
+        <p:spPr>
+          <a:xfrm>
+            <a:off x="0" y="5930116"/>
+            <a:ext cx="12192000" cy="523220"/>
+          </a:xfrm>
+          <a:prstGeom prst="rect">
+            <a:avLst/>
+          </a:prstGeom>
+        </p:spPr>
+        <p:txBody>
+          <a:bodyPr wrap="square">
+            <a:spAutoFit/>
+          </a:bodyPr>
+          <a:lstStyle/>
+          <a:p>
+            <a:pPr algn="ctr"/>
+            <a:r>
+              <a:rPr lang="ru-RU" sz="2800" b="1" dirty="0"/>
+              <a:t>Подробнее: </a:t>
+            </a:r>
+            <a:r>
+              <a:rPr lang="en-US" sz="2800" b="1" dirty="0">
+                <a:hlinkClick r:id="rId2"/>
+              </a:rPr>
+              <a:t>http://www.w3schools.com/tags/ref_canvas.asp</a:t>
+            </a:r>
+            <a:endParaRPr lang="ru-RU" sz="2800" b="1" dirty="0"/>
           </a:p>
         </p:txBody>
       </p:sp>
       <p:pic>
         <p:nvPicPr>
-          <p:cNvPr id="2054" name="Picture 6"/>
+          <p:cNvPr id="2050" name="Picture 2"/>
           <p:cNvPicPr>
             <a:picLocks noChangeAspect="1" noChangeArrowheads="1"/>
           </p:cNvPicPr>
           <p:nvPr/>
         </p:nvPicPr>
         <p:blipFill>
-          <a:blip r:embed="rId2" cstate="print"/>
-          <a:srcRect/>
+          <a:blip r:embed="rId3" cstate="print"/>
+          <a:srcRect t="839"/>
           <a:stretch>
             <a:fillRect/>
           </a:stretch>
         </p:blipFill>
         <p:spPr bwMode="auto">
           <a:xfrm>
-            <a:off x="4027786" y="3448397"/>
-            <a:ext cx="4419600" cy="2428875"/>
+            <a:off x="2628686" y="1124744"/>
+            <a:ext cx="6556084" cy="4464496"/>
           </a:xfrm>
           <a:prstGeom prst="rect">
             <a:avLst/>
@@ -11807,118 +11680,10 @@
           </a:effectLst>
         </p:spPr>
       </p:pic>
-      <p:pic>
-        <p:nvPicPr>
-          <p:cNvPr id="2056" name="Picture 8"/>
-          <p:cNvPicPr>
-            <a:picLocks noChangeAspect="1" noChangeArrowheads="1"/>
-          </p:cNvPicPr>
-          <p:nvPr/>
-        </p:nvPicPr>
-        <p:blipFill>
-          <a:blip r:embed="rId3" cstate="print"/>
-          <a:srcRect/>
-          <a:stretch>
-            <a:fillRect/>
-          </a:stretch>
-        </p:blipFill>
-        <p:spPr bwMode="auto">
-          <a:xfrm>
-            <a:off x="2927649" y="2340868"/>
-            <a:ext cx="6619875" cy="800100"/>
-          </a:xfrm>
-          <a:prstGeom prst="rect">
-            <a:avLst/>
-          </a:prstGeom>
-          <a:ln>
-            <a:solidFill>
-              <a:schemeClr val="bg1">
-                <a:lumMod val="85000"/>
-              </a:schemeClr>
-            </a:solidFill>
-          </a:ln>
-          <a:effectLst>
-            <a:outerShdw blurRad="292100" dist="139700" dir="2700000" algn="tl" rotWithShape="0">
-              <a:srgbClr val="333333">
-                <a:alpha val="65000"/>
-              </a:srgbClr>
-            </a:outerShdw>
-          </a:effectLst>
-        </p:spPr>
-      </p:pic>
-      <p:pic>
-        <p:nvPicPr>
-          <p:cNvPr id="2057" name="Picture 9"/>
-          <p:cNvPicPr>
-            <a:picLocks noChangeAspect="1" noChangeArrowheads="1"/>
-          </p:cNvPicPr>
-          <p:nvPr/>
-        </p:nvPicPr>
-        <p:blipFill>
-          <a:blip r:embed="rId4" cstate="print"/>
-          <a:srcRect/>
-          <a:stretch>
-            <a:fillRect/>
-          </a:stretch>
-        </p:blipFill>
-        <p:spPr bwMode="auto">
-          <a:xfrm>
-            <a:off x="4365924" y="1079773"/>
-            <a:ext cx="3743325" cy="981075"/>
-          </a:xfrm>
-          <a:prstGeom prst="rect">
-            <a:avLst/>
-          </a:prstGeom>
-          <a:ln>
-            <a:solidFill>
-              <a:schemeClr val="bg1">
-                <a:lumMod val="85000"/>
-              </a:schemeClr>
-            </a:solidFill>
-          </a:ln>
-          <a:effectLst>
-            <a:outerShdw blurRad="292100" dist="139700" dir="2700000" algn="tl" rotWithShape="0">
-              <a:srgbClr val="333333">
-                <a:alpha val="65000"/>
-              </a:srgbClr>
-            </a:outerShdw>
-          </a:effectLst>
-        </p:spPr>
-      </p:pic>
-      <p:sp>
-        <p:nvSpPr>
-          <p:cNvPr id="2" name="TextBox 1"/>
-          <p:cNvSpPr txBox="1"/>
-          <p:nvPr/>
-        </p:nvSpPr>
-        <p:spPr>
-          <a:xfrm>
-            <a:off x="1" y="6065888"/>
-            <a:ext cx="12192000" cy="523220"/>
-          </a:xfrm>
-          <a:prstGeom prst="rect">
-            <a:avLst/>
-          </a:prstGeom>
-          <a:noFill/>
-        </p:spPr>
-        <p:txBody>
-          <a:bodyPr wrap="square" rtlCol="0">
-            <a:spAutoFit/>
-          </a:bodyPr>
-          <a:lstStyle/>
-          <a:p>
-            <a:pPr algn="ctr"/>
-            <a:r>
-              <a:rPr lang="ru-RU" sz="2800" i="1" dirty="0"/>
-              <a:t>Прямоугольник и дуга</a:t>
-            </a:r>
-          </a:p>
-        </p:txBody>
-      </p:sp>
     </p:spTree>
     <p:extLst>
       <p:ext uri="{BB962C8B-B14F-4D97-AF65-F5344CB8AC3E}">
-        <p14:creationId xmlns:p14="http://schemas.microsoft.com/office/powerpoint/2010/main" val="2603606048"/>
+        <p14:creationId xmlns:p14="http://schemas.microsoft.com/office/powerpoint/2010/main" val="2263771589"/>
       </p:ext>
     </p:extLst>
   </p:cSld>
@@ -11947,183 +11712,77 @@
       </p:grpSpPr>
       <p:sp>
         <p:nvSpPr>
-          <p:cNvPr id="6" name="Номер слайда 36"/>
-          <p:cNvSpPr txBox="1">
-            <a:spLocks/>
-          </p:cNvSpPr>
-          <p:nvPr/>
-        </p:nvSpPr>
-        <p:spPr>
-          <a:xfrm>
-            <a:off x="11208568" y="6184468"/>
-            <a:ext cx="648072" cy="432048"/>
-          </a:xfrm>
-          <a:prstGeom prst="roundRect">
-            <a:avLst/>
-          </a:prstGeom>
-          <a:ln w="25400" cap="flat" cmpd="sng" algn="ctr">
-            <a:solidFill>
-              <a:schemeClr val="tx2">
-                <a:lumMod val="60000"/>
-                <a:lumOff val="40000"/>
-              </a:schemeClr>
-            </a:solidFill>
-            <a:prstDash val="solid"/>
-          </a:ln>
+          <p:cNvPr id="5" name="Прямоугольник 4"/>
+          <p:cNvSpPr/>
+          <p:nvPr/>
+        </p:nvSpPr>
+        <p:spPr>
+          <a:xfrm>
+            <a:off x="0" y="0"/>
+            <a:ext cx="12192000" cy="6858000"/>
+          </a:xfrm>
+          <a:prstGeom prst="rect">
+            <a:avLst/>
+          </a:prstGeom>
+          <a:solidFill>
+            <a:schemeClr val="tx2">
+              <a:lumMod val="75000"/>
+            </a:schemeClr>
+          </a:solidFill>
         </p:spPr>
         <p:style>
           <a:lnRef idx="2">
-            <a:schemeClr val="accent1"/>
+            <a:schemeClr val="accent1">
+              <a:shade val="50000"/>
+            </a:schemeClr>
           </a:lnRef>
           <a:fillRef idx="1">
-            <a:schemeClr val="lt1"/>
+            <a:schemeClr val="accent1"/>
           </a:fillRef>
           <a:effectRef idx="0">
             <a:schemeClr val="accent1"/>
           </a:effectRef>
           <a:fontRef idx="minor">
-            <a:schemeClr val="dk1"/>
+            <a:schemeClr val="lt1"/>
           </a:fontRef>
         </p:style>
         <p:txBody>
-          <a:bodyPr vert="horz" lIns="91440" tIns="45720" rIns="91440" bIns="45720" rtlCol="0" anchor="ctr"/>
-          <a:lstStyle/>
-          <a:p>
-            <a:pPr algn="ctr">
-              <a:defRPr/>
-            </a:pPr>
-            <a:fld id="{6389AA22-90B4-448C-8B6B-C699140D38B9}" type="slidenum">
-              <a:rPr lang="uk-UA" sz="2400" b="1">
-                <a:solidFill>
-                  <a:schemeClr val="bg1">
-                    <a:lumMod val="50000"/>
-                  </a:schemeClr>
-                </a:solidFill>
-              </a:rPr>
-              <a:pPr algn="ctr">
-                <a:defRPr/>
-              </a:pPr>
-              <a:t>37</a:t>
-            </a:fld>
-            <a:endParaRPr lang="uk-UA" sz="2400" b="1" dirty="0">
-              <a:solidFill>
-                <a:schemeClr val="bg1">
-                  <a:lumMod val="50000"/>
-                </a:schemeClr>
-              </a:solidFill>
-            </a:endParaRPr>
-          </a:p>
-        </p:txBody>
-      </p:sp>
-      <p:sp>
-        <p:nvSpPr>
-          <p:cNvPr id="4" name="TextBox 3"/>
-          <p:cNvSpPr txBox="1"/>
-          <p:nvPr/>
-        </p:nvSpPr>
-        <p:spPr>
-          <a:xfrm>
-            <a:off x="0" y="313492"/>
-            <a:ext cx="12192000" cy="523220"/>
-          </a:xfrm>
-          <a:prstGeom prst="rect">
-            <a:avLst/>
-          </a:prstGeom>
-          <a:noFill/>
-        </p:spPr>
-        <p:txBody>
-          <a:bodyPr wrap="square" rtlCol="0">
-            <a:spAutoFit/>
-          </a:bodyPr>
+          <a:bodyPr rtlCol="0" anchor="ctr"/>
           <a:lstStyle/>
           <a:p>
             <a:pPr algn="ctr"/>
             <a:r>
-              <a:rPr lang="ru-RU" sz="2800" b="1" dirty="0"/>
-              <a:t>Свойства (графические атрибуты «холста»)</a:t>
-            </a:r>
-          </a:p>
-        </p:txBody>
-      </p:sp>
-      <p:sp>
-        <p:nvSpPr>
-          <p:cNvPr id="12" name="Прямоугольник 11"/>
-          <p:cNvSpPr/>
-          <p:nvPr/>
-        </p:nvSpPr>
-        <p:spPr>
-          <a:xfrm>
-            <a:off x="0" y="5930116"/>
-            <a:ext cx="12192000" cy="523220"/>
-          </a:xfrm>
-          <a:prstGeom prst="rect">
-            <a:avLst/>
-          </a:prstGeom>
-        </p:spPr>
-        <p:txBody>
-          <a:bodyPr wrap="square">
-            <a:spAutoFit/>
-          </a:bodyPr>
-          <a:lstStyle/>
-          <a:p>
-            <a:pPr algn="ctr"/>
-            <a:r>
-              <a:rPr lang="ru-RU" sz="2800" b="1" dirty="0"/>
-              <a:t>Подробнее: </a:t>
-            </a:r>
-            <a:r>
-              <a:rPr lang="en-US" sz="2800" b="1" dirty="0">
-                <a:hlinkClick r:id="rId2"/>
-              </a:rPr>
-              <a:t>http://www.w3schools.com/tags/ref_canvas.asp</a:t>
-            </a:r>
-            <a:endParaRPr lang="ru-RU" sz="2800" b="1" dirty="0"/>
-          </a:p>
-        </p:txBody>
-      </p:sp>
-      <p:pic>
-        <p:nvPicPr>
-          <p:cNvPr id="2050" name="Picture 2"/>
-          <p:cNvPicPr>
-            <a:picLocks noChangeAspect="1" noChangeArrowheads="1"/>
-          </p:cNvPicPr>
-          <p:nvPr/>
-        </p:nvPicPr>
-        <p:blipFill>
-          <a:blip r:embed="rId3" cstate="print"/>
-          <a:srcRect t="839"/>
-          <a:stretch>
-            <a:fillRect/>
-          </a:stretch>
-        </p:blipFill>
-        <p:spPr bwMode="auto">
-          <a:xfrm>
-            <a:off x="2628686" y="1124744"/>
-            <a:ext cx="6556084" cy="4464496"/>
-          </a:xfrm>
-          <a:prstGeom prst="rect">
-            <a:avLst/>
-          </a:prstGeom>
-          <a:ln>
-            <a:solidFill>
-              <a:schemeClr val="bg1">
-                <a:lumMod val="85000"/>
-              </a:schemeClr>
-            </a:solidFill>
-          </a:ln>
-          <a:effectLst>
-            <a:outerShdw blurRad="292100" dist="139700" dir="2700000" algn="tl" rotWithShape="0">
-              <a:srgbClr val="333333">
-                <a:alpha val="65000"/>
-              </a:srgbClr>
-            </a:outerShdw>
-          </a:effectLst>
-        </p:spPr>
-      </p:pic>
+              <a:rPr lang="ru-RU" sz="6000" b="1" dirty="0"/>
+              <a:t>«</a:t>
+            </a:r>
+            <a:r>
+              <a:rPr lang="en-US" sz="6000" b="1" dirty="0"/>
+              <a:t>Paint</a:t>
+            </a:r>
+            <a:r>
+              <a:rPr lang="ru-RU" sz="6000" b="1" dirty="0"/>
+              <a:t>»</a:t>
+            </a:r>
+            <a:r>
+              <a:rPr lang="en-US" sz="6000" b="1" dirty="0"/>
+              <a:t> </a:t>
+            </a:r>
+            <a:r>
+              <a:rPr lang="ru-RU" sz="6000" b="1" dirty="0"/>
+              <a:t>на </a:t>
+            </a:r>
+            <a:r>
+              <a:rPr lang="en-US" sz="6000" b="1" dirty="0"/>
+              <a:t>JavaScript</a:t>
+            </a:r>
+            <a:endParaRPr lang="uk-UA" sz="6000" b="1" dirty="0"/>
+          </a:p>
+        </p:txBody>
+      </p:sp>
     </p:spTree>
     <p:extLst>
       <p:ext uri="{BB962C8B-B14F-4D97-AF65-F5344CB8AC3E}">
-        <p14:creationId xmlns:p14="http://schemas.microsoft.com/office/powerpoint/2010/main" val="2263771589"/>
+        <p14:creationId xmlns:p14="http://schemas.microsoft.com/office/powerpoint/2010/main" val="629012522"/>
       </p:ext>
     </p:extLst>
   </p:cSld>
@@ -12152,77 +11811,276 @@
       </p:grpSpPr>
       <p:sp>
         <p:nvSpPr>
-          <p:cNvPr id="5" name="Прямоугольник 4"/>
-          <p:cNvSpPr/>
-          <p:nvPr/>
-        </p:nvSpPr>
-        <p:spPr>
-          <a:xfrm>
-            <a:off x="0" y="0"/>
-            <a:ext cx="12192000" cy="6858000"/>
-          </a:xfrm>
-          <a:prstGeom prst="rect">
-            <a:avLst/>
-          </a:prstGeom>
-          <a:solidFill>
-            <a:schemeClr val="tx2">
-              <a:lumMod val="75000"/>
-            </a:schemeClr>
-          </a:solidFill>
+          <p:cNvPr id="6" name="Номер слайда 36"/>
+          <p:cNvSpPr txBox="1">
+            <a:spLocks/>
+          </p:cNvSpPr>
+          <p:nvPr/>
+        </p:nvSpPr>
+        <p:spPr>
+          <a:xfrm>
+            <a:off x="11280576" y="6207696"/>
+            <a:ext cx="648072" cy="432048"/>
+          </a:xfrm>
+          <a:prstGeom prst="roundRect">
+            <a:avLst/>
+          </a:prstGeom>
+          <a:ln w="25400" cap="flat" cmpd="sng" algn="ctr">
+            <a:solidFill>
+              <a:schemeClr val="tx2">
+                <a:lumMod val="60000"/>
+                <a:lumOff val="40000"/>
+              </a:schemeClr>
+            </a:solidFill>
+            <a:prstDash val="solid"/>
+          </a:ln>
         </p:spPr>
         <p:style>
           <a:lnRef idx="2">
-            <a:schemeClr val="accent1">
-              <a:shade val="50000"/>
-            </a:schemeClr>
+            <a:schemeClr val="accent1"/>
           </a:lnRef>
           <a:fillRef idx="1">
-            <a:schemeClr val="accent1"/>
+            <a:schemeClr val="lt1"/>
           </a:fillRef>
           <a:effectRef idx="0">
             <a:schemeClr val="accent1"/>
           </a:effectRef>
           <a:fontRef idx="minor">
-            <a:schemeClr val="lt1"/>
+            <a:schemeClr val="dk1"/>
           </a:fontRef>
         </p:style>
         <p:txBody>
-          <a:bodyPr rtlCol="0" anchor="ctr"/>
-          <a:lstStyle/>
-          <a:p>
-            <a:pPr algn="ctr"/>
-            <a:r>
-              <a:rPr lang="ru-RU" sz="6000" b="1" dirty="0"/>
+          <a:bodyPr vert="horz" lIns="91440" tIns="45720" rIns="91440" bIns="45720" rtlCol="0" anchor="ctr"/>
+          <a:lstStyle/>
+          <a:p>
+            <a:pPr algn="ctr">
+              <a:defRPr/>
+            </a:pPr>
+            <a:fld id="{6389AA22-90B4-448C-8B6B-C699140D38B9}" type="slidenum">
+              <a:rPr lang="uk-UA" sz="2400" b="1">
+                <a:solidFill>
+                  <a:schemeClr val="bg1">
+                    <a:lumMod val="50000"/>
+                  </a:schemeClr>
+                </a:solidFill>
+              </a:rPr>
+              <a:pPr algn="ctr">
+                <a:defRPr/>
+              </a:pPr>
+              <a:t>38</a:t>
+            </a:fld>
+            <a:endParaRPr lang="uk-UA" sz="2400" b="1" dirty="0">
+              <a:solidFill>
+                <a:schemeClr val="bg1">
+                  <a:lumMod val="50000"/>
+                </a:schemeClr>
+              </a:solidFill>
+            </a:endParaRPr>
+          </a:p>
+        </p:txBody>
+      </p:sp>
+      <p:sp>
+        <p:nvSpPr>
+          <p:cNvPr id="4" name="TextBox 3"/>
+          <p:cNvSpPr txBox="1"/>
+          <p:nvPr/>
+        </p:nvSpPr>
+        <p:spPr>
+          <a:xfrm>
+            <a:off x="6744072" y="1844824"/>
+            <a:ext cx="3806235" cy="584775"/>
+          </a:xfrm>
+          <a:prstGeom prst="rect">
+            <a:avLst/>
+          </a:prstGeom>
+          <a:noFill/>
+        </p:spPr>
+        <p:txBody>
+          <a:bodyPr wrap="none" rtlCol="0">
+            <a:spAutoFit/>
+          </a:bodyPr>
+          <a:lstStyle/>
+          <a:p>
+            <a:r>
+              <a:rPr lang="ru-RU" sz="3200" b="1" dirty="0"/>
               <a:t>«</a:t>
             </a:r>
             <a:r>
-              <a:rPr lang="en-US" sz="6000" b="1" dirty="0"/>
+              <a:rPr lang="en-US" sz="3200" b="1" dirty="0"/>
               <a:t>Paint</a:t>
             </a:r>
             <a:r>
-              <a:rPr lang="ru-RU" sz="6000" b="1" dirty="0"/>
+              <a:rPr lang="ru-RU" sz="3200" b="1" dirty="0"/>
               <a:t>»</a:t>
             </a:r>
             <a:r>
-              <a:rPr lang="en-US" sz="6000" b="1" dirty="0"/>
+              <a:rPr lang="en-US" sz="3200" b="1" dirty="0"/>
               <a:t> </a:t>
             </a:r>
             <a:r>
-              <a:rPr lang="ru-RU" sz="6000" b="1" dirty="0"/>
+              <a:rPr lang="ru-RU" sz="3200" b="1" dirty="0"/>
               <a:t>на </a:t>
             </a:r>
             <a:r>
-              <a:rPr lang="en-US" sz="6000" b="1" dirty="0"/>
+              <a:rPr lang="en-US" sz="3200" b="1" dirty="0"/>
               <a:t>JavaScript</a:t>
             </a:r>
-            <a:endParaRPr lang="uk-UA" sz="6000" b="1" dirty="0"/>
-          </a:p>
-        </p:txBody>
-      </p:sp>
+            <a:endParaRPr lang="ru-RU" sz="3200" b="1" dirty="0"/>
+          </a:p>
+        </p:txBody>
+      </p:sp>
+      <p:sp>
+        <p:nvSpPr>
+          <p:cNvPr id="8" name="TextBox 7"/>
+          <p:cNvSpPr txBox="1"/>
+          <p:nvPr/>
+        </p:nvSpPr>
+        <p:spPr>
+          <a:xfrm>
+            <a:off x="6744072" y="2924944"/>
+            <a:ext cx="5040560" cy="2677656"/>
+          </a:xfrm>
+          <a:prstGeom prst="rect">
+            <a:avLst/>
+          </a:prstGeom>
+          <a:noFill/>
+        </p:spPr>
+        <p:txBody>
+          <a:bodyPr wrap="square" rtlCol="0">
+            <a:spAutoFit/>
+          </a:bodyPr>
+          <a:lstStyle/>
+          <a:p>
+            <a:r>
+              <a:rPr lang="ru-RU" sz="2400" dirty="0"/>
+              <a:t>Простой аналог программы «</a:t>
+            </a:r>
+            <a:r>
+              <a:rPr lang="en-US" sz="2400" b="1" dirty="0"/>
+              <a:t>Paint</a:t>
+            </a:r>
+            <a:r>
+              <a:rPr lang="ru-RU" sz="2400" dirty="0"/>
+              <a:t>» на базе </a:t>
+            </a:r>
+            <a:r>
+              <a:rPr lang="en-US" sz="2400" b="1" dirty="0"/>
+              <a:t>JavaScript</a:t>
+            </a:r>
+            <a:r>
+              <a:rPr lang="en-US" sz="2400" dirty="0"/>
+              <a:t> </a:t>
+            </a:r>
+            <a:r>
+              <a:rPr lang="ru-RU" sz="2400" dirty="0"/>
+              <a:t>и</a:t>
+            </a:r>
+            <a:r>
+              <a:rPr lang="en-US" sz="2400" dirty="0"/>
+              <a:t> </a:t>
+            </a:r>
+            <a:r>
+              <a:rPr lang="en-US" sz="2400" b="1" dirty="0"/>
+              <a:t>canvas</a:t>
+            </a:r>
+            <a:r>
+              <a:rPr lang="ru-RU" sz="2400" dirty="0"/>
+              <a:t>.</a:t>
+            </a:r>
+          </a:p>
+          <a:p>
+            <a:endParaRPr lang="ru-RU" sz="2400" dirty="0"/>
+          </a:p>
+          <a:p>
+            <a:r>
+              <a:rPr lang="ru-RU" sz="2400" dirty="0"/>
+              <a:t>Воспользуйтесь шаблоном в </a:t>
+            </a:r>
+            <a:r>
+              <a:rPr lang="ru-RU" sz="2400" dirty="0" err="1"/>
+              <a:t>репозитории</a:t>
+            </a:r>
+            <a:r>
+              <a:rPr lang="ru-RU" sz="2400" dirty="0"/>
+              <a:t> занятия:</a:t>
+            </a:r>
+          </a:p>
+          <a:p>
+            <a:r>
+              <a:rPr lang="en-US" sz="2400" b="1" dirty="0">
+                <a:solidFill>
+                  <a:srgbClr val="0070C0"/>
+                </a:solidFill>
+              </a:rPr>
+              <a:t>./</a:t>
+            </a:r>
+            <a:r>
+              <a:rPr lang="en-US" sz="2400" b="1" dirty="0" err="1">
+                <a:solidFill>
+                  <a:srgbClr val="0070C0"/>
+                </a:solidFill>
+              </a:rPr>
+              <a:t>src</a:t>
+            </a:r>
+            <a:r>
+              <a:rPr lang="en-US" sz="2400" b="1" dirty="0">
+                <a:solidFill>
+                  <a:srgbClr val="0070C0"/>
+                </a:solidFill>
+              </a:rPr>
+              <a:t>/paint-example</a:t>
+            </a:r>
+          </a:p>
+          <a:p>
+            <a:endParaRPr lang="ru-RU" sz="2400" dirty="0">
+              <a:solidFill>
+                <a:srgbClr val="0070C0"/>
+              </a:solidFill>
+            </a:endParaRPr>
+          </a:p>
+        </p:txBody>
+      </p:sp>
+      <p:pic>
+        <p:nvPicPr>
+          <p:cNvPr id="7" name="Picture 2"/>
+          <p:cNvPicPr>
+            <a:picLocks noChangeAspect="1" noChangeArrowheads="1"/>
+          </p:cNvPicPr>
+          <p:nvPr/>
+        </p:nvPicPr>
+        <p:blipFill rotWithShape="1">
+          <a:blip r:embed="rId2" cstate="print"/>
+          <a:srcRect l="6956" t="10527" r="5095" b="5170"/>
+          <a:stretch/>
+        </p:blipFill>
+        <p:spPr bwMode="auto">
+          <a:xfrm>
+            <a:off x="551384" y="1412776"/>
+            <a:ext cx="5780707" cy="4248472"/>
+          </a:xfrm>
+          <a:prstGeom prst="rect">
+            <a:avLst/>
+          </a:prstGeom>
+          <a:ln>
+            <a:solidFill>
+              <a:schemeClr val="bg1">
+                <a:lumMod val="65000"/>
+              </a:schemeClr>
+            </a:solidFill>
+          </a:ln>
+          <a:effectLst>
+            <a:outerShdw blurRad="292100" dist="139700" dir="2700000" algn="tl" rotWithShape="0">
+              <a:srgbClr val="333333">
+                <a:alpha val="65000"/>
+              </a:srgbClr>
+            </a:outerShdw>
+          </a:effectLst>
+        </p:spPr>
+      </p:pic>
     </p:spTree>
     <p:extLst>
       <p:ext uri="{BB962C8B-B14F-4D97-AF65-F5344CB8AC3E}">
-        <p14:creationId xmlns:p14="http://schemas.microsoft.com/office/powerpoint/2010/main" val="629012522"/>
+        <p14:creationId xmlns:p14="http://schemas.microsoft.com/office/powerpoint/2010/main" val="1232959888"/>
       </p:ext>
     </p:extLst>
   </p:cSld>
@@ -12251,276 +12109,55 @@
       </p:grpSpPr>
       <p:sp>
         <p:nvSpPr>
-          <p:cNvPr id="6" name="Номер слайда 36"/>
-          <p:cNvSpPr txBox="1">
-            <a:spLocks/>
-          </p:cNvSpPr>
-          <p:nvPr/>
-        </p:nvSpPr>
-        <p:spPr>
-          <a:xfrm>
-            <a:off x="11280576" y="6207696"/>
-            <a:ext cx="648072" cy="432048"/>
-          </a:xfrm>
-          <a:prstGeom prst="roundRect">
-            <a:avLst/>
-          </a:prstGeom>
-          <a:ln w="25400" cap="flat" cmpd="sng" algn="ctr">
-            <a:solidFill>
-              <a:schemeClr val="tx2">
-                <a:lumMod val="60000"/>
-                <a:lumOff val="40000"/>
-              </a:schemeClr>
-            </a:solidFill>
-            <a:prstDash val="solid"/>
-          </a:ln>
+          <p:cNvPr id="5" name="Прямоугольник 4"/>
+          <p:cNvSpPr/>
+          <p:nvPr/>
+        </p:nvSpPr>
+        <p:spPr>
+          <a:xfrm>
+            <a:off x="0" y="0"/>
+            <a:ext cx="12192000" cy="6858000"/>
+          </a:xfrm>
+          <a:prstGeom prst="rect">
+            <a:avLst/>
+          </a:prstGeom>
+          <a:solidFill>
+            <a:srgbClr val="002060"/>
+          </a:solidFill>
         </p:spPr>
         <p:style>
           <a:lnRef idx="2">
-            <a:schemeClr val="accent1"/>
+            <a:schemeClr val="accent1">
+              <a:shade val="50000"/>
+            </a:schemeClr>
           </a:lnRef>
           <a:fillRef idx="1">
-            <a:schemeClr val="lt1"/>
+            <a:schemeClr val="accent1"/>
           </a:fillRef>
           <a:effectRef idx="0">
             <a:schemeClr val="accent1"/>
           </a:effectRef>
           <a:fontRef idx="minor">
-            <a:schemeClr val="dk1"/>
+            <a:schemeClr val="lt1"/>
           </a:fontRef>
         </p:style>
         <p:txBody>
-          <a:bodyPr vert="horz" lIns="91440" tIns="45720" rIns="91440" bIns="45720" rtlCol="0" anchor="ctr"/>
-          <a:lstStyle/>
-          <a:p>
-            <a:pPr algn="ctr">
-              <a:defRPr/>
-            </a:pPr>
-            <a:fld id="{6389AA22-90B4-448C-8B6B-C699140D38B9}" type="slidenum">
-              <a:rPr lang="uk-UA" sz="2400" b="1">
-                <a:solidFill>
-                  <a:schemeClr val="bg1">
-                    <a:lumMod val="50000"/>
-                  </a:schemeClr>
-                </a:solidFill>
-              </a:rPr>
-              <a:pPr algn="ctr">
-                <a:defRPr/>
-              </a:pPr>
-              <a:t>39</a:t>
-            </a:fld>
-            <a:endParaRPr lang="uk-UA" sz="2400" b="1" dirty="0">
-              <a:solidFill>
-                <a:schemeClr val="bg1">
-                  <a:lumMod val="50000"/>
-                </a:schemeClr>
-              </a:solidFill>
-            </a:endParaRPr>
-          </a:p>
-        </p:txBody>
-      </p:sp>
-      <p:sp>
-        <p:nvSpPr>
-          <p:cNvPr id="4" name="TextBox 3"/>
-          <p:cNvSpPr txBox="1"/>
-          <p:nvPr/>
-        </p:nvSpPr>
-        <p:spPr>
-          <a:xfrm>
-            <a:off x="6744072" y="1844824"/>
-            <a:ext cx="3806235" cy="584775"/>
-          </a:xfrm>
-          <a:prstGeom prst="rect">
-            <a:avLst/>
-          </a:prstGeom>
-          <a:noFill/>
-        </p:spPr>
-        <p:txBody>
-          <a:bodyPr wrap="none" rtlCol="0">
-            <a:spAutoFit/>
-          </a:bodyPr>
-          <a:lstStyle/>
-          <a:p>
-            <a:r>
-              <a:rPr lang="ru-RU" sz="3200" b="1" dirty="0"/>
-              <a:t>«</a:t>
-            </a:r>
-            <a:r>
-              <a:rPr lang="en-US" sz="3200" b="1" dirty="0"/>
-              <a:t>Paint</a:t>
-            </a:r>
-            <a:r>
-              <a:rPr lang="ru-RU" sz="3200" b="1" dirty="0"/>
-              <a:t>»</a:t>
-            </a:r>
-            <a:r>
-              <a:rPr lang="en-US" sz="3200" b="1" dirty="0"/>
-              <a:t> </a:t>
-            </a:r>
-            <a:r>
-              <a:rPr lang="ru-RU" sz="3200" b="1" dirty="0"/>
-              <a:t>на </a:t>
-            </a:r>
-            <a:r>
-              <a:rPr lang="en-US" sz="3200" b="1" dirty="0"/>
-              <a:t>JavaScript</a:t>
-            </a:r>
-            <a:endParaRPr lang="ru-RU" sz="3200" b="1" dirty="0"/>
-          </a:p>
-        </p:txBody>
-      </p:sp>
-      <p:sp>
-        <p:nvSpPr>
-          <p:cNvPr id="8" name="TextBox 7"/>
-          <p:cNvSpPr txBox="1"/>
-          <p:nvPr/>
-        </p:nvSpPr>
-        <p:spPr>
-          <a:xfrm>
-            <a:off x="6744072" y="2924944"/>
-            <a:ext cx="5040560" cy="2677656"/>
-          </a:xfrm>
-          <a:prstGeom prst="rect">
-            <a:avLst/>
-          </a:prstGeom>
-          <a:noFill/>
-        </p:spPr>
-        <p:txBody>
-          <a:bodyPr wrap="square" rtlCol="0">
-            <a:spAutoFit/>
-          </a:bodyPr>
-          <a:lstStyle/>
-          <a:p>
-            <a:r>
-              <a:rPr lang="ru-RU" sz="2400" dirty="0"/>
-              <a:t>Простой аналог программы «</a:t>
-            </a:r>
-            <a:r>
-              <a:rPr lang="en-US" sz="2400" b="1" dirty="0"/>
-              <a:t>Paint</a:t>
-            </a:r>
-            <a:r>
-              <a:rPr lang="ru-RU" sz="2400" dirty="0"/>
-              <a:t>» на базе </a:t>
-            </a:r>
-            <a:r>
-              <a:rPr lang="en-US" sz="2400" b="1" dirty="0"/>
-              <a:t>JavaScript</a:t>
-            </a:r>
-            <a:r>
-              <a:rPr lang="en-US" sz="2400" dirty="0"/>
-              <a:t> </a:t>
-            </a:r>
-            <a:r>
-              <a:rPr lang="ru-RU" sz="2400" dirty="0"/>
-              <a:t>и</a:t>
-            </a:r>
-            <a:r>
-              <a:rPr lang="en-US" sz="2400" dirty="0"/>
-              <a:t> </a:t>
-            </a:r>
-            <a:r>
-              <a:rPr lang="en-US" sz="2400" b="1" dirty="0"/>
-              <a:t>canvas</a:t>
-            </a:r>
-            <a:r>
-              <a:rPr lang="ru-RU" sz="2400" dirty="0"/>
-              <a:t>.</a:t>
-            </a:r>
-          </a:p>
-          <a:p>
-            <a:endParaRPr lang="ru-RU" sz="2400" dirty="0"/>
-          </a:p>
-          <a:p>
-            <a:r>
-              <a:rPr lang="ru-RU" sz="2400" dirty="0"/>
-              <a:t>Воспользуйтесь шаблоном в </a:t>
-            </a:r>
-            <a:r>
-              <a:rPr lang="ru-RU" sz="2400" dirty="0" err="1"/>
-              <a:t>репозитории</a:t>
-            </a:r>
-            <a:r>
-              <a:rPr lang="ru-RU" sz="2400" dirty="0"/>
-              <a:t> занятия:</a:t>
-            </a:r>
-          </a:p>
-          <a:p>
-            <a:r>
-              <a:rPr lang="en-US" sz="2400" b="1" dirty="0">
-                <a:solidFill>
-                  <a:srgbClr val="0070C0"/>
-                </a:solidFill>
-              </a:rPr>
-              <a:t>./</a:t>
-            </a:r>
-            <a:r>
-              <a:rPr lang="en-US" sz="2400" b="1" dirty="0" err="1">
-                <a:solidFill>
-                  <a:srgbClr val="0070C0"/>
-                </a:solidFill>
-              </a:rPr>
-              <a:t>src</a:t>
-            </a:r>
-            <a:r>
-              <a:rPr lang="en-US" sz="2400" b="1" dirty="0">
-                <a:solidFill>
-                  <a:srgbClr val="0070C0"/>
-                </a:solidFill>
-              </a:rPr>
-              <a:t>/paint-example</a:t>
-            </a:r>
-          </a:p>
-          <a:p>
-            <a:endParaRPr lang="ru-RU" sz="2400" dirty="0">
-              <a:solidFill>
-                <a:srgbClr val="0070C0"/>
-              </a:solidFill>
-            </a:endParaRPr>
-          </a:p>
-        </p:txBody>
-      </p:sp>
-      <p:pic>
-        <p:nvPicPr>
-          <p:cNvPr id="7" name="Picture 2"/>
-          <p:cNvPicPr>
-            <a:picLocks noChangeAspect="1" noChangeArrowheads="1"/>
-          </p:cNvPicPr>
-          <p:nvPr/>
-        </p:nvPicPr>
-        <p:blipFill rotWithShape="1">
-          <a:blip r:embed="rId2" cstate="print"/>
-          <a:srcRect l="6956" t="10527" r="5095" b="5170"/>
-          <a:stretch/>
-        </p:blipFill>
-        <p:spPr bwMode="auto">
-          <a:xfrm>
-            <a:off x="551384" y="1412776"/>
-            <a:ext cx="5780707" cy="4248472"/>
-          </a:xfrm>
-          <a:prstGeom prst="rect">
-            <a:avLst/>
-          </a:prstGeom>
-          <a:ln>
-            <a:solidFill>
-              <a:schemeClr val="bg1">
-                <a:lumMod val="65000"/>
-              </a:schemeClr>
-            </a:solidFill>
-          </a:ln>
-          <a:effectLst>
-            <a:outerShdw blurRad="292100" dist="139700" dir="2700000" algn="tl" rotWithShape="0">
-              <a:srgbClr val="333333">
-                <a:alpha val="65000"/>
-              </a:srgbClr>
-            </a:outerShdw>
-          </a:effectLst>
-        </p:spPr>
-      </p:pic>
+          <a:bodyPr rtlCol="0" anchor="ctr"/>
+          <a:lstStyle/>
+          <a:p>
+            <a:pPr algn="ctr"/>
+            <a:r>
+              <a:rPr lang="ru-RU" sz="6000" b="1" dirty="0"/>
+              <a:t>Будет полезным</a:t>
+            </a:r>
+            <a:endParaRPr lang="uk-UA" sz="6000" b="1" dirty="0"/>
+          </a:p>
+        </p:txBody>
+      </p:sp>
     </p:spTree>
     <p:extLst>
       <p:ext uri="{BB962C8B-B14F-4D97-AF65-F5344CB8AC3E}">
-        <p14:creationId xmlns:p14="http://schemas.microsoft.com/office/powerpoint/2010/main" val="1232959888"/>
+        <p14:creationId xmlns:p14="http://schemas.microsoft.com/office/powerpoint/2010/main" val="3775796950"/>
       </p:ext>
     </p:extLst>
   </p:cSld>
@@ -12783,55 +12420,166 @@
       </p:grpSpPr>
       <p:sp>
         <p:nvSpPr>
-          <p:cNvPr id="5" name="Прямоугольник 4"/>
-          <p:cNvSpPr/>
-          <p:nvPr/>
-        </p:nvSpPr>
-        <p:spPr>
-          <a:xfrm>
-            <a:off x="0" y="0"/>
-            <a:ext cx="12192000" cy="6858000"/>
-          </a:xfrm>
-          <a:prstGeom prst="rect">
-            <a:avLst/>
-          </a:prstGeom>
-          <a:solidFill>
-            <a:srgbClr val="002060"/>
-          </a:solidFill>
+          <p:cNvPr id="6" name="Номер слайда 36"/>
+          <p:cNvSpPr txBox="1">
+            <a:spLocks/>
+          </p:cNvSpPr>
+          <p:nvPr/>
+        </p:nvSpPr>
+        <p:spPr>
+          <a:xfrm>
+            <a:off x="11208568" y="6165304"/>
+            <a:ext cx="648072" cy="432048"/>
+          </a:xfrm>
+          <a:prstGeom prst="roundRect">
+            <a:avLst/>
+          </a:prstGeom>
+          <a:ln w="25400" cap="flat" cmpd="sng" algn="ctr">
+            <a:solidFill>
+              <a:schemeClr val="tx2">
+                <a:lumMod val="60000"/>
+                <a:lumOff val="40000"/>
+              </a:schemeClr>
+            </a:solidFill>
+            <a:prstDash val="solid"/>
+          </a:ln>
         </p:spPr>
         <p:style>
           <a:lnRef idx="2">
-            <a:schemeClr val="accent1">
-              <a:shade val="50000"/>
-            </a:schemeClr>
+            <a:schemeClr val="accent1"/>
           </a:lnRef>
           <a:fillRef idx="1">
-            <a:schemeClr val="accent1"/>
+            <a:schemeClr val="lt1"/>
           </a:fillRef>
           <a:effectRef idx="0">
             <a:schemeClr val="accent1"/>
           </a:effectRef>
           <a:fontRef idx="minor">
-            <a:schemeClr val="lt1"/>
+            <a:schemeClr val="dk1"/>
           </a:fontRef>
         </p:style>
         <p:txBody>
-          <a:bodyPr rtlCol="0" anchor="ctr"/>
+          <a:bodyPr vert="horz" lIns="91440" tIns="45720" rIns="91440" bIns="45720" rtlCol="0" anchor="ctr"/>
+          <a:lstStyle/>
+          <a:p>
+            <a:pPr algn="ctr">
+              <a:defRPr/>
+            </a:pPr>
+            <a:fld id="{6389AA22-90B4-448C-8B6B-C699140D38B9}" type="slidenum">
+              <a:rPr lang="uk-UA" sz="2400" b="1">
+                <a:solidFill>
+                  <a:schemeClr val="bg1">
+                    <a:lumMod val="50000"/>
+                  </a:schemeClr>
+                </a:solidFill>
+              </a:rPr>
+              <a:pPr algn="ctr">
+                <a:defRPr/>
+              </a:pPr>
+              <a:t>40</a:t>
+            </a:fld>
+            <a:endParaRPr lang="uk-UA" sz="2400" b="1" dirty="0">
+              <a:solidFill>
+                <a:schemeClr val="bg1">
+                  <a:lumMod val="50000"/>
+                </a:schemeClr>
+              </a:solidFill>
+            </a:endParaRPr>
+          </a:p>
+        </p:txBody>
+      </p:sp>
+      <p:sp>
+        <p:nvSpPr>
+          <p:cNvPr id="5" name="TextBox 4"/>
+          <p:cNvSpPr txBox="1"/>
+          <p:nvPr/>
+        </p:nvSpPr>
+        <p:spPr>
+          <a:xfrm>
+            <a:off x="0" y="404664"/>
+            <a:ext cx="12192000" cy="769441"/>
+          </a:xfrm>
+          <a:prstGeom prst="rect">
+            <a:avLst/>
+          </a:prstGeom>
+          <a:noFill/>
+        </p:spPr>
+        <p:txBody>
+          <a:bodyPr wrap="square" rtlCol="0">
+            <a:spAutoFit/>
+          </a:bodyPr>
           <a:lstStyle/>
           <a:p>
             <a:pPr algn="ctr"/>
             <a:r>
-              <a:rPr lang="ru-RU" sz="6000" b="1" dirty="0"/>
-              <a:t>Будет полезным</a:t>
-            </a:r>
-            <a:endParaRPr lang="uk-UA" sz="6000" b="1" dirty="0"/>
-          </a:p>
-        </p:txBody>
-      </p:sp>
+              <a:rPr lang="en-US" sz="4400" b="1" dirty="0"/>
+              <a:t>JavaScript + Canvas = Paint</a:t>
+            </a:r>
+            <a:endParaRPr lang="ru-RU" sz="4400" b="1" dirty="0"/>
+          </a:p>
+        </p:txBody>
+      </p:sp>
+      <p:sp>
+        <p:nvSpPr>
+          <p:cNvPr id="7" name="TextBox 6"/>
+          <p:cNvSpPr txBox="1"/>
+          <p:nvPr/>
+        </p:nvSpPr>
+        <p:spPr>
+          <a:xfrm>
+            <a:off x="2459596" y="5478323"/>
+            <a:ext cx="7272808" cy="830997"/>
+          </a:xfrm>
+          <a:prstGeom prst="rect">
+            <a:avLst/>
+          </a:prstGeom>
+          <a:noFill/>
+        </p:spPr>
+        <p:txBody>
+          <a:bodyPr wrap="square" rtlCol="0">
+            <a:spAutoFit/>
+          </a:bodyPr>
+          <a:lstStyle/>
+          <a:p>
+            <a:pPr algn="ctr"/>
+            <a:r>
+              <a:rPr lang="en-US" sz="2400" b="1" i="1" dirty="0">
+                <a:hlinkClick r:id="rId2"/>
+              </a:rPr>
+              <a:t>http://www.williammalone.com/articles/create-html5-canvas-javascript-drawing-app/</a:t>
+            </a:r>
+            <a:endParaRPr lang="ru-RU" sz="2400" b="1" i="1" dirty="0"/>
+          </a:p>
+        </p:txBody>
+      </p:sp>
+      <p:pic>
+        <p:nvPicPr>
+          <p:cNvPr id="3" name="Рисунок 2"/>
+          <p:cNvPicPr>
+            <a:picLocks noChangeAspect="1"/>
+          </p:cNvPicPr>
+          <p:nvPr/>
+        </p:nvPicPr>
+        <p:blipFill>
+          <a:blip r:embed="rId3"/>
+          <a:stretch>
+            <a:fillRect/>
+          </a:stretch>
+        </p:blipFill>
+        <p:spPr>
+          <a:xfrm>
+            <a:off x="1369444" y="1174105"/>
+            <a:ext cx="9453112" cy="4347421"/>
+          </a:xfrm>
+          <a:prstGeom prst="rect">
+            <a:avLst/>
+          </a:prstGeom>
+        </p:spPr>
+      </p:pic>
     </p:spTree>
     <p:extLst>
       <p:ext uri="{BB962C8B-B14F-4D97-AF65-F5344CB8AC3E}">
-        <p14:creationId xmlns:p14="http://schemas.microsoft.com/office/powerpoint/2010/main" val="3775796950"/>
+        <p14:creationId xmlns:p14="http://schemas.microsoft.com/office/powerpoint/2010/main" val="3200498612"/>
       </p:ext>
     </p:extLst>
   </p:cSld>
@@ -12860,166 +12608,55 @@
       </p:grpSpPr>
       <p:sp>
         <p:nvSpPr>
-          <p:cNvPr id="6" name="Номер слайда 36"/>
-          <p:cNvSpPr txBox="1">
-            <a:spLocks/>
-          </p:cNvSpPr>
-          <p:nvPr/>
-        </p:nvSpPr>
-        <p:spPr>
-          <a:xfrm>
-            <a:off x="11208568" y="6165304"/>
-            <a:ext cx="648072" cy="432048"/>
-          </a:xfrm>
-          <a:prstGeom prst="roundRect">
-            <a:avLst/>
-          </a:prstGeom>
-          <a:ln w="25400" cap="flat" cmpd="sng" algn="ctr">
-            <a:solidFill>
-              <a:schemeClr val="tx2">
-                <a:lumMod val="60000"/>
-                <a:lumOff val="40000"/>
-              </a:schemeClr>
-            </a:solidFill>
-            <a:prstDash val="solid"/>
-          </a:ln>
+          <p:cNvPr id="5" name="Прямоугольник 4"/>
+          <p:cNvSpPr/>
+          <p:nvPr/>
+        </p:nvSpPr>
+        <p:spPr>
+          <a:xfrm>
+            <a:off x="0" y="0"/>
+            <a:ext cx="12192000" cy="6858000"/>
+          </a:xfrm>
+          <a:prstGeom prst="rect">
+            <a:avLst/>
+          </a:prstGeom>
+          <a:solidFill>
+            <a:srgbClr val="002060"/>
+          </a:solidFill>
         </p:spPr>
         <p:style>
           <a:lnRef idx="2">
-            <a:schemeClr val="accent1"/>
+            <a:schemeClr val="accent1">
+              <a:shade val="50000"/>
+            </a:schemeClr>
           </a:lnRef>
           <a:fillRef idx="1">
-            <a:schemeClr val="lt1"/>
+            <a:schemeClr val="accent1"/>
           </a:fillRef>
           <a:effectRef idx="0">
             <a:schemeClr val="accent1"/>
           </a:effectRef>
           <a:fontRef idx="minor">
-            <a:schemeClr val="dk1"/>
+            <a:schemeClr val="lt1"/>
           </a:fontRef>
         </p:style>
         <p:txBody>
-          <a:bodyPr vert="horz" lIns="91440" tIns="45720" rIns="91440" bIns="45720" rtlCol="0" anchor="ctr"/>
-          <a:lstStyle/>
-          <a:p>
-            <a:pPr algn="ctr">
-              <a:defRPr/>
-            </a:pPr>
-            <a:fld id="{6389AA22-90B4-448C-8B6B-C699140D38B9}" type="slidenum">
-              <a:rPr lang="uk-UA" sz="2400" b="1">
-                <a:solidFill>
-                  <a:schemeClr val="bg1">
-                    <a:lumMod val="50000"/>
-                  </a:schemeClr>
-                </a:solidFill>
-              </a:rPr>
-              <a:pPr algn="ctr">
-                <a:defRPr/>
-              </a:pPr>
-              <a:t>41</a:t>
-            </a:fld>
-            <a:endParaRPr lang="uk-UA" sz="2400" b="1" dirty="0">
-              <a:solidFill>
-                <a:schemeClr val="bg1">
-                  <a:lumMod val="50000"/>
-                </a:schemeClr>
-              </a:solidFill>
-            </a:endParaRPr>
-          </a:p>
-        </p:txBody>
-      </p:sp>
-      <p:sp>
-        <p:nvSpPr>
-          <p:cNvPr id="5" name="TextBox 4"/>
-          <p:cNvSpPr txBox="1"/>
-          <p:nvPr/>
-        </p:nvSpPr>
-        <p:spPr>
-          <a:xfrm>
-            <a:off x="0" y="404664"/>
-            <a:ext cx="12192000" cy="769441"/>
-          </a:xfrm>
-          <a:prstGeom prst="rect">
-            <a:avLst/>
-          </a:prstGeom>
-          <a:noFill/>
-        </p:spPr>
-        <p:txBody>
-          <a:bodyPr wrap="square" rtlCol="0">
-            <a:spAutoFit/>
-          </a:bodyPr>
+          <a:bodyPr rtlCol="0" anchor="ctr"/>
           <a:lstStyle/>
           <a:p>
             <a:pPr algn="ctr"/>
             <a:r>
-              <a:rPr lang="en-US" sz="4400" b="1" dirty="0"/>
-              <a:t>JavaScript + Canvas = Paint</a:t>
-            </a:r>
-            <a:endParaRPr lang="ru-RU" sz="4400" b="1" dirty="0"/>
-          </a:p>
-        </p:txBody>
-      </p:sp>
-      <p:sp>
-        <p:nvSpPr>
-          <p:cNvPr id="7" name="TextBox 6"/>
-          <p:cNvSpPr txBox="1"/>
-          <p:nvPr/>
-        </p:nvSpPr>
-        <p:spPr>
-          <a:xfrm>
-            <a:off x="2459596" y="5478323"/>
-            <a:ext cx="7272808" cy="830997"/>
-          </a:xfrm>
-          <a:prstGeom prst="rect">
-            <a:avLst/>
-          </a:prstGeom>
-          <a:noFill/>
-        </p:spPr>
-        <p:txBody>
-          <a:bodyPr wrap="square" rtlCol="0">
-            <a:spAutoFit/>
-          </a:bodyPr>
-          <a:lstStyle/>
-          <a:p>
-            <a:pPr algn="ctr"/>
-            <a:r>
-              <a:rPr lang="en-US" sz="2400" b="1" i="1" dirty="0">
-                <a:hlinkClick r:id="rId2"/>
-              </a:rPr>
-              <a:t>http://www.williammalone.com/articles/create-html5-canvas-javascript-drawing-app/</a:t>
-            </a:r>
-            <a:endParaRPr lang="ru-RU" sz="2400" b="1" i="1" dirty="0"/>
-          </a:p>
-        </p:txBody>
-      </p:sp>
-      <p:pic>
-        <p:nvPicPr>
-          <p:cNvPr id="3" name="Рисунок 2"/>
-          <p:cNvPicPr>
-            <a:picLocks noChangeAspect="1"/>
-          </p:cNvPicPr>
-          <p:nvPr/>
-        </p:nvPicPr>
-        <p:blipFill>
-          <a:blip r:embed="rId3"/>
-          <a:stretch>
-            <a:fillRect/>
-          </a:stretch>
-        </p:blipFill>
-        <p:spPr>
-          <a:xfrm>
-            <a:off x="1369444" y="1174105"/>
-            <a:ext cx="9453112" cy="4347421"/>
-          </a:xfrm>
-          <a:prstGeom prst="rect">
-            <a:avLst/>
-          </a:prstGeom>
-        </p:spPr>
-      </p:pic>
+              <a:rPr lang="ru-RU" sz="6000" b="1" dirty="0"/>
+              <a:t>На следующем занятии</a:t>
+            </a:r>
+            <a:endParaRPr lang="uk-UA" sz="6000" b="1" dirty="0"/>
+          </a:p>
+        </p:txBody>
+      </p:sp>
     </p:spTree>
     <p:extLst>
       <p:ext uri="{BB962C8B-B14F-4D97-AF65-F5344CB8AC3E}">
-        <p14:creationId xmlns:p14="http://schemas.microsoft.com/office/powerpoint/2010/main" val="3200498612"/>
+        <p14:creationId xmlns:p14="http://schemas.microsoft.com/office/powerpoint/2010/main" val="4058259034"/>
       </p:ext>
     </p:extLst>
   </p:cSld>
@@ -13048,55 +12685,127 @@
       </p:grpSpPr>
       <p:sp>
         <p:nvSpPr>
-          <p:cNvPr id="5" name="Прямоугольник 4"/>
-          <p:cNvSpPr/>
-          <p:nvPr/>
-        </p:nvSpPr>
-        <p:spPr>
-          <a:xfrm>
-            <a:off x="0" y="0"/>
-            <a:ext cx="12192000" cy="6858000"/>
-          </a:xfrm>
-          <a:prstGeom prst="rect">
-            <a:avLst/>
-          </a:prstGeom>
-          <a:solidFill>
-            <a:srgbClr val="002060"/>
-          </a:solidFill>
-        </p:spPr>
-        <p:style>
-          <a:lnRef idx="2">
-            <a:schemeClr val="accent1">
-              <a:shade val="50000"/>
-            </a:schemeClr>
-          </a:lnRef>
-          <a:fillRef idx="1">
-            <a:schemeClr val="accent1"/>
-          </a:fillRef>
-          <a:effectRef idx="0">
-            <a:schemeClr val="accent1"/>
-          </a:effectRef>
-          <a:fontRef idx="minor">
-            <a:schemeClr val="lt1"/>
-          </a:fontRef>
-        </p:style>
-        <p:txBody>
-          <a:bodyPr rtlCol="0" anchor="ctr"/>
+          <p:cNvPr id="3" name="TextBox 2"/>
+          <p:cNvSpPr txBox="1"/>
+          <p:nvPr/>
+        </p:nvSpPr>
+        <p:spPr>
+          <a:xfrm>
+            <a:off x="-1" y="2006838"/>
+            <a:ext cx="12192001" cy="2862322"/>
+          </a:xfrm>
+          <a:prstGeom prst="rect">
+            <a:avLst/>
+          </a:prstGeom>
+          <a:noFill/>
+        </p:spPr>
+        <p:txBody>
+          <a:bodyPr wrap="square" rtlCol="0">
+            <a:spAutoFit/>
+          </a:bodyPr>
           <a:lstStyle/>
           <a:p>
             <a:pPr algn="ctr"/>
             <a:r>
+              <a:rPr lang="ru-RU" sz="6000" b="1" dirty="0">
+                <a:solidFill>
+                  <a:srgbClr val="0070C0"/>
+                </a:solidFill>
+              </a:rPr>
+              <a:t>Формы</a:t>
+            </a:r>
+            <a:r>
+              <a:rPr lang="ru-RU" sz="6000" b="1" dirty="0">
+                <a:solidFill>
+                  <a:schemeClr val="bg1">
+                    <a:lumMod val="65000"/>
+                  </a:schemeClr>
+                </a:solidFill>
+              </a:rPr>
+              <a:t>,</a:t>
+            </a:r>
+            <a:r>
               <a:rPr lang="ru-RU" sz="6000" b="1" dirty="0"/>
-              <a:t>На следующем занятии</a:t>
-            </a:r>
-            <a:endParaRPr lang="uk-UA" sz="6000" b="1" dirty="0"/>
+              <a:t> </a:t>
+            </a:r>
+            <a:r>
+              <a:rPr lang="ru-RU" sz="6000" b="1" dirty="0">
+                <a:solidFill>
+                  <a:srgbClr val="00B050"/>
+                </a:solidFill>
+              </a:rPr>
+              <a:t>элементы ввода</a:t>
+            </a:r>
+            <a:r>
+              <a:rPr lang="ru-RU" sz="6000" b="1" dirty="0">
+                <a:solidFill>
+                  <a:schemeClr val="bg1">
+                    <a:lumMod val="65000"/>
+                  </a:schemeClr>
+                </a:solidFill>
+              </a:rPr>
+              <a:t>,</a:t>
+            </a:r>
+            <a:r>
+              <a:rPr lang="ru-RU" sz="6000" b="1" dirty="0"/>
+              <a:t> </a:t>
+            </a:r>
+            <a:r>
+              <a:rPr lang="ru-RU" sz="6000" b="1" dirty="0">
+                <a:solidFill>
+                  <a:schemeClr val="accent6">
+                    <a:lumMod val="75000"/>
+                  </a:schemeClr>
+                </a:solidFill>
+              </a:rPr>
+              <a:t>регулярные выражения </a:t>
+            </a:r>
+            <a:r>
+              <a:rPr lang="ru-RU" sz="6000" b="1" dirty="0">
+                <a:solidFill>
+                  <a:schemeClr val="bg1">
+                    <a:lumMod val="65000"/>
+                  </a:schemeClr>
+                </a:solidFill>
+              </a:rPr>
+              <a:t>и</a:t>
+            </a:r>
+            <a:r>
+              <a:rPr lang="ru-RU" sz="6000" b="1" dirty="0"/>
+              <a:t> </a:t>
+            </a:r>
+            <a:r>
+              <a:rPr lang="ru-RU" sz="6000" b="1" dirty="0">
+                <a:solidFill>
+                  <a:srgbClr val="7030A0"/>
+                </a:solidFill>
+              </a:rPr>
+              <a:t>валидация данных</a:t>
+            </a:r>
+            <a:r>
+              <a:rPr lang="en-US" sz="6000" b="1" dirty="0">
+                <a:solidFill>
+                  <a:srgbClr val="7030A0"/>
+                </a:solidFill>
+              </a:rPr>
+              <a:t> </a:t>
+            </a:r>
+            <a:r>
+              <a:rPr lang="ru-RU" sz="6000" b="1" dirty="0"/>
+              <a:t>в </a:t>
+            </a:r>
+            <a:r>
+              <a:rPr lang="en-US" sz="6000" b="1" dirty="0"/>
+              <a:t>JavaScript</a:t>
+            </a:r>
+            <a:endParaRPr lang="ru-RU" sz="6000" b="1" dirty="0"/>
           </a:p>
         </p:txBody>
       </p:sp>
     </p:spTree>
     <p:extLst>
       <p:ext uri="{BB962C8B-B14F-4D97-AF65-F5344CB8AC3E}">
-        <p14:creationId xmlns:p14="http://schemas.microsoft.com/office/powerpoint/2010/main" val="4058259034"/>
+        <p14:creationId xmlns:p14="http://schemas.microsoft.com/office/powerpoint/2010/main" val="2116670447"/>
       </p:ext>
     </p:extLst>
   </p:cSld>
@@ -13125,155 +12834,6 @@
       </p:grpSpPr>
       <p:sp>
         <p:nvSpPr>
-          <p:cNvPr id="3" name="TextBox 2"/>
-          <p:cNvSpPr txBox="1"/>
-          <p:nvPr/>
-        </p:nvSpPr>
-        <p:spPr>
-          <a:xfrm>
-            <a:off x="-1" y="2006838"/>
-            <a:ext cx="12192001" cy="2862322"/>
-          </a:xfrm>
-          <a:prstGeom prst="rect">
-            <a:avLst/>
-          </a:prstGeom>
-          <a:noFill/>
-        </p:spPr>
-        <p:txBody>
-          <a:bodyPr wrap="square" rtlCol="0">
-            <a:spAutoFit/>
-          </a:bodyPr>
-          <a:lstStyle/>
-          <a:p>
-            <a:pPr algn="ctr"/>
-            <a:r>
-              <a:rPr lang="ru-RU" sz="6000" b="1" dirty="0">
-                <a:solidFill>
-                  <a:srgbClr val="0070C0"/>
-                </a:solidFill>
-              </a:rPr>
-              <a:t>Формы</a:t>
-            </a:r>
-            <a:r>
-              <a:rPr lang="ru-RU" sz="6000" b="1" dirty="0">
-                <a:solidFill>
-                  <a:schemeClr val="bg1">
-                    <a:lumMod val="65000"/>
-                  </a:schemeClr>
-                </a:solidFill>
-              </a:rPr>
-              <a:t>,</a:t>
-            </a:r>
-            <a:r>
-              <a:rPr lang="ru-RU" sz="6000" b="1" dirty="0"/>
-              <a:t> </a:t>
-            </a:r>
-            <a:r>
-              <a:rPr lang="ru-RU" sz="6000" b="1" dirty="0">
-                <a:solidFill>
-                  <a:srgbClr val="00B050"/>
-                </a:solidFill>
-              </a:rPr>
-              <a:t>элементы ввода</a:t>
-            </a:r>
-            <a:r>
-              <a:rPr lang="ru-RU" sz="6000" b="1" dirty="0">
-                <a:solidFill>
-                  <a:schemeClr val="bg1">
-                    <a:lumMod val="65000"/>
-                  </a:schemeClr>
-                </a:solidFill>
-              </a:rPr>
-              <a:t>,</a:t>
-            </a:r>
-            <a:r>
-              <a:rPr lang="ru-RU" sz="6000" b="1" dirty="0"/>
-              <a:t> </a:t>
-            </a:r>
-            <a:r>
-              <a:rPr lang="ru-RU" sz="6000" b="1" dirty="0">
-                <a:solidFill>
-                  <a:schemeClr val="accent6">
-                    <a:lumMod val="75000"/>
-                  </a:schemeClr>
-                </a:solidFill>
-              </a:rPr>
-              <a:t>регулярные выражения </a:t>
-            </a:r>
-            <a:r>
-              <a:rPr lang="ru-RU" sz="6000" b="1" dirty="0">
-                <a:solidFill>
-                  <a:schemeClr val="bg1">
-                    <a:lumMod val="65000"/>
-                  </a:schemeClr>
-                </a:solidFill>
-              </a:rPr>
-              <a:t>и</a:t>
-            </a:r>
-            <a:r>
-              <a:rPr lang="ru-RU" sz="6000" b="1" dirty="0"/>
-              <a:t> </a:t>
-            </a:r>
-            <a:r>
-              <a:rPr lang="ru-RU" sz="6000" b="1" dirty="0">
-                <a:solidFill>
-                  <a:srgbClr val="7030A0"/>
-                </a:solidFill>
-              </a:rPr>
-              <a:t>валидация данных</a:t>
-            </a:r>
-            <a:r>
-              <a:rPr lang="en-US" sz="6000" b="1" dirty="0">
-                <a:solidFill>
-                  <a:srgbClr val="7030A0"/>
-                </a:solidFill>
-              </a:rPr>
-              <a:t> </a:t>
-            </a:r>
-            <a:r>
-              <a:rPr lang="ru-RU" sz="6000" b="1" dirty="0"/>
-              <a:t>в </a:t>
-            </a:r>
-            <a:r>
-              <a:rPr lang="en-US" sz="6000" b="1" dirty="0"/>
-              <a:t>JavaScript</a:t>
-            </a:r>
-            <a:endParaRPr lang="ru-RU" sz="6000" b="1" dirty="0"/>
-          </a:p>
-        </p:txBody>
-      </p:sp>
-    </p:spTree>
-    <p:extLst>
-      <p:ext uri="{BB962C8B-B14F-4D97-AF65-F5344CB8AC3E}">
-        <p14:creationId xmlns:p14="http://schemas.microsoft.com/office/powerpoint/2010/main" val="2116670447"/>
-      </p:ext>
-    </p:extLst>
-  </p:cSld>
-  <p:clrMapOvr>
-    <a:masterClrMapping/>
-  </p:clrMapOvr>
-</p:sld>
-</file>
-
-<file path=ppt/slides/slide44.xml><?xml version="1.0" encoding="utf-8"?>
-<p:sld xmlns:a="http://schemas.openxmlformats.org/drawingml/2006/main" xmlns:r="http://schemas.openxmlformats.org/officeDocument/2006/relationships" xmlns:p="http://schemas.openxmlformats.org/presentationml/2006/main">
-  <p:cSld>
-    <p:spTree>
-      <p:nvGrpSpPr>
-        <p:cNvPr id="1" name=""/>
-        <p:cNvGrpSpPr/>
-        <p:nvPr/>
-      </p:nvGrpSpPr>
-      <p:grpSpPr>
-        <a:xfrm>
-          <a:off x="0" y="0"/>
-          <a:ext cx="0" cy="0"/>
-          <a:chOff x="0" y="0"/>
-          <a:chExt cx="0" cy="0"/>
-        </a:xfrm>
-      </p:grpSpPr>
-      <p:sp>
-        <p:nvSpPr>
           <p:cNvPr id="5" name="Прямоугольник 4"/>
           <p:cNvSpPr/>
           <p:nvPr/>
@@ -13343,7 +12903,7 @@
 </p:sld>
 </file>
 
-<file path=ppt/slides/slide45.xml><?xml version="1.0" encoding="utf-8"?>
+<file path=ppt/slides/slide44.xml><?xml version="1.0" encoding="utf-8"?>
 <p:sld xmlns:a="http://schemas.openxmlformats.org/drawingml/2006/main" xmlns:r="http://schemas.openxmlformats.org/officeDocument/2006/relationships" xmlns:p="http://schemas.openxmlformats.org/presentationml/2006/main">
   <p:cSld>
     <p:spTree>
